--- a/CBF_verify/CBF_verify.pptx
+++ b/CBF_verify/CBF_verify.pptx
@@ -4,6 +4,9 @@
   <p:sldMasterIdLst>
     <p:sldMasterId id="2147483648" r:id="rId1"/>
   </p:sldMasterIdLst>
+  <p:notesMasterIdLst>
+    <p:notesMasterId r:id="rId21"/>
+  </p:notesMasterIdLst>
   <p:sldIdLst>
     <p:sldId id="256" r:id="rId2"/>
     <p:sldId id="266" r:id="rId3"/>
@@ -17,6 +20,13 @@
     <p:sldId id="264" r:id="rId11"/>
     <p:sldId id="265" r:id="rId12"/>
     <p:sldId id="268" r:id="rId13"/>
+    <p:sldId id="270" r:id="rId14"/>
+    <p:sldId id="274" r:id="rId15"/>
+    <p:sldId id="269" r:id="rId16"/>
+    <p:sldId id="276" r:id="rId17"/>
+    <p:sldId id="275" r:id="rId18"/>
+    <p:sldId id="277" r:id="rId19"/>
+    <p:sldId id="278" r:id="rId20"/>
   </p:sldIdLst>
   <p:sldSz cx="12192000" cy="6858000"/>
   <p:notesSz cx="6858000" cy="9144000"/>
@@ -121,6 +131,440 @@
     </p:ext>
   </p:extLst>
 </p:presentation>
+</file>
+
+<file path=ppt/notesMasters/notesMaster1.xml><?xml version="1.0" encoding="utf-8"?>
+<p:notesMaster xmlns:a="http://schemas.openxmlformats.org/drawingml/2006/main" xmlns:r="http://schemas.openxmlformats.org/officeDocument/2006/relationships" xmlns:p="http://schemas.openxmlformats.org/presentationml/2006/main">
+  <p:cSld>
+    <p:bg>
+      <p:bgRef idx="1001">
+        <a:schemeClr val="bg1"/>
+      </p:bgRef>
+    </p:bg>
+    <p:spTree>
+      <p:nvGrpSpPr>
+        <p:cNvPr id="1" name=""/>
+        <p:cNvGrpSpPr/>
+        <p:nvPr/>
+      </p:nvGrpSpPr>
+      <p:grpSpPr>
+        <a:xfrm>
+          <a:off x="0" y="0"/>
+          <a:ext cx="0" cy="0"/>
+          <a:chOff x="0" y="0"/>
+          <a:chExt cx="0" cy="0"/>
+        </a:xfrm>
+      </p:grpSpPr>
+      <p:sp>
+        <p:nvSpPr>
+          <p:cNvPr id="2" name="Header Placeholder 1"/>
+          <p:cNvSpPr>
+            <a:spLocks noGrp="1"/>
+          </p:cNvSpPr>
+          <p:nvPr>
+            <p:ph type="hdr" sz="quarter"/>
+          </p:nvPr>
+        </p:nvSpPr>
+        <p:spPr>
+          <a:xfrm>
+            <a:off x="0" y="0"/>
+            <a:ext cx="2971800" cy="458788"/>
+          </a:xfrm>
+          <a:prstGeom prst="rect">
+            <a:avLst/>
+          </a:prstGeom>
+        </p:spPr>
+        <p:txBody>
+          <a:bodyPr vert="horz" lIns="91440" tIns="45720" rIns="91440" bIns="45720" rtlCol="0"/>
+          <a:lstStyle>
+            <a:lvl1pPr algn="l">
+              <a:defRPr sz="1200"/>
+            </a:lvl1pPr>
+          </a:lstStyle>
+          <a:p>
+            <a:endParaRPr lang="zh-CN" altLang="en-US"/>
+          </a:p>
+        </p:txBody>
+      </p:sp>
+      <p:sp>
+        <p:nvSpPr>
+          <p:cNvPr id="3" name="Date Placeholder 2"/>
+          <p:cNvSpPr>
+            <a:spLocks noGrp="1"/>
+          </p:cNvSpPr>
+          <p:nvPr>
+            <p:ph type="dt" idx="1"/>
+          </p:nvPr>
+        </p:nvSpPr>
+        <p:spPr>
+          <a:xfrm>
+            <a:off x="3884613" y="0"/>
+            <a:ext cx="2971800" cy="458788"/>
+          </a:xfrm>
+          <a:prstGeom prst="rect">
+            <a:avLst/>
+          </a:prstGeom>
+        </p:spPr>
+        <p:txBody>
+          <a:bodyPr vert="horz" lIns="91440" tIns="45720" rIns="91440" bIns="45720" rtlCol="0"/>
+          <a:lstStyle>
+            <a:lvl1pPr algn="r">
+              <a:defRPr sz="1200"/>
+            </a:lvl1pPr>
+          </a:lstStyle>
+          <a:p>
+            <a:fld id="{7143FBCC-6CF6-47A8-8643-E2A139675D5E}" type="datetimeFigureOut">
+              <a:rPr lang="zh-CN" altLang="en-US" smtClean="0"/>
+              <a:t>2021/12/1</a:t>
+            </a:fld>
+            <a:endParaRPr lang="zh-CN" altLang="en-US"/>
+          </a:p>
+        </p:txBody>
+      </p:sp>
+      <p:sp>
+        <p:nvSpPr>
+          <p:cNvPr id="4" name="Slide Image Placeholder 3"/>
+          <p:cNvSpPr>
+            <a:spLocks noGrp="1" noRot="1" noChangeAspect="1"/>
+          </p:cNvSpPr>
+          <p:nvPr>
+            <p:ph type="sldImg" idx="2"/>
+          </p:nvPr>
+        </p:nvSpPr>
+        <p:spPr>
+          <a:xfrm>
+            <a:off x="685800" y="1143000"/>
+            <a:ext cx="5486400" cy="3086100"/>
+          </a:xfrm>
+          <a:prstGeom prst="rect">
+            <a:avLst/>
+          </a:prstGeom>
+          <a:noFill/>
+          <a:ln w="12700">
+            <a:solidFill>
+              <a:prstClr val="black"/>
+            </a:solidFill>
+          </a:ln>
+        </p:spPr>
+        <p:txBody>
+          <a:bodyPr vert="horz" lIns="91440" tIns="45720" rIns="91440" bIns="45720" rtlCol="0" anchor="ctr"/>
+          <a:lstStyle/>
+          <a:p>
+            <a:endParaRPr lang="zh-CN" altLang="en-US"/>
+          </a:p>
+        </p:txBody>
+      </p:sp>
+      <p:sp>
+        <p:nvSpPr>
+          <p:cNvPr id="5" name="Notes Placeholder 4"/>
+          <p:cNvSpPr>
+            <a:spLocks noGrp="1"/>
+          </p:cNvSpPr>
+          <p:nvPr>
+            <p:ph type="body" sz="quarter" idx="3"/>
+          </p:nvPr>
+        </p:nvSpPr>
+        <p:spPr>
+          <a:xfrm>
+            <a:off x="685800" y="4400550"/>
+            <a:ext cx="5486400" cy="3600450"/>
+          </a:xfrm>
+          <a:prstGeom prst="rect">
+            <a:avLst/>
+          </a:prstGeom>
+        </p:spPr>
+        <p:txBody>
+          <a:bodyPr vert="horz" lIns="91440" tIns="45720" rIns="91440" bIns="45720" rtlCol="0"/>
+          <a:lstStyle/>
+          <a:p>
+            <a:pPr lvl="0"/>
+            <a:r>
+              <a:rPr lang="en-US" altLang="zh-CN"/>
+              <a:t>Click to edit Master text styles</a:t>
+            </a:r>
+          </a:p>
+          <a:p>
+            <a:pPr lvl="1"/>
+            <a:r>
+              <a:rPr lang="en-US" altLang="zh-CN"/>
+              <a:t>Second level</a:t>
+            </a:r>
+          </a:p>
+          <a:p>
+            <a:pPr lvl="2"/>
+            <a:r>
+              <a:rPr lang="en-US" altLang="zh-CN"/>
+              <a:t>Third level</a:t>
+            </a:r>
+          </a:p>
+          <a:p>
+            <a:pPr lvl="3"/>
+            <a:r>
+              <a:rPr lang="en-US" altLang="zh-CN"/>
+              <a:t>Fourth level</a:t>
+            </a:r>
+          </a:p>
+          <a:p>
+            <a:pPr lvl="4"/>
+            <a:r>
+              <a:rPr lang="en-US" altLang="zh-CN"/>
+              <a:t>Fifth level</a:t>
+            </a:r>
+            <a:endParaRPr lang="zh-CN" altLang="en-US"/>
+          </a:p>
+        </p:txBody>
+      </p:sp>
+      <p:sp>
+        <p:nvSpPr>
+          <p:cNvPr id="6" name="Footer Placeholder 5"/>
+          <p:cNvSpPr>
+            <a:spLocks noGrp="1"/>
+          </p:cNvSpPr>
+          <p:nvPr>
+            <p:ph type="ftr" sz="quarter" idx="4"/>
+          </p:nvPr>
+        </p:nvSpPr>
+        <p:spPr>
+          <a:xfrm>
+            <a:off x="0" y="8685213"/>
+            <a:ext cx="2971800" cy="458787"/>
+          </a:xfrm>
+          <a:prstGeom prst="rect">
+            <a:avLst/>
+          </a:prstGeom>
+        </p:spPr>
+        <p:txBody>
+          <a:bodyPr vert="horz" lIns="91440" tIns="45720" rIns="91440" bIns="45720" rtlCol="0" anchor="b"/>
+          <a:lstStyle>
+            <a:lvl1pPr algn="l">
+              <a:defRPr sz="1200"/>
+            </a:lvl1pPr>
+          </a:lstStyle>
+          <a:p>
+            <a:endParaRPr lang="zh-CN" altLang="en-US"/>
+          </a:p>
+        </p:txBody>
+      </p:sp>
+      <p:sp>
+        <p:nvSpPr>
+          <p:cNvPr id="7" name="Slide Number Placeholder 6"/>
+          <p:cNvSpPr>
+            <a:spLocks noGrp="1"/>
+          </p:cNvSpPr>
+          <p:nvPr>
+            <p:ph type="sldNum" sz="quarter" idx="5"/>
+          </p:nvPr>
+        </p:nvSpPr>
+        <p:spPr>
+          <a:xfrm>
+            <a:off x="3884613" y="8685213"/>
+            <a:ext cx="2971800" cy="458787"/>
+          </a:xfrm>
+          <a:prstGeom prst="rect">
+            <a:avLst/>
+          </a:prstGeom>
+        </p:spPr>
+        <p:txBody>
+          <a:bodyPr vert="horz" lIns="91440" tIns="45720" rIns="91440" bIns="45720" rtlCol="0" anchor="b"/>
+          <a:lstStyle>
+            <a:lvl1pPr algn="r">
+              <a:defRPr sz="1200"/>
+            </a:lvl1pPr>
+          </a:lstStyle>
+          <a:p>
+            <a:fld id="{059AA733-D5DB-41A7-8C22-8E48028242B9}" type="slidenum">
+              <a:rPr lang="zh-CN" altLang="en-US" smtClean="0"/>
+              <a:t>‹#›</a:t>
+            </a:fld>
+            <a:endParaRPr lang="zh-CN" altLang="en-US"/>
+          </a:p>
+        </p:txBody>
+      </p:sp>
+    </p:spTree>
+    <p:extLst>
+      <p:ext uri="{BB962C8B-B14F-4D97-AF65-F5344CB8AC3E}">
+        <p14:creationId xmlns:p14="http://schemas.microsoft.com/office/powerpoint/2010/main" val="3261612277"/>
+      </p:ext>
+    </p:extLst>
+  </p:cSld>
+  <p:clrMap bg1="lt1" tx1="dk1" bg2="lt2" tx2="dk2" accent1="accent1" accent2="accent2" accent3="accent3" accent4="accent4" accent5="accent5" accent6="accent6" hlink="hlink" folHlink="folHlink"/>
+  <p:notesStyle>
+    <a:lvl1pPr marL="0" algn="l" defTabSz="914400" rtl="0" eaLnBrk="1" latinLnBrk="0" hangingPunct="1">
+      <a:defRPr sz="1200" kern="1200">
+        <a:solidFill>
+          <a:schemeClr val="tx1"/>
+        </a:solidFill>
+        <a:latin typeface="+mn-lt"/>
+        <a:ea typeface="+mn-ea"/>
+        <a:cs typeface="+mn-cs"/>
+      </a:defRPr>
+    </a:lvl1pPr>
+    <a:lvl2pPr marL="457200" algn="l" defTabSz="914400" rtl="0" eaLnBrk="1" latinLnBrk="0" hangingPunct="1">
+      <a:defRPr sz="1200" kern="1200">
+        <a:solidFill>
+          <a:schemeClr val="tx1"/>
+        </a:solidFill>
+        <a:latin typeface="+mn-lt"/>
+        <a:ea typeface="+mn-ea"/>
+        <a:cs typeface="+mn-cs"/>
+      </a:defRPr>
+    </a:lvl2pPr>
+    <a:lvl3pPr marL="914400" algn="l" defTabSz="914400" rtl="0" eaLnBrk="1" latinLnBrk="0" hangingPunct="1">
+      <a:defRPr sz="1200" kern="1200">
+        <a:solidFill>
+          <a:schemeClr val="tx1"/>
+        </a:solidFill>
+        <a:latin typeface="+mn-lt"/>
+        <a:ea typeface="+mn-ea"/>
+        <a:cs typeface="+mn-cs"/>
+      </a:defRPr>
+    </a:lvl3pPr>
+    <a:lvl4pPr marL="1371600" algn="l" defTabSz="914400" rtl="0" eaLnBrk="1" latinLnBrk="0" hangingPunct="1">
+      <a:defRPr sz="1200" kern="1200">
+        <a:solidFill>
+          <a:schemeClr val="tx1"/>
+        </a:solidFill>
+        <a:latin typeface="+mn-lt"/>
+        <a:ea typeface="+mn-ea"/>
+        <a:cs typeface="+mn-cs"/>
+      </a:defRPr>
+    </a:lvl4pPr>
+    <a:lvl5pPr marL="1828800" algn="l" defTabSz="914400" rtl="0" eaLnBrk="1" latinLnBrk="0" hangingPunct="1">
+      <a:defRPr sz="1200" kern="1200">
+        <a:solidFill>
+          <a:schemeClr val="tx1"/>
+        </a:solidFill>
+        <a:latin typeface="+mn-lt"/>
+        <a:ea typeface="+mn-ea"/>
+        <a:cs typeface="+mn-cs"/>
+      </a:defRPr>
+    </a:lvl5pPr>
+    <a:lvl6pPr marL="2286000" algn="l" defTabSz="914400" rtl="0" eaLnBrk="1" latinLnBrk="0" hangingPunct="1">
+      <a:defRPr sz="1200" kern="1200">
+        <a:solidFill>
+          <a:schemeClr val="tx1"/>
+        </a:solidFill>
+        <a:latin typeface="+mn-lt"/>
+        <a:ea typeface="+mn-ea"/>
+        <a:cs typeface="+mn-cs"/>
+      </a:defRPr>
+    </a:lvl6pPr>
+    <a:lvl7pPr marL="2743200" algn="l" defTabSz="914400" rtl="0" eaLnBrk="1" latinLnBrk="0" hangingPunct="1">
+      <a:defRPr sz="1200" kern="1200">
+        <a:solidFill>
+          <a:schemeClr val="tx1"/>
+        </a:solidFill>
+        <a:latin typeface="+mn-lt"/>
+        <a:ea typeface="+mn-ea"/>
+        <a:cs typeface="+mn-cs"/>
+      </a:defRPr>
+    </a:lvl7pPr>
+    <a:lvl8pPr marL="3200400" algn="l" defTabSz="914400" rtl="0" eaLnBrk="1" latinLnBrk="0" hangingPunct="1">
+      <a:defRPr sz="1200" kern="1200">
+        <a:solidFill>
+          <a:schemeClr val="tx1"/>
+        </a:solidFill>
+        <a:latin typeface="+mn-lt"/>
+        <a:ea typeface="+mn-ea"/>
+        <a:cs typeface="+mn-cs"/>
+      </a:defRPr>
+    </a:lvl8pPr>
+    <a:lvl9pPr marL="3657600" algn="l" defTabSz="914400" rtl="0" eaLnBrk="1" latinLnBrk="0" hangingPunct="1">
+      <a:defRPr sz="1200" kern="1200">
+        <a:solidFill>
+          <a:schemeClr val="tx1"/>
+        </a:solidFill>
+        <a:latin typeface="+mn-lt"/>
+        <a:ea typeface="+mn-ea"/>
+        <a:cs typeface="+mn-cs"/>
+      </a:defRPr>
+    </a:lvl9pPr>
+  </p:notesStyle>
+</p:notesMaster>
+</file>
+
+<file path=ppt/notesSlides/notesSlide1.xml><?xml version="1.0" encoding="utf-8"?>
+<p:notes xmlns:a="http://schemas.openxmlformats.org/drawingml/2006/main" xmlns:r="http://schemas.openxmlformats.org/officeDocument/2006/relationships" xmlns:p="http://schemas.openxmlformats.org/presentationml/2006/main">
+  <p:cSld>
+    <p:spTree>
+      <p:nvGrpSpPr>
+        <p:cNvPr id="1" name=""/>
+        <p:cNvGrpSpPr/>
+        <p:nvPr/>
+      </p:nvGrpSpPr>
+      <p:grpSpPr>
+        <a:xfrm>
+          <a:off x="0" y="0"/>
+          <a:ext cx="0" cy="0"/>
+          <a:chOff x="0" y="0"/>
+          <a:chExt cx="0" cy="0"/>
+        </a:xfrm>
+      </p:grpSpPr>
+      <p:sp>
+        <p:nvSpPr>
+          <p:cNvPr id="2" name="Slide Image Placeholder 1"/>
+          <p:cNvSpPr>
+            <a:spLocks noGrp="1" noRot="1" noChangeAspect="1"/>
+          </p:cNvSpPr>
+          <p:nvPr>
+            <p:ph type="sldImg"/>
+          </p:nvPr>
+        </p:nvSpPr>
+        <p:spPr/>
+      </p:sp>
+      <p:sp>
+        <p:nvSpPr>
+          <p:cNvPr id="3" name="Notes Placeholder 2"/>
+          <p:cNvSpPr>
+            <a:spLocks noGrp="1"/>
+          </p:cNvSpPr>
+          <p:nvPr>
+            <p:ph type="body" idx="1"/>
+          </p:nvPr>
+        </p:nvSpPr>
+        <p:spPr/>
+        <p:txBody>
+          <a:bodyPr/>
+          <a:lstStyle/>
+          <a:p>
+            <a:endParaRPr lang="zh-CN" altLang="en-US" dirty="0"/>
+          </a:p>
+        </p:txBody>
+      </p:sp>
+      <p:sp>
+        <p:nvSpPr>
+          <p:cNvPr id="4" name="Slide Number Placeholder 3"/>
+          <p:cNvSpPr>
+            <a:spLocks noGrp="1"/>
+          </p:cNvSpPr>
+          <p:nvPr>
+            <p:ph type="sldNum" sz="quarter" idx="5"/>
+          </p:nvPr>
+        </p:nvSpPr>
+        <p:spPr/>
+        <p:txBody>
+          <a:bodyPr/>
+          <a:lstStyle/>
+          <a:p>
+            <a:fld id="{059AA733-D5DB-41A7-8C22-8E48028242B9}" type="slidenum">
+              <a:rPr lang="zh-CN" altLang="en-US" smtClean="0"/>
+              <a:t>16</a:t>
+            </a:fld>
+            <a:endParaRPr lang="zh-CN" altLang="en-US"/>
+          </a:p>
+        </p:txBody>
+      </p:sp>
+    </p:spTree>
+    <p:extLst>
+      <p:ext uri="{BB962C8B-B14F-4D97-AF65-F5344CB8AC3E}">
+        <p14:creationId xmlns:p14="http://schemas.microsoft.com/office/powerpoint/2010/main" val="2415772570"/>
+      </p:ext>
+    </p:extLst>
+  </p:cSld>
+  <p:clrMapOvr>
+    <a:masterClrMapping/>
+  </p:clrMapOvr>
+</p:notes>
 </file>
 
 <file path=ppt/slideLayouts/slideLayout1.xml><?xml version="1.0" encoding="utf-8"?>
@@ -272,7 +716,7 @@
           <a:p>
             <a:fld id="{2C3E00E2-C33B-4937-9902-59678AD79668}" type="datetimeFigureOut">
               <a:rPr lang="zh-CN" altLang="en-US" smtClean="0"/>
-              <a:t>2021/10/31</a:t>
+              <a:t>2021/12/1</a:t>
             </a:fld>
             <a:endParaRPr lang="zh-CN" altLang="en-US"/>
           </a:p>
@@ -472,7 +916,7 @@
           <a:p>
             <a:fld id="{2C3E00E2-C33B-4937-9902-59678AD79668}" type="datetimeFigureOut">
               <a:rPr lang="zh-CN" altLang="en-US" smtClean="0"/>
-              <a:t>2021/10/31</a:t>
+              <a:t>2021/12/1</a:t>
             </a:fld>
             <a:endParaRPr lang="zh-CN" altLang="en-US"/>
           </a:p>
@@ -682,7 +1126,7 @@
           <a:p>
             <a:fld id="{2C3E00E2-C33B-4937-9902-59678AD79668}" type="datetimeFigureOut">
               <a:rPr lang="zh-CN" altLang="en-US" smtClean="0"/>
-              <a:t>2021/10/31</a:t>
+              <a:t>2021/12/1</a:t>
             </a:fld>
             <a:endParaRPr lang="zh-CN" altLang="en-US"/>
           </a:p>
@@ -882,7 +1326,7 @@
           <a:p>
             <a:fld id="{2C3E00E2-C33B-4937-9902-59678AD79668}" type="datetimeFigureOut">
               <a:rPr lang="zh-CN" altLang="en-US" smtClean="0"/>
-              <a:t>2021/10/31</a:t>
+              <a:t>2021/12/1</a:t>
             </a:fld>
             <a:endParaRPr lang="zh-CN" altLang="en-US"/>
           </a:p>
@@ -1158,7 +1602,7 @@
           <a:p>
             <a:fld id="{2C3E00E2-C33B-4937-9902-59678AD79668}" type="datetimeFigureOut">
               <a:rPr lang="zh-CN" altLang="en-US" smtClean="0"/>
-              <a:t>2021/10/31</a:t>
+              <a:t>2021/12/1</a:t>
             </a:fld>
             <a:endParaRPr lang="zh-CN" altLang="en-US"/>
           </a:p>
@@ -1426,7 +1870,7 @@
           <a:p>
             <a:fld id="{2C3E00E2-C33B-4937-9902-59678AD79668}" type="datetimeFigureOut">
               <a:rPr lang="zh-CN" altLang="en-US" smtClean="0"/>
-              <a:t>2021/10/31</a:t>
+              <a:t>2021/12/1</a:t>
             </a:fld>
             <a:endParaRPr lang="zh-CN" altLang="en-US"/>
           </a:p>
@@ -1841,7 +2285,7 @@
           <a:p>
             <a:fld id="{2C3E00E2-C33B-4937-9902-59678AD79668}" type="datetimeFigureOut">
               <a:rPr lang="zh-CN" altLang="en-US" smtClean="0"/>
-              <a:t>2021/10/31</a:t>
+              <a:t>2021/12/1</a:t>
             </a:fld>
             <a:endParaRPr lang="zh-CN" altLang="en-US"/>
           </a:p>
@@ -1983,7 +2427,7 @@
           <a:p>
             <a:fld id="{2C3E00E2-C33B-4937-9902-59678AD79668}" type="datetimeFigureOut">
               <a:rPr lang="zh-CN" altLang="en-US" smtClean="0"/>
-              <a:t>2021/10/31</a:t>
+              <a:t>2021/12/1</a:t>
             </a:fld>
             <a:endParaRPr lang="zh-CN" altLang="en-US"/>
           </a:p>
@@ -2096,7 +2540,7 @@
           <a:p>
             <a:fld id="{2C3E00E2-C33B-4937-9902-59678AD79668}" type="datetimeFigureOut">
               <a:rPr lang="zh-CN" altLang="en-US" smtClean="0"/>
-              <a:t>2021/10/31</a:t>
+              <a:t>2021/12/1</a:t>
             </a:fld>
             <a:endParaRPr lang="zh-CN" altLang="en-US"/>
           </a:p>
@@ -2409,7 +2853,7 @@
           <a:p>
             <a:fld id="{2C3E00E2-C33B-4937-9902-59678AD79668}" type="datetimeFigureOut">
               <a:rPr lang="zh-CN" altLang="en-US" smtClean="0"/>
-              <a:t>2021/10/31</a:t>
+              <a:t>2021/12/1</a:t>
             </a:fld>
             <a:endParaRPr lang="zh-CN" altLang="en-US"/>
           </a:p>
@@ -2698,7 +3142,7 @@
           <a:p>
             <a:fld id="{2C3E00E2-C33B-4937-9902-59678AD79668}" type="datetimeFigureOut">
               <a:rPr lang="zh-CN" altLang="en-US" smtClean="0"/>
-              <a:t>2021/10/31</a:t>
+              <a:t>2021/12/1</a:t>
             </a:fld>
             <a:endParaRPr lang="zh-CN" altLang="en-US"/>
           </a:p>
@@ -2941,7 +3385,7 @@
           <a:p>
             <a:fld id="{2C3E00E2-C33B-4937-9902-59678AD79668}" type="datetimeFigureOut">
               <a:rPr lang="zh-CN" altLang="en-US" smtClean="0"/>
-              <a:t>2021/10/31</a:t>
+              <a:t>2021/12/1</a:t>
             </a:fld>
             <a:endParaRPr lang="zh-CN" altLang="en-US"/>
           </a:p>
@@ -3380,11 +3824,11 @@
           <a:lstStyle/>
           <a:p>
             <a:r>
-              <a:rPr lang="en-US" altLang="zh-CN">
+              <a:rPr lang="en-US" altLang="zh-CN" dirty="0">
                 <a:latin typeface="Times New Roman" panose="02020603050405020304" pitchFamily="18" charset="0"/>
                 <a:cs typeface="Times New Roman" panose="02020603050405020304" pitchFamily="18" charset="0"/>
               </a:rPr>
-              <a:t>Verification and Synthesis of Control Barrier Functions</a:t>
+              <a:t>Verification of Control Barrier Functions</a:t>
             </a:r>
             <a:endParaRPr lang="zh-CN" altLang="en-US" dirty="0">
               <a:latin typeface="Times New Roman" panose="02020603050405020304" pitchFamily="18" charset="0"/>
@@ -3419,7 +3863,16 @@
                 <a:latin typeface="Times New Roman" panose="02020603050405020304" pitchFamily="18" charset="0"/>
                 <a:cs typeface="Times New Roman" panose="02020603050405020304" pitchFamily="18" charset="0"/>
               </a:rPr>
-              <a:t>Paper Reading</a:t>
+              <a:t>Final Project</a:t>
+            </a:r>
+          </a:p>
+          <a:p>
+            <a:r>
+              <a:rPr lang="en-US" altLang="zh-CN" dirty="0">
+                <a:latin typeface="Times New Roman" panose="02020603050405020304" pitchFamily="18" charset="0"/>
+                <a:cs typeface="Times New Roman" panose="02020603050405020304" pitchFamily="18" charset="0"/>
+              </a:rPr>
+              <a:t>Chuyuan Tao</a:t>
             </a:r>
             <a:endParaRPr lang="zh-CN" altLang="en-US" dirty="0">
               <a:latin typeface="Times New Roman" panose="02020603050405020304" pitchFamily="18" charset="0"/>
@@ -5029,8 +5482,8 @@
           </a:p>
         </p:txBody>
       </p:sp>
-      <mc:AlternateContent xmlns:mc="http://schemas.openxmlformats.org/markup-compatibility/2006">
-        <mc:Choice xmlns:a14="http://schemas.microsoft.com/office/drawing/2010/main" Requires="a14">
+      <mc:AlternateContent xmlns:mc="http://schemas.openxmlformats.org/markup-compatibility/2006" xmlns:a14="http://schemas.microsoft.com/office/drawing/2010/main">
+        <mc:Choice Requires="a14">
           <p:sp>
             <p:nvSpPr>
               <p:cNvPr id="3" name="Content Placeholder 2">
@@ -5675,7 +6128,7 @@
             </p:txBody>
           </p:sp>
         </mc:Choice>
-        <mc:Fallback>
+        <mc:Fallback xmlns="">
           <p:sp>
             <p:nvSpPr>
               <p:cNvPr id="3" name="Content Placeholder 2">
@@ -5927,16 +6380,1024 @@
           </p:cNvPicPr>
           <p:nvPr/>
         </p:nvPicPr>
+        <p:blipFill rotWithShape="1">
+          <a:blip r:embed="rId2"/>
+          <a:srcRect r="50440"/>
+          <a:stretch/>
+        </p:blipFill>
+        <p:spPr>
+          <a:xfrm>
+            <a:off x="464976" y="1628484"/>
+            <a:ext cx="5145833" cy="4517157"/>
+          </a:xfrm>
+          <a:prstGeom prst="rect">
+            <a:avLst/>
+          </a:prstGeom>
+        </p:spPr>
+      </p:pic>
+      <mc:AlternateContent xmlns:mc="http://schemas.openxmlformats.org/markup-compatibility/2006">
+        <mc:Choice xmlns:a14="http://schemas.microsoft.com/office/drawing/2010/main" Requires="a14">
+          <p:sp>
+            <p:nvSpPr>
+              <p:cNvPr id="3" name="TextBox 2">
+                <a:extLst>
+                  <a:ext uri="{FF2B5EF4-FFF2-40B4-BE49-F238E27FC236}">
+                    <a16:creationId xmlns:a16="http://schemas.microsoft.com/office/drawing/2014/main" id="{65202C4E-9ED3-474A-B86E-5522C4186B4D}"/>
+                  </a:ext>
+                </a:extLst>
+              </p:cNvPr>
+              <p:cNvSpPr txBox="1"/>
+              <p:nvPr/>
+            </p:nvSpPr>
+            <p:spPr>
+              <a:xfrm>
+                <a:off x="5710335" y="1809318"/>
+                <a:ext cx="6375918" cy="4217693"/>
+              </a:xfrm>
+              <a:prstGeom prst="rect">
+                <a:avLst/>
+              </a:prstGeom>
+              <a:noFill/>
+            </p:spPr>
+            <p:txBody>
+              <a:bodyPr wrap="square" rtlCol="0">
+                <a:spAutoFit/>
+              </a:bodyPr>
+              <a:lstStyle/>
+              <a:p>
+                <a:pPr marL="285750" indent="-285750">
+                  <a:buFont typeface="Arial" panose="020B0604020202020204" pitchFamily="34" charset="0"/>
+                  <a:buChar char="•"/>
+                </a:pPr>
+                <a:r>
+                  <a:rPr lang="en-US" altLang="zh-CN" sz="2000" dirty="0">
+                    <a:latin typeface="Times New Roman" panose="02020603050405020304" pitchFamily="18" charset="0"/>
+                    <a:cs typeface="Times New Roman" panose="02020603050405020304" pitchFamily="18" charset="0"/>
+                  </a:rPr>
+                  <a:t>First, examine an unstable linear system with dynamics</a:t>
+                </a:r>
+              </a:p>
+              <a:p>
+                <a14:m>
+                  <m:oMathPara xmlns:m="http://schemas.openxmlformats.org/officeDocument/2006/math">
+                    <m:oMathParaPr>
+                      <m:jc m:val="centerGroup"/>
+                    </m:oMathParaPr>
+                    <m:oMath xmlns:m="http://schemas.openxmlformats.org/officeDocument/2006/math">
+                      <m:acc>
+                        <m:accPr>
+                          <m:chr m:val="̇"/>
+                          <m:ctrlPr>
+                            <a:rPr lang="en-US" altLang="zh-CN" sz="2000" b="0" i="1" smtClean="0">
+                              <a:latin typeface="Cambria Math" panose="02040503050406030204" pitchFamily="18" charset="0"/>
+                            </a:rPr>
+                          </m:ctrlPr>
+                        </m:accPr>
+                        <m:e>
+                          <m:r>
+                            <a:rPr lang="en-US" altLang="zh-CN" sz="2000" b="0" i="1" smtClean="0">
+                              <a:latin typeface="Cambria Math" panose="02040503050406030204" pitchFamily="18" charset="0"/>
+                            </a:rPr>
+                            <m:t>𝑥</m:t>
+                          </m:r>
+                        </m:e>
+                      </m:acc>
+                      <m:d>
+                        <m:dPr>
+                          <m:ctrlPr>
+                            <a:rPr lang="en-US" altLang="zh-CN" sz="2000" b="0" i="1" dirty="0" smtClean="0">
+                              <a:latin typeface="Cambria Math" panose="02040503050406030204" pitchFamily="18" charset="0"/>
+                            </a:rPr>
+                          </m:ctrlPr>
+                        </m:dPr>
+                        <m:e>
+                          <m:r>
+                            <a:rPr lang="en-US" altLang="zh-CN" sz="2000" b="0" i="1" dirty="0" smtClean="0">
+                              <a:latin typeface="Cambria Math" panose="02040503050406030204" pitchFamily="18" charset="0"/>
+                            </a:rPr>
+                            <m:t>𝑡</m:t>
+                          </m:r>
+                        </m:e>
+                      </m:d>
+                      <m:r>
+                        <a:rPr lang="en-US" altLang="zh-CN" sz="2000" b="0" i="1" dirty="0" smtClean="0">
+                          <a:latin typeface="Cambria Math" panose="02040503050406030204" pitchFamily="18" charset="0"/>
+                        </a:rPr>
+                        <m:t>=</m:t>
+                      </m:r>
+                      <m:d>
+                        <m:dPr>
+                          <m:begChr m:val="["/>
+                          <m:endChr m:val="]"/>
+                          <m:ctrlPr>
+                            <a:rPr lang="en-US" altLang="zh-CN" sz="2000" b="0" i="1" dirty="0" smtClean="0">
+                              <a:latin typeface="Cambria Math" panose="02040503050406030204" pitchFamily="18" charset="0"/>
+                            </a:rPr>
+                          </m:ctrlPr>
+                        </m:dPr>
+                        <m:e>
+                          <m:m>
+                            <m:mPr>
+                              <m:mcs>
+                                <m:mc>
+                                  <m:mcPr>
+                                    <m:count m:val="2"/>
+                                    <m:mcJc m:val="center"/>
+                                  </m:mcPr>
+                                </m:mc>
+                              </m:mcs>
+                              <m:ctrlPr>
+                                <a:rPr lang="en-US" altLang="zh-CN" sz="2000" b="0" i="1" dirty="0" smtClean="0">
+                                  <a:latin typeface="Cambria Math" panose="02040503050406030204" pitchFamily="18" charset="0"/>
+                                </a:rPr>
+                              </m:ctrlPr>
+                            </m:mPr>
+                            <m:mr>
+                              <m:e>
+                                <m:r>
+                                  <m:rPr>
+                                    <m:brk m:alnAt="7"/>
+                                  </m:rPr>
+                                  <a:rPr lang="en-US" altLang="zh-CN" sz="2000" b="0" i="1" dirty="0" smtClean="0">
+                                    <a:latin typeface="Cambria Math" panose="02040503050406030204" pitchFamily="18" charset="0"/>
+                                  </a:rPr>
+                                  <m:t>1</m:t>
+                                </m:r>
+                              </m:e>
+                              <m:e>
+                                <m:r>
+                                  <a:rPr lang="en-US" altLang="zh-CN" sz="2000" b="0" i="1" dirty="0" smtClean="0">
+                                    <a:latin typeface="Cambria Math" panose="02040503050406030204" pitchFamily="18" charset="0"/>
+                                  </a:rPr>
+                                  <m:t>0</m:t>
+                                </m:r>
+                              </m:e>
+                            </m:mr>
+                            <m:mr>
+                              <m:e>
+                                <m:r>
+                                  <a:rPr lang="en-US" altLang="zh-CN" sz="2000" b="0" i="1" dirty="0" smtClean="0">
+                                    <a:latin typeface="Cambria Math" panose="02040503050406030204" pitchFamily="18" charset="0"/>
+                                  </a:rPr>
+                                  <m:t>−1</m:t>
+                                </m:r>
+                              </m:e>
+                              <m:e>
+                                <m:r>
+                                  <a:rPr lang="en-US" altLang="zh-CN" sz="2000" b="0" i="1" dirty="0" smtClean="0">
+                                    <a:latin typeface="Cambria Math" panose="02040503050406030204" pitchFamily="18" charset="0"/>
+                                  </a:rPr>
+                                  <m:t>4</m:t>
+                                </m:r>
+                              </m:e>
+                            </m:mr>
+                          </m:m>
+                        </m:e>
+                      </m:d>
+                      <m:r>
+                        <a:rPr lang="en-US" altLang="zh-CN" sz="2000" b="0" i="1" dirty="0" smtClean="0">
+                          <a:latin typeface="Cambria Math" panose="02040503050406030204" pitchFamily="18" charset="0"/>
+                        </a:rPr>
+                        <m:t>𝑥</m:t>
+                      </m:r>
+                      <m:d>
+                        <m:dPr>
+                          <m:ctrlPr>
+                            <a:rPr lang="en-US" altLang="zh-CN" sz="2000" b="0" i="1" dirty="0" smtClean="0">
+                              <a:latin typeface="Cambria Math" panose="02040503050406030204" pitchFamily="18" charset="0"/>
+                            </a:rPr>
+                          </m:ctrlPr>
+                        </m:dPr>
+                        <m:e>
+                          <m:r>
+                            <a:rPr lang="en-US" altLang="zh-CN" sz="2000" b="0" i="1" dirty="0" smtClean="0">
+                              <a:latin typeface="Cambria Math" panose="02040503050406030204" pitchFamily="18" charset="0"/>
+                            </a:rPr>
+                            <m:t>𝑡</m:t>
+                          </m:r>
+                        </m:e>
+                      </m:d>
+                      <m:r>
+                        <a:rPr lang="en-US" altLang="zh-CN" sz="2000" b="0" i="1" dirty="0" smtClean="0">
+                          <a:latin typeface="Cambria Math" panose="02040503050406030204" pitchFamily="18" charset="0"/>
+                        </a:rPr>
+                        <m:t>+</m:t>
+                      </m:r>
+                      <m:d>
+                        <m:dPr>
+                          <m:begChr m:val="["/>
+                          <m:endChr m:val="]"/>
+                          <m:ctrlPr>
+                            <a:rPr lang="en-US" altLang="zh-CN" sz="2000" b="0" i="1" dirty="0" smtClean="0">
+                              <a:latin typeface="Cambria Math" panose="02040503050406030204" pitchFamily="18" charset="0"/>
+                            </a:rPr>
+                          </m:ctrlPr>
+                        </m:dPr>
+                        <m:e>
+                          <m:m>
+                            <m:mPr>
+                              <m:mcs>
+                                <m:mc>
+                                  <m:mcPr>
+                                    <m:count m:val="1"/>
+                                    <m:mcJc m:val="center"/>
+                                  </m:mcPr>
+                                </m:mc>
+                              </m:mcs>
+                              <m:ctrlPr>
+                                <a:rPr lang="en-US" altLang="zh-CN" sz="2000" b="0" i="1" dirty="0" smtClean="0">
+                                  <a:latin typeface="Cambria Math" panose="02040503050406030204" pitchFamily="18" charset="0"/>
+                                </a:rPr>
+                              </m:ctrlPr>
+                            </m:mPr>
+                            <m:mr>
+                              <m:e>
+                                <m:r>
+                                  <m:rPr>
+                                    <m:brk m:alnAt="7"/>
+                                  </m:rPr>
+                                  <a:rPr lang="en-US" altLang="zh-CN" sz="2000" b="0" i="1" dirty="0" smtClean="0">
+                                    <a:latin typeface="Cambria Math" panose="02040503050406030204" pitchFamily="18" charset="0"/>
+                                  </a:rPr>
+                                  <m:t>1</m:t>
+                                </m:r>
+                              </m:e>
+                            </m:mr>
+                            <m:mr>
+                              <m:e>
+                                <m:r>
+                                  <a:rPr lang="en-US" altLang="zh-CN" sz="2000" b="0" i="1" dirty="0" smtClean="0">
+                                    <a:latin typeface="Cambria Math" panose="02040503050406030204" pitchFamily="18" charset="0"/>
+                                  </a:rPr>
+                                  <m:t>0</m:t>
+                                </m:r>
+                              </m:e>
+                            </m:mr>
+                          </m:m>
+                        </m:e>
+                      </m:d>
+                      <m:r>
+                        <a:rPr lang="en-US" altLang="zh-CN" sz="2000" b="0" i="1" dirty="0" smtClean="0">
+                          <a:latin typeface="Cambria Math" panose="02040503050406030204" pitchFamily="18" charset="0"/>
+                        </a:rPr>
+                        <m:t>𝑢</m:t>
+                      </m:r>
+                      <m:r>
+                        <a:rPr lang="en-US" altLang="zh-CN" sz="2000" b="0" i="1" dirty="0" smtClean="0">
+                          <a:latin typeface="Cambria Math" panose="02040503050406030204" pitchFamily="18" charset="0"/>
+                        </a:rPr>
+                        <m:t>(</m:t>
+                      </m:r>
+                      <m:r>
+                        <a:rPr lang="en-US" altLang="zh-CN" sz="2000" b="0" i="1" dirty="0" smtClean="0">
+                          <a:latin typeface="Cambria Math" panose="02040503050406030204" pitchFamily="18" charset="0"/>
+                        </a:rPr>
+                        <m:t>𝑡</m:t>
+                      </m:r>
+                      <m:r>
+                        <a:rPr lang="en-US" altLang="zh-CN" sz="2000" b="0" i="1" dirty="0" smtClean="0">
+                          <a:latin typeface="Cambria Math" panose="02040503050406030204" pitchFamily="18" charset="0"/>
+                        </a:rPr>
+                        <m:t>)</m:t>
+                      </m:r>
+                    </m:oMath>
+                  </m:oMathPara>
+                </a14:m>
+                <a:endParaRPr lang="en-US" altLang="zh-CN" sz="2000" dirty="0">
+                  <a:latin typeface="Times New Roman" panose="02020603050405020304" pitchFamily="18" charset="0"/>
+                  <a:cs typeface="Times New Roman" panose="02020603050405020304" pitchFamily="18" charset="0"/>
+                </a:endParaRPr>
+              </a:p>
+              <a:p>
+                <a:pPr marL="285750" indent="-285750">
+                  <a:buFont typeface="Arial" panose="020B0604020202020204" pitchFamily="34" charset="0"/>
+                  <a:buChar char="•"/>
+                </a:pPr>
+                <a:r>
+                  <a:rPr lang="en-US" altLang="zh-CN" sz="2000" dirty="0">
+                    <a:latin typeface="Times New Roman" panose="02020603050405020304" pitchFamily="18" charset="0"/>
+                    <a:cs typeface="Times New Roman" panose="02020603050405020304" pitchFamily="18" charset="0"/>
+                  </a:rPr>
+                  <a:t>As the safe region, we chose </a:t>
+                </a:r>
+                <a14:m>
+                  <m:oMath xmlns:m="http://schemas.openxmlformats.org/officeDocument/2006/math">
+                    <m:d>
+                      <m:dPr>
+                        <m:begChr m:val="{"/>
+                        <m:endChr m:val="}"/>
+                        <m:ctrlPr>
+                          <a:rPr lang="en-US" altLang="zh-CN" sz="2000" b="0" i="1" smtClean="0">
+                            <a:latin typeface="Cambria Math" panose="02040503050406030204" pitchFamily="18" charset="0"/>
+                          </a:rPr>
+                        </m:ctrlPr>
+                      </m:dPr>
+                      <m:e>
+                        <m:r>
+                          <a:rPr lang="en-US" altLang="zh-CN" sz="2000" b="0" i="1" smtClean="0">
+                            <a:latin typeface="Cambria Math" panose="02040503050406030204" pitchFamily="18" charset="0"/>
+                          </a:rPr>
+                          <m:t>h</m:t>
+                        </m:r>
+                        <m:d>
+                          <m:dPr>
+                            <m:ctrlPr>
+                              <a:rPr lang="en-US" altLang="zh-CN" sz="2000" b="0" i="1" smtClean="0">
+                                <a:latin typeface="Cambria Math" panose="02040503050406030204" pitchFamily="18" charset="0"/>
+                              </a:rPr>
+                            </m:ctrlPr>
+                          </m:dPr>
+                          <m:e>
+                            <m:r>
+                              <a:rPr lang="en-US" altLang="zh-CN" sz="2000" b="0" i="1" smtClean="0">
+                                <a:latin typeface="Cambria Math" panose="02040503050406030204" pitchFamily="18" charset="0"/>
+                              </a:rPr>
+                              <m:t>𝑥</m:t>
+                            </m:r>
+                          </m:e>
+                        </m:d>
+                        <m:r>
+                          <a:rPr lang="en-US" altLang="zh-CN" sz="2000" b="0" i="1" smtClean="0">
+                            <a:latin typeface="Cambria Math" panose="02040503050406030204" pitchFamily="18" charset="0"/>
+                          </a:rPr>
+                          <m:t>=1−</m:t>
+                        </m:r>
+                        <m:sSup>
+                          <m:sSupPr>
+                            <m:ctrlPr>
+                              <a:rPr lang="en-US" altLang="zh-CN" sz="2000" b="0" i="1" smtClean="0">
+                                <a:latin typeface="Cambria Math" panose="02040503050406030204" pitchFamily="18" charset="0"/>
+                              </a:rPr>
+                            </m:ctrlPr>
+                          </m:sSupPr>
+                          <m:e>
+                            <m:r>
+                              <a:rPr lang="en-US" altLang="zh-CN" sz="2000" b="0" i="1" smtClean="0">
+                                <a:latin typeface="Cambria Math" panose="02040503050406030204" pitchFamily="18" charset="0"/>
+                              </a:rPr>
+                              <m:t>𝑥</m:t>
+                            </m:r>
+                          </m:e>
+                          <m:sup>
+                            <m:r>
+                              <a:rPr lang="en-US" altLang="zh-CN" sz="2000" b="0" i="1" smtClean="0">
+                                <a:latin typeface="Cambria Math" panose="02040503050406030204" pitchFamily="18" charset="0"/>
+                              </a:rPr>
+                              <m:t>𝑇</m:t>
+                            </m:r>
+                          </m:sup>
+                        </m:sSup>
+                        <m:r>
+                          <a:rPr lang="en-US" altLang="zh-CN" sz="2000" b="0" i="1" smtClean="0">
+                            <a:latin typeface="Cambria Math" panose="02040503050406030204" pitchFamily="18" charset="0"/>
+                          </a:rPr>
+                          <m:t>𝑥</m:t>
+                        </m:r>
+                        <m:r>
+                          <a:rPr lang="en-US" altLang="zh-CN" sz="2000" b="0" i="1" smtClean="0">
+                            <a:latin typeface="Cambria Math" panose="02040503050406030204" pitchFamily="18" charset="0"/>
+                          </a:rPr>
+                          <m:t>≥0</m:t>
+                        </m:r>
+                      </m:e>
+                    </m:d>
+                    <m:r>
+                      <a:rPr lang="en-US" altLang="zh-CN" sz="2000" b="0" i="0" smtClean="0">
+                        <a:latin typeface="Cambria Math" panose="02040503050406030204" pitchFamily="18" charset="0"/>
+                      </a:rPr>
+                      <m:t>.</m:t>
+                    </m:r>
+                  </m:oMath>
+                </a14:m>
+                <a:r>
+                  <a:rPr lang="zh-CN" altLang="en-US" sz="2000" dirty="0">
+                    <a:latin typeface="Times New Roman" panose="02020603050405020304" pitchFamily="18" charset="0"/>
+                    <a:cs typeface="Times New Roman" panose="02020603050405020304" pitchFamily="18" charset="0"/>
+                  </a:rPr>
+                  <a:t> </a:t>
+                </a:r>
+                <a:r>
+                  <a:rPr lang="en-US" altLang="zh-CN" sz="2000" dirty="0">
+                    <a:latin typeface="Times New Roman" panose="02020603050405020304" pitchFamily="18" charset="0"/>
+                    <a:cs typeface="Times New Roman" panose="02020603050405020304" pitchFamily="18" charset="0"/>
+                  </a:rPr>
+                  <a:t>We approximate the viability kernel using previous SOS algorithm, using the stabilizing feedback controller </a:t>
+                </a:r>
+                <a14:m>
+                  <m:oMath xmlns:m="http://schemas.openxmlformats.org/officeDocument/2006/math">
+                    <m:r>
+                      <a:rPr lang="en-US" altLang="zh-CN" sz="2000" b="0" i="1" smtClean="0">
+                        <a:latin typeface="Cambria Math" panose="02040503050406030204" pitchFamily="18" charset="0"/>
+                      </a:rPr>
+                      <m:t>𝑢</m:t>
+                    </m:r>
+                    <m:d>
+                      <m:dPr>
+                        <m:ctrlPr>
+                          <a:rPr lang="en-US" altLang="zh-CN" sz="2000" b="0" i="1" smtClean="0">
+                            <a:latin typeface="Cambria Math" panose="02040503050406030204" pitchFamily="18" charset="0"/>
+                          </a:rPr>
+                        </m:ctrlPr>
+                      </m:dPr>
+                      <m:e>
+                        <m:r>
+                          <a:rPr lang="en-US" altLang="zh-CN" sz="2000" b="0" i="1" smtClean="0">
+                            <a:latin typeface="Cambria Math" panose="02040503050406030204" pitchFamily="18" charset="0"/>
+                          </a:rPr>
+                          <m:t>𝑡</m:t>
+                        </m:r>
+                      </m:e>
+                    </m:d>
+                    <m:r>
+                      <a:rPr lang="en-US" altLang="zh-CN" sz="2000" b="0" i="1" smtClean="0">
+                        <a:latin typeface="Cambria Math" panose="02040503050406030204" pitchFamily="18" charset="0"/>
+                      </a:rPr>
+                      <m:t>=−</m:t>
+                    </m:r>
+                    <m:r>
+                      <a:rPr lang="en-US" altLang="zh-CN" sz="2000" b="0" i="1" smtClean="0">
+                        <a:latin typeface="Cambria Math" panose="02040503050406030204" pitchFamily="18" charset="0"/>
+                      </a:rPr>
+                      <m:t>𝐾𝑥</m:t>
+                    </m:r>
+                    <m:r>
+                      <a:rPr lang="en-US" altLang="zh-CN" sz="2000" b="0" i="1" smtClean="0">
+                        <a:latin typeface="Cambria Math" panose="02040503050406030204" pitchFamily="18" charset="0"/>
+                      </a:rPr>
+                      <m:t>(</m:t>
+                    </m:r>
+                    <m:r>
+                      <a:rPr lang="en-US" altLang="zh-CN" sz="2000" b="0" i="1" smtClean="0">
+                        <a:latin typeface="Cambria Math" panose="02040503050406030204" pitchFamily="18" charset="0"/>
+                      </a:rPr>
+                      <m:t>𝑡</m:t>
+                    </m:r>
+                    <m:r>
+                      <a:rPr lang="en-US" altLang="zh-CN" sz="2000" b="0" i="1" smtClean="0">
+                        <a:latin typeface="Cambria Math" panose="02040503050406030204" pitchFamily="18" charset="0"/>
+                      </a:rPr>
+                      <m:t>)</m:t>
+                    </m:r>
+                  </m:oMath>
+                </a14:m>
+                <a:r>
+                  <a:rPr lang="zh-CN" altLang="en-US" sz="2000" dirty="0">
+                    <a:latin typeface="Times New Roman" panose="02020603050405020304" pitchFamily="18" charset="0"/>
+                    <a:cs typeface="Times New Roman" panose="02020603050405020304" pitchFamily="18" charset="0"/>
+                  </a:rPr>
+                  <a:t> </a:t>
+                </a:r>
+                <a:r>
+                  <a:rPr lang="en-US" altLang="zh-CN" sz="2000" dirty="0">
+                    <a:latin typeface="Times New Roman" panose="02020603050405020304" pitchFamily="18" charset="0"/>
+                    <a:cs typeface="Times New Roman" panose="02020603050405020304" pitchFamily="18" charset="0"/>
+                  </a:rPr>
+                  <a:t>where </a:t>
+                </a:r>
+                <a14:m>
+                  <m:oMath xmlns:m="http://schemas.openxmlformats.org/officeDocument/2006/math">
+                    <m:r>
+                      <a:rPr lang="en-US" altLang="zh-CN" sz="2000" b="0" i="1" smtClean="0">
+                        <a:latin typeface="Cambria Math" panose="02040503050406030204" pitchFamily="18" charset="0"/>
+                      </a:rPr>
+                      <m:t>𝐾</m:t>
+                    </m:r>
+                    <m:r>
+                      <a:rPr lang="en-US" altLang="zh-CN" sz="2000" b="0" i="1" smtClean="0">
+                        <a:latin typeface="Cambria Math" panose="02040503050406030204" pitchFamily="18" charset="0"/>
+                      </a:rPr>
+                      <m:t>=</m:t>
+                    </m:r>
+                    <m:d>
+                      <m:dPr>
+                        <m:begChr m:val="["/>
+                        <m:endChr m:val="]"/>
+                        <m:ctrlPr>
+                          <a:rPr lang="en-US" altLang="zh-CN" sz="2000" b="0" i="1" smtClean="0">
+                            <a:latin typeface="Cambria Math" panose="02040503050406030204" pitchFamily="18" charset="0"/>
+                          </a:rPr>
+                        </m:ctrlPr>
+                      </m:dPr>
+                      <m:e>
+                        <m:r>
+                          <a:rPr lang="en-US" altLang="zh-CN" sz="2000" b="0" i="1" smtClean="0">
+                            <a:latin typeface="Cambria Math" panose="02040503050406030204" pitchFamily="18" charset="0"/>
+                          </a:rPr>
+                          <m:t>8 −30</m:t>
+                        </m:r>
+                      </m:e>
+                    </m:d>
+                  </m:oMath>
+                </a14:m>
+                <a:r>
+                  <a:rPr lang="en-US" altLang="zh-CN" sz="2000" dirty="0">
+                    <a:latin typeface="Times New Roman" panose="02020603050405020304" pitchFamily="18" charset="0"/>
+                    <a:cs typeface="Times New Roman" panose="02020603050405020304" pitchFamily="18" charset="0"/>
+                  </a:rPr>
+                  <a:t>. Simulate the trajectory beginning inside and outside the viability kernel at the points </a:t>
+                </a:r>
+                <a14:m>
+                  <m:oMath xmlns:m="http://schemas.openxmlformats.org/officeDocument/2006/math">
+                    <m:sSup>
+                      <m:sSupPr>
+                        <m:ctrlPr>
+                          <a:rPr lang="en-US" altLang="zh-CN" sz="2000" b="0" i="1" smtClean="0">
+                            <a:latin typeface="Cambria Math" panose="02040503050406030204" pitchFamily="18" charset="0"/>
+                          </a:rPr>
+                        </m:ctrlPr>
+                      </m:sSupPr>
+                      <m:e>
+                        <m:d>
+                          <m:dPr>
+                            <m:ctrlPr>
+                              <a:rPr lang="en-US" altLang="zh-CN" sz="2000" b="0" i="1" smtClean="0">
+                                <a:latin typeface="Cambria Math" panose="02040503050406030204" pitchFamily="18" charset="0"/>
+                              </a:rPr>
+                            </m:ctrlPr>
+                          </m:dPr>
+                          <m:e>
+                            <m:r>
+                              <a:rPr lang="en-US" altLang="zh-CN" sz="2000" b="0" i="1" smtClean="0">
+                                <a:latin typeface="Cambria Math" panose="02040503050406030204" pitchFamily="18" charset="0"/>
+                              </a:rPr>
+                              <m:t>−0.75 −0.15</m:t>
+                            </m:r>
+                          </m:e>
+                        </m:d>
+                      </m:e>
+                      <m:sup>
+                        <m:r>
+                          <a:rPr lang="en-US" altLang="zh-CN" sz="2000" b="0" i="1" smtClean="0">
+                            <a:latin typeface="Cambria Math" panose="02040503050406030204" pitchFamily="18" charset="0"/>
+                          </a:rPr>
+                          <m:t>𝑇</m:t>
+                        </m:r>
+                      </m:sup>
+                    </m:sSup>
+                  </m:oMath>
+                </a14:m>
+                <a:r>
+                  <a:rPr lang="zh-CN" altLang="en-US" sz="2000" dirty="0">
+                    <a:latin typeface="Times New Roman" panose="02020603050405020304" pitchFamily="18" charset="0"/>
+                    <a:cs typeface="Times New Roman" panose="02020603050405020304" pitchFamily="18" charset="0"/>
+                  </a:rPr>
+                  <a:t> </a:t>
+                </a:r>
+                <a:r>
+                  <a:rPr lang="en-US" altLang="zh-CN" sz="2000" dirty="0">
+                    <a:latin typeface="Times New Roman" panose="02020603050405020304" pitchFamily="18" charset="0"/>
+                    <a:cs typeface="Times New Roman" panose="02020603050405020304" pitchFamily="18" charset="0"/>
+                  </a:rPr>
+                  <a:t>and </a:t>
+                </a:r>
+                <a14:m>
+                  <m:oMath xmlns:m="http://schemas.openxmlformats.org/officeDocument/2006/math">
+                    <m:sSup>
+                      <m:sSupPr>
+                        <m:ctrlPr>
+                          <a:rPr lang="en-US" altLang="zh-CN" sz="2000" b="0" i="1" smtClean="0">
+                            <a:latin typeface="Cambria Math" panose="02040503050406030204" pitchFamily="18" charset="0"/>
+                          </a:rPr>
+                        </m:ctrlPr>
+                      </m:sSupPr>
+                      <m:e>
+                        <m:d>
+                          <m:dPr>
+                            <m:ctrlPr>
+                              <a:rPr lang="en-US" altLang="zh-CN" sz="2000" b="0" i="1" smtClean="0">
+                                <a:latin typeface="Cambria Math" panose="02040503050406030204" pitchFamily="18" charset="0"/>
+                              </a:rPr>
+                            </m:ctrlPr>
+                          </m:dPr>
+                          <m:e>
+                            <m:r>
+                              <a:rPr lang="en-US" altLang="zh-CN" sz="2000" b="0" i="1" smtClean="0">
+                                <a:latin typeface="Cambria Math" panose="02040503050406030204" pitchFamily="18" charset="0"/>
+                              </a:rPr>
+                              <m:t>−0.4 −0.4</m:t>
+                            </m:r>
+                          </m:e>
+                        </m:d>
+                      </m:e>
+                      <m:sup>
+                        <m:r>
+                          <a:rPr lang="en-US" altLang="zh-CN" sz="2000" b="0" i="1" smtClean="0">
+                            <a:latin typeface="Cambria Math" panose="02040503050406030204" pitchFamily="18" charset="0"/>
+                          </a:rPr>
+                          <m:t>𝑇</m:t>
+                        </m:r>
+                      </m:sup>
+                    </m:sSup>
+                  </m:oMath>
+                </a14:m>
+                <a:r>
+                  <a:rPr lang="en-US" altLang="zh-CN" sz="2000" dirty="0">
+                    <a:latin typeface="Times New Roman" panose="02020603050405020304" pitchFamily="18" charset="0"/>
+                    <a:cs typeface="Times New Roman" panose="02020603050405020304" pitchFamily="18" charset="0"/>
+                  </a:rPr>
+                  <a:t>. For both points, we used a CBF-based control policy with CBF </a:t>
+                </a:r>
+                <a14:m>
+                  <m:oMath xmlns:m="http://schemas.openxmlformats.org/officeDocument/2006/math">
+                    <m:acc>
+                      <m:accPr>
+                        <m:chr m:val="̅"/>
+                        <m:ctrlPr>
+                          <a:rPr lang="en-US" altLang="zh-CN" sz="2000" b="0" i="1" smtClean="0">
+                            <a:latin typeface="Cambria Math" panose="02040503050406030204" pitchFamily="18" charset="0"/>
+                          </a:rPr>
+                        </m:ctrlPr>
+                      </m:accPr>
+                      <m:e>
+                        <m:r>
+                          <a:rPr lang="en-US" altLang="zh-CN" sz="2000" b="0" i="1" smtClean="0">
+                            <a:latin typeface="Cambria Math" panose="02040503050406030204" pitchFamily="18" charset="0"/>
+                          </a:rPr>
+                          <m:t>h</m:t>
+                        </m:r>
+                      </m:e>
+                    </m:acc>
+                    <m:r>
+                      <a:rPr lang="en-US" altLang="zh-CN" sz="2000" b="0" i="1" dirty="0" smtClean="0">
+                        <a:latin typeface="Cambria Math" panose="02040503050406030204" pitchFamily="18" charset="0"/>
+                      </a:rPr>
+                      <m:t>=</m:t>
+                    </m:r>
+                    <m:r>
+                      <a:rPr lang="en-US" altLang="zh-CN" sz="2000" b="0" i="1" dirty="0" smtClean="0">
+                        <a:latin typeface="Cambria Math" panose="02040503050406030204" pitchFamily="18" charset="0"/>
+                      </a:rPr>
+                      <m:t>𝑘</m:t>
+                    </m:r>
+                    <m:r>
+                      <a:rPr lang="en-US" altLang="zh-CN" sz="2000" b="0" i="1" dirty="0" smtClean="0">
+                        <a:latin typeface="Cambria Math" panose="02040503050406030204" pitchFamily="18" charset="0"/>
+                      </a:rPr>
+                      <m:t>−</m:t>
+                    </m:r>
+                    <m:sSup>
+                      <m:sSupPr>
+                        <m:ctrlPr>
+                          <a:rPr lang="en-US" altLang="zh-CN" sz="2000" b="0" i="1" dirty="0" smtClean="0">
+                            <a:latin typeface="Cambria Math" panose="02040503050406030204" pitchFamily="18" charset="0"/>
+                          </a:rPr>
+                        </m:ctrlPr>
+                      </m:sSupPr>
+                      <m:e>
+                        <m:d>
+                          <m:dPr>
+                            <m:ctrlPr>
+                              <a:rPr lang="en-US" altLang="zh-CN" sz="2000" b="0" i="1" dirty="0" smtClean="0">
+                                <a:latin typeface="Cambria Math" panose="02040503050406030204" pitchFamily="18" charset="0"/>
+                              </a:rPr>
+                            </m:ctrlPr>
+                          </m:dPr>
+                          <m:e>
+                            <m:r>
+                              <a:rPr lang="en-US" altLang="zh-CN" sz="2000" b="0" i="1" dirty="0" smtClean="0">
+                                <a:latin typeface="Cambria Math" panose="02040503050406030204" pitchFamily="18" charset="0"/>
+                              </a:rPr>
+                              <m:t>𝑥</m:t>
+                            </m:r>
+                            <m:r>
+                              <a:rPr lang="en-US" altLang="zh-CN" sz="2000" b="0" i="1" dirty="0" smtClean="0">
+                                <a:latin typeface="Cambria Math" panose="02040503050406030204" pitchFamily="18" charset="0"/>
+                              </a:rPr>
+                              <m:t>−</m:t>
+                            </m:r>
+                            <m:sSub>
+                              <m:sSubPr>
+                                <m:ctrlPr>
+                                  <a:rPr lang="en-US" altLang="zh-CN" sz="2000" b="0" i="1" dirty="0" smtClean="0">
+                                    <a:latin typeface="Cambria Math" panose="02040503050406030204" pitchFamily="18" charset="0"/>
+                                  </a:rPr>
+                                </m:ctrlPr>
+                              </m:sSubPr>
+                              <m:e>
+                                <m:r>
+                                  <a:rPr lang="en-US" altLang="zh-CN" sz="2000" b="0" i="1" dirty="0" smtClean="0">
+                                    <a:latin typeface="Cambria Math" panose="02040503050406030204" pitchFamily="18" charset="0"/>
+                                  </a:rPr>
+                                  <m:t>𝑥</m:t>
+                                </m:r>
+                              </m:e>
+                              <m:sub>
+                                <m:r>
+                                  <a:rPr lang="en-US" altLang="zh-CN" sz="2000" b="0" i="1" dirty="0" smtClean="0">
+                                    <a:latin typeface="Cambria Math" panose="02040503050406030204" pitchFamily="18" charset="0"/>
+                                  </a:rPr>
+                                  <m:t>0</m:t>
+                                </m:r>
+                              </m:sub>
+                            </m:sSub>
+                          </m:e>
+                        </m:d>
+                      </m:e>
+                      <m:sup>
+                        <m:r>
+                          <a:rPr lang="en-US" altLang="zh-CN" sz="2000" b="0" i="1" dirty="0" smtClean="0">
+                            <a:latin typeface="Cambria Math" panose="02040503050406030204" pitchFamily="18" charset="0"/>
+                          </a:rPr>
+                          <m:t>𝑇</m:t>
+                        </m:r>
+                      </m:sup>
+                    </m:sSup>
+                    <m:r>
+                      <a:rPr lang="en-US" altLang="zh-CN" sz="2000" b="0" i="1" dirty="0" smtClean="0">
+                        <a:latin typeface="Cambria Math" panose="02040503050406030204" pitchFamily="18" charset="0"/>
+                      </a:rPr>
+                      <m:t>𝑃</m:t>
+                    </m:r>
+                    <m:r>
+                      <a:rPr lang="en-US" altLang="zh-CN" sz="2000" b="0" i="1" dirty="0" smtClean="0">
+                        <a:latin typeface="Cambria Math" panose="02040503050406030204" pitchFamily="18" charset="0"/>
+                      </a:rPr>
+                      <m:t>(</m:t>
+                    </m:r>
+                    <m:r>
+                      <a:rPr lang="en-US" altLang="zh-CN" sz="2000" b="0" i="1" dirty="0" smtClean="0">
+                        <a:latin typeface="Cambria Math" panose="02040503050406030204" pitchFamily="18" charset="0"/>
+                      </a:rPr>
+                      <m:t>𝑥</m:t>
+                    </m:r>
+                    <m:r>
+                      <a:rPr lang="en-US" altLang="zh-CN" sz="2000" b="0" i="1" dirty="0" smtClean="0">
+                        <a:latin typeface="Cambria Math" panose="02040503050406030204" pitchFamily="18" charset="0"/>
+                      </a:rPr>
+                      <m:t>−</m:t>
+                    </m:r>
+                    <m:sSub>
+                      <m:sSubPr>
+                        <m:ctrlPr>
+                          <a:rPr lang="en-US" altLang="zh-CN" sz="2000" b="0" i="1" dirty="0" smtClean="0">
+                            <a:latin typeface="Cambria Math" panose="02040503050406030204" pitchFamily="18" charset="0"/>
+                          </a:rPr>
+                        </m:ctrlPr>
+                      </m:sSubPr>
+                      <m:e>
+                        <m:r>
+                          <a:rPr lang="en-US" altLang="zh-CN" sz="2000" b="0" i="1" dirty="0" smtClean="0">
+                            <a:latin typeface="Cambria Math" panose="02040503050406030204" pitchFamily="18" charset="0"/>
+                          </a:rPr>
+                          <m:t>𝑥</m:t>
+                        </m:r>
+                      </m:e>
+                      <m:sub>
+                        <m:r>
+                          <a:rPr lang="en-US" altLang="zh-CN" sz="2000" b="0" i="1" dirty="0" smtClean="0">
+                            <a:latin typeface="Cambria Math" panose="02040503050406030204" pitchFamily="18" charset="0"/>
+                          </a:rPr>
+                          <m:t>0</m:t>
+                        </m:r>
+                      </m:sub>
+                    </m:sSub>
+                    <m:r>
+                      <a:rPr lang="en-US" altLang="zh-CN" sz="2000" b="0" i="1" dirty="0" smtClean="0">
+                        <a:latin typeface="Cambria Math" panose="02040503050406030204" pitchFamily="18" charset="0"/>
+                      </a:rPr>
+                      <m:t>)</m:t>
+                    </m:r>
+                  </m:oMath>
+                </a14:m>
+                <a:r>
+                  <a:rPr lang="en-US" altLang="zh-CN" sz="2000" dirty="0">
+                    <a:latin typeface="Times New Roman" panose="02020603050405020304" pitchFamily="18" charset="0"/>
+                    <a:cs typeface="Times New Roman" panose="02020603050405020304" pitchFamily="18" charset="0"/>
+                  </a:rPr>
+                  <a:t>, where </a:t>
+                </a:r>
+                <a14:m>
+                  <m:oMath xmlns:m="http://schemas.openxmlformats.org/officeDocument/2006/math">
+                    <m:r>
+                      <a:rPr lang="en-US" altLang="zh-CN" sz="2000" b="0" i="1" smtClean="0">
+                        <a:latin typeface="Cambria Math" panose="02040503050406030204" pitchFamily="18" charset="0"/>
+                      </a:rPr>
+                      <m:t>𝑘</m:t>
+                    </m:r>
+                    <m:r>
+                      <a:rPr lang="en-US" altLang="zh-CN" sz="2000" b="0" i="1" smtClean="0">
+                        <a:latin typeface="Cambria Math" panose="02040503050406030204" pitchFamily="18" charset="0"/>
+                      </a:rPr>
+                      <m:t>=1.1575, </m:t>
+                    </m:r>
+                    <m:sSub>
+                      <m:sSubPr>
+                        <m:ctrlPr>
+                          <a:rPr lang="en-US" altLang="zh-CN" sz="2000" b="0" i="1" smtClean="0">
+                            <a:latin typeface="Cambria Math" panose="02040503050406030204" pitchFamily="18" charset="0"/>
+                          </a:rPr>
+                        </m:ctrlPr>
+                      </m:sSubPr>
+                      <m:e>
+                        <m:r>
+                          <a:rPr lang="en-US" altLang="zh-CN" sz="2000" b="0" i="1" smtClean="0">
+                            <a:latin typeface="Cambria Math" panose="02040503050406030204" pitchFamily="18" charset="0"/>
+                          </a:rPr>
+                          <m:t>𝑥</m:t>
+                        </m:r>
+                      </m:e>
+                      <m:sub>
+                        <m:r>
+                          <a:rPr lang="en-US" altLang="zh-CN" sz="2000" b="0" i="1" smtClean="0">
+                            <a:latin typeface="Cambria Math" panose="02040503050406030204" pitchFamily="18" charset="0"/>
+                          </a:rPr>
+                          <m:t>0</m:t>
+                        </m:r>
+                      </m:sub>
+                    </m:sSub>
+                    <m:r>
+                      <a:rPr lang="en-US" altLang="zh-CN" sz="2000" b="0" i="1" smtClean="0">
+                        <a:latin typeface="Cambria Math" panose="02040503050406030204" pitchFamily="18" charset="0"/>
+                      </a:rPr>
+                      <m:t>=(0.1378 0)</m:t>
+                    </m:r>
+                  </m:oMath>
+                </a14:m>
+                <a:r>
+                  <a:rPr lang="en-US" altLang="zh-CN" sz="2000" dirty="0">
+                    <a:latin typeface="Times New Roman" panose="02020603050405020304" pitchFamily="18" charset="0"/>
+                    <a:cs typeface="Times New Roman" panose="02020603050405020304" pitchFamily="18" charset="0"/>
+                  </a:rPr>
+                  <a:t>, and</a:t>
+                </a:r>
+              </a:p>
+              <a:p>
+                <a14:m>
+                  <m:oMathPara xmlns:m="http://schemas.openxmlformats.org/officeDocument/2006/math">
+                    <m:oMathParaPr>
+                      <m:jc m:val="centerGroup"/>
+                    </m:oMathParaPr>
+                    <m:oMath xmlns:m="http://schemas.openxmlformats.org/officeDocument/2006/math">
+                      <m:r>
+                        <a:rPr lang="en-US" altLang="zh-CN" b="0" i="1" smtClean="0">
+                          <a:latin typeface="Cambria Math" panose="02040503050406030204" pitchFamily="18" charset="0"/>
+                        </a:rPr>
+                        <m:t>𝑃</m:t>
+                      </m:r>
+                      <m:r>
+                        <a:rPr lang="en-US" altLang="zh-CN" b="0" i="1" smtClean="0">
+                          <a:latin typeface="Cambria Math" panose="02040503050406030204" pitchFamily="18" charset="0"/>
+                        </a:rPr>
+                        <m:t>=</m:t>
+                      </m:r>
+                      <m:d>
+                        <m:dPr>
+                          <m:begChr m:val="["/>
+                          <m:endChr m:val="]"/>
+                          <m:ctrlPr>
+                            <a:rPr lang="en-US" altLang="zh-CN" b="0" i="1" smtClean="0">
+                              <a:latin typeface="Cambria Math" panose="02040503050406030204" pitchFamily="18" charset="0"/>
+                            </a:rPr>
+                          </m:ctrlPr>
+                        </m:dPr>
+                        <m:e>
+                          <m:m>
+                            <m:mPr>
+                              <m:mcs>
+                                <m:mc>
+                                  <m:mcPr>
+                                    <m:count m:val="2"/>
+                                    <m:mcJc m:val="center"/>
+                                  </m:mcPr>
+                                </m:mc>
+                              </m:mcs>
+                              <m:ctrlPr>
+                                <a:rPr lang="en-US" altLang="zh-CN" b="0" i="1" smtClean="0">
+                                  <a:latin typeface="Cambria Math" panose="02040503050406030204" pitchFamily="18" charset="0"/>
+                                </a:rPr>
+                              </m:ctrlPr>
+                            </m:mPr>
+                            <m:mr>
+                              <m:e>
+                                <m:r>
+                                  <m:rPr>
+                                    <m:brk m:alnAt="7"/>
+                                  </m:rPr>
+                                  <a:rPr lang="en-US" altLang="zh-CN" b="0" i="1" smtClean="0">
+                                    <a:latin typeface="Cambria Math" panose="02040503050406030204" pitchFamily="18" charset="0"/>
+                                  </a:rPr>
+                                  <m:t>6.23</m:t>
+                                </m:r>
+                              </m:e>
+                              <m:e>
+                                <m:r>
+                                  <a:rPr lang="en-US" altLang="zh-CN" b="0" i="1" smtClean="0">
+                                    <a:latin typeface="Cambria Math" panose="02040503050406030204" pitchFamily="18" charset="0"/>
+                                  </a:rPr>
+                                  <m:t>−26.7</m:t>
+                                </m:r>
+                              </m:e>
+                            </m:mr>
+                            <m:mr>
+                              <m:e>
+                                <m:r>
+                                  <a:rPr lang="en-US" altLang="zh-CN" b="0" i="1" smtClean="0">
+                                    <a:latin typeface="Cambria Math" panose="02040503050406030204" pitchFamily="18" charset="0"/>
+                                  </a:rPr>
+                                  <m:t>−26.7</m:t>
+                                </m:r>
+                              </m:e>
+                              <m:e>
+                                <m:r>
+                                  <a:rPr lang="en-US" altLang="zh-CN" b="0" i="1" smtClean="0">
+                                    <a:latin typeface="Cambria Math" panose="02040503050406030204" pitchFamily="18" charset="0"/>
+                                  </a:rPr>
+                                  <m:t>146.7</m:t>
+                                </m:r>
+                              </m:e>
+                            </m:mr>
+                          </m:m>
+                          <m:r>
+                            <a:rPr lang="en-US" altLang="zh-CN" b="0" i="1" smtClean="0">
+                              <a:latin typeface="Cambria Math" panose="02040503050406030204" pitchFamily="18" charset="0"/>
+                            </a:rPr>
+                            <m:t> </m:t>
+                          </m:r>
+                        </m:e>
+                      </m:d>
+                    </m:oMath>
+                  </m:oMathPara>
+                </a14:m>
+                <a:endParaRPr lang="zh-CN" altLang="en-US" dirty="0"/>
+              </a:p>
+            </p:txBody>
+          </p:sp>
+        </mc:Choice>
+        <mc:Fallback>
+          <p:sp>
+            <p:nvSpPr>
+              <p:cNvPr id="3" name="TextBox 2">
+                <a:extLst>
+                  <a:ext uri="{FF2B5EF4-FFF2-40B4-BE49-F238E27FC236}">
+                    <a16:creationId xmlns:a16="http://schemas.microsoft.com/office/drawing/2014/main" id="{65202C4E-9ED3-474A-B86E-5522C4186B4D}"/>
+                  </a:ext>
+                </a:extLst>
+              </p:cNvPr>
+              <p:cNvSpPr txBox="1">
+                <a:spLocks noRot="1" noChangeAspect="1" noMove="1" noResize="1" noEditPoints="1" noAdjustHandles="1" noChangeArrowheads="1" noChangeShapeType="1" noTextEdit="1"/>
+              </p:cNvSpPr>
+              <p:nvPr/>
+            </p:nvSpPr>
+            <p:spPr>
+              <a:xfrm>
+                <a:off x="5710335" y="1809318"/>
+                <a:ext cx="6375918" cy="4217693"/>
+              </a:xfrm>
+              <a:prstGeom prst="rect">
+                <a:avLst/>
+              </a:prstGeom>
+              <a:blipFill>
+                <a:blip r:embed="rId3"/>
+                <a:stretch>
+                  <a:fillRect l="-860" t="-867" r="-2964"/>
+                </a:stretch>
+              </a:blipFill>
+            </p:spPr>
+            <p:txBody>
+              <a:bodyPr/>
+              <a:lstStyle/>
+              <a:p>
+                <a:r>
+                  <a:rPr lang="zh-CN" altLang="en-US">
+                    <a:noFill/>
+                  </a:rPr>
+                  <a:t> </a:t>
+                </a:r>
+              </a:p>
+            </p:txBody>
+          </p:sp>
+        </mc:Fallback>
+      </mc:AlternateContent>
+      <p:pic>
+        <p:nvPicPr>
+          <p:cNvPr id="5" name="Picture 4" descr="A picture containing diagram&#10;&#10;Description automatically generated">
+            <a:extLst>
+              <a:ext uri="{FF2B5EF4-FFF2-40B4-BE49-F238E27FC236}">
+                <a16:creationId xmlns:a16="http://schemas.microsoft.com/office/drawing/2014/main" id="{E7EE8369-80DC-49CB-A8A2-D760EAD4F23A}"/>
+              </a:ext>
+            </a:extLst>
+          </p:cNvPr>
+          <p:cNvPicPr>
+            <a:picLocks noChangeAspect="1"/>
+          </p:cNvPicPr>
+          <p:nvPr/>
+        </p:nvPicPr>
         <p:blipFill>
-          <a:blip r:embed="rId2"/>
+          <a:blip r:embed="rId4">
+            <a:extLst>
+              <a:ext uri="{28A0092B-C50C-407E-A947-70E740481C1C}">
+                <a14:useLocalDpi xmlns:a14="http://schemas.microsoft.com/office/drawing/2010/main" val="0"/>
+              </a:ext>
+            </a:extLst>
+          </a:blip>
           <a:stretch>
             <a:fillRect/>
           </a:stretch>
         </p:blipFill>
         <p:spPr>
           <a:xfrm>
-            <a:off x="838200" y="1690688"/>
-            <a:ext cx="10383077" cy="4517157"/>
+            <a:off x="572894" y="1949631"/>
+            <a:ext cx="5037915" cy="3778436"/>
           </a:xfrm>
           <a:prstGeom prst="rect">
             <a:avLst/>
@@ -5947,6 +7408,4798 @@
     <p:extLst>
       <p:ext uri="{BB962C8B-B14F-4D97-AF65-F5344CB8AC3E}">
         <p14:creationId xmlns:p14="http://schemas.microsoft.com/office/powerpoint/2010/main" val="1770928927"/>
+      </p:ext>
+    </p:extLst>
+  </p:cSld>
+  <p:clrMapOvr>
+    <a:masterClrMapping/>
+  </p:clrMapOvr>
+  <p:timing>
+    <p:tnLst>
+      <p:par>
+        <p:cTn id="1" dur="indefinite" restart="never" nodeType="tmRoot">
+          <p:childTnLst>
+            <p:seq concurrent="1" nextAc="seek">
+              <p:cTn id="2" dur="indefinite" nodeType="mainSeq">
+                <p:childTnLst>
+                  <p:par>
+                    <p:cTn id="3" fill="hold">
+                      <p:stCondLst>
+                        <p:cond delay="indefinite"/>
+                      </p:stCondLst>
+                      <p:childTnLst>
+                        <p:par>
+                          <p:cTn id="4" fill="hold">
+                            <p:stCondLst>
+                              <p:cond delay="0"/>
+                            </p:stCondLst>
+                            <p:childTnLst>
+                              <p:par>
+                                <p:cTn id="5" presetID="1" presetClass="entr" presetSubtype="0" fill="hold" nodeType="clickEffect">
+                                  <p:stCondLst>
+                                    <p:cond delay="0"/>
+                                  </p:stCondLst>
+                                  <p:childTnLst>
+                                    <p:set>
+                                      <p:cBhvr>
+                                        <p:cTn id="6" dur="1" fill="hold">
+                                          <p:stCondLst>
+                                            <p:cond delay="0"/>
+                                          </p:stCondLst>
+                                        </p:cTn>
+                                        <p:tgtEl>
+                                          <p:spTgt spid="5"/>
+                                        </p:tgtEl>
+                                        <p:attrNameLst>
+                                          <p:attrName>style.visibility</p:attrName>
+                                        </p:attrNameLst>
+                                      </p:cBhvr>
+                                      <p:to>
+                                        <p:strVal val="visible"/>
+                                      </p:to>
+                                    </p:set>
+                                  </p:childTnLst>
+                                </p:cTn>
+                              </p:par>
+                            </p:childTnLst>
+                          </p:cTn>
+                        </p:par>
+                      </p:childTnLst>
+                    </p:cTn>
+                  </p:par>
+                </p:childTnLst>
+              </p:cTn>
+              <p:prevCondLst>
+                <p:cond evt="onPrev" delay="0">
+                  <p:tgtEl>
+                    <p:sldTgt/>
+                  </p:tgtEl>
+                </p:cond>
+              </p:prevCondLst>
+              <p:nextCondLst>
+                <p:cond evt="onNext" delay="0">
+                  <p:tgtEl>
+                    <p:sldTgt/>
+                  </p:tgtEl>
+                </p:cond>
+              </p:nextCondLst>
+            </p:seq>
+          </p:childTnLst>
+        </p:cTn>
+      </p:par>
+    </p:tnLst>
+  </p:timing>
+</p:sld>
+</file>
+
+<file path=ppt/slides/slide13.xml><?xml version="1.0" encoding="utf-8"?>
+<p:sld xmlns:a="http://schemas.openxmlformats.org/drawingml/2006/main" xmlns:r="http://schemas.openxmlformats.org/officeDocument/2006/relationships" xmlns:p="http://schemas.openxmlformats.org/presentationml/2006/main">
+  <p:cSld>
+    <p:spTree>
+      <p:nvGrpSpPr>
+        <p:cNvPr id="1" name=""/>
+        <p:cNvGrpSpPr/>
+        <p:nvPr/>
+      </p:nvGrpSpPr>
+      <p:grpSpPr>
+        <a:xfrm>
+          <a:off x="0" y="0"/>
+          <a:ext cx="0" cy="0"/>
+          <a:chOff x="0" y="0"/>
+          <a:chExt cx="0" cy="0"/>
+        </a:xfrm>
+      </p:grpSpPr>
+      <p:sp>
+        <p:nvSpPr>
+          <p:cNvPr id="2" name="Title 1">
+            <a:extLst>
+              <a:ext uri="{FF2B5EF4-FFF2-40B4-BE49-F238E27FC236}">
+                <a16:creationId xmlns:a16="http://schemas.microsoft.com/office/drawing/2014/main" id="{291215D0-C569-458D-B584-82A317FAA33F}"/>
+              </a:ext>
+            </a:extLst>
+          </p:cNvPr>
+          <p:cNvSpPr>
+            <a:spLocks noGrp="1"/>
+          </p:cNvSpPr>
+          <p:nvPr>
+            <p:ph type="title"/>
+          </p:nvPr>
+        </p:nvSpPr>
+        <p:spPr/>
+        <p:txBody>
+          <a:bodyPr/>
+          <a:lstStyle/>
+          <a:p>
+            <a:r>
+              <a:rPr lang="en-US" altLang="zh-CN" dirty="0">
+                <a:latin typeface="Times New Roman" panose="02020603050405020304" pitchFamily="18" charset="0"/>
+                <a:cs typeface="Times New Roman" panose="02020603050405020304" pitchFamily="18" charset="0"/>
+              </a:rPr>
+              <a:t>Simulation</a:t>
+            </a:r>
+            <a:endParaRPr lang="zh-CN" altLang="en-US" dirty="0"/>
+          </a:p>
+        </p:txBody>
+      </p:sp>
+      <p:pic>
+        <p:nvPicPr>
+          <p:cNvPr id="9" name="Picture 8">
+            <a:extLst>
+              <a:ext uri="{FF2B5EF4-FFF2-40B4-BE49-F238E27FC236}">
+                <a16:creationId xmlns:a16="http://schemas.microsoft.com/office/drawing/2014/main" id="{359568A5-B742-4848-80B7-0C316A969528}"/>
+              </a:ext>
+            </a:extLst>
+          </p:cNvPr>
+          <p:cNvPicPr>
+            <a:picLocks noChangeAspect="1"/>
+          </p:cNvPicPr>
+          <p:nvPr/>
+        </p:nvPicPr>
+        <p:blipFill rotWithShape="1">
+          <a:blip r:embed="rId2"/>
+          <a:srcRect l="53873"/>
+          <a:stretch/>
+        </p:blipFill>
+        <p:spPr>
+          <a:xfrm>
+            <a:off x="323461" y="1690688"/>
+            <a:ext cx="4789375" cy="4517157"/>
+          </a:xfrm>
+          <a:prstGeom prst="rect">
+            <a:avLst/>
+          </a:prstGeom>
+        </p:spPr>
+      </p:pic>
+      <mc:AlternateContent xmlns:mc="http://schemas.openxmlformats.org/markup-compatibility/2006">
+        <mc:Choice xmlns:a14="http://schemas.microsoft.com/office/drawing/2010/main" Requires="a14">
+          <p:sp>
+            <p:nvSpPr>
+              <p:cNvPr id="4" name="TextBox 3">
+                <a:extLst>
+                  <a:ext uri="{FF2B5EF4-FFF2-40B4-BE49-F238E27FC236}">
+                    <a16:creationId xmlns:a16="http://schemas.microsoft.com/office/drawing/2014/main" id="{6399B069-7F8D-4E89-9C04-88EAB062E0FD}"/>
+                  </a:ext>
+                </a:extLst>
+              </p:cNvPr>
+              <p:cNvSpPr txBox="1"/>
+              <p:nvPr/>
+            </p:nvSpPr>
+            <p:spPr>
+              <a:xfrm>
+                <a:off x="5627575" y="1492076"/>
+                <a:ext cx="6375918" cy="4525470"/>
+              </a:xfrm>
+              <a:prstGeom prst="rect">
+                <a:avLst/>
+              </a:prstGeom>
+              <a:noFill/>
+            </p:spPr>
+            <p:txBody>
+              <a:bodyPr wrap="square" rtlCol="0">
+                <a:spAutoFit/>
+              </a:bodyPr>
+              <a:lstStyle/>
+              <a:p>
+                <a:pPr marL="285750" indent="-285750">
+                  <a:buFont typeface="Arial" panose="020B0604020202020204" pitchFamily="34" charset="0"/>
+                  <a:buChar char="•"/>
+                </a:pPr>
+                <a:r>
+                  <a:rPr lang="en-US" altLang="zh-CN" sz="2000" dirty="0">
+                    <a:latin typeface="Times New Roman" panose="02020603050405020304" pitchFamily="18" charset="0"/>
+                    <a:cs typeface="Times New Roman" panose="02020603050405020304" pitchFamily="18" charset="0"/>
+                  </a:rPr>
+                  <a:t>Next, evaluate the approach on the inverted pendulum dynamics</a:t>
+                </a:r>
+              </a:p>
+              <a:p>
+                <a14:m>
+                  <m:oMathPara xmlns:m="http://schemas.openxmlformats.org/officeDocument/2006/math">
+                    <m:oMathParaPr>
+                      <m:jc m:val="centerGroup"/>
+                    </m:oMathParaPr>
+                    <m:oMath xmlns:m="http://schemas.openxmlformats.org/officeDocument/2006/math">
+                      <m:acc>
+                        <m:accPr>
+                          <m:chr m:val="̇"/>
+                          <m:ctrlPr>
+                            <a:rPr lang="en-US" altLang="zh-CN" sz="2000" b="0" i="1" smtClean="0">
+                              <a:latin typeface="Cambria Math" panose="02040503050406030204" pitchFamily="18" charset="0"/>
+                            </a:rPr>
+                          </m:ctrlPr>
+                        </m:accPr>
+                        <m:e>
+                          <m:r>
+                            <a:rPr lang="en-US" altLang="zh-CN" sz="2000" b="0" i="1" smtClean="0">
+                              <a:latin typeface="Cambria Math" panose="02040503050406030204" pitchFamily="18" charset="0"/>
+                            </a:rPr>
+                            <m:t>𝑥</m:t>
+                          </m:r>
+                        </m:e>
+                      </m:acc>
+                      <m:d>
+                        <m:dPr>
+                          <m:ctrlPr>
+                            <a:rPr lang="en-US" altLang="zh-CN" sz="2000" b="0" i="1" dirty="0" smtClean="0">
+                              <a:latin typeface="Cambria Math" panose="02040503050406030204" pitchFamily="18" charset="0"/>
+                            </a:rPr>
+                          </m:ctrlPr>
+                        </m:dPr>
+                        <m:e>
+                          <m:r>
+                            <a:rPr lang="en-US" altLang="zh-CN" sz="2000" b="0" i="1" dirty="0" smtClean="0">
+                              <a:latin typeface="Cambria Math" panose="02040503050406030204" pitchFamily="18" charset="0"/>
+                            </a:rPr>
+                            <m:t>𝑡</m:t>
+                          </m:r>
+                        </m:e>
+                      </m:d>
+                      <m:r>
+                        <a:rPr lang="en-US" altLang="zh-CN" sz="2000" b="0" i="1" dirty="0" smtClean="0">
+                          <a:latin typeface="Cambria Math" panose="02040503050406030204" pitchFamily="18" charset="0"/>
+                        </a:rPr>
+                        <m:t>=</m:t>
+                      </m:r>
+                      <m:d>
+                        <m:dPr>
+                          <m:begChr m:val="["/>
+                          <m:endChr m:val="]"/>
+                          <m:ctrlPr>
+                            <a:rPr lang="en-US" altLang="zh-CN" sz="2000" b="0" i="1" dirty="0" smtClean="0">
+                              <a:latin typeface="Cambria Math" panose="02040503050406030204" pitchFamily="18" charset="0"/>
+                            </a:rPr>
+                          </m:ctrlPr>
+                        </m:dPr>
+                        <m:e>
+                          <m:m>
+                            <m:mPr>
+                              <m:mcs>
+                                <m:mc>
+                                  <m:mcPr>
+                                    <m:count m:val="2"/>
+                                    <m:mcJc m:val="center"/>
+                                  </m:mcPr>
+                                </m:mc>
+                              </m:mcs>
+                              <m:ctrlPr>
+                                <a:rPr lang="en-US" altLang="zh-CN" sz="2000" b="0" i="1" dirty="0" smtClean="0">
+                                  <a:latin typeface="Cambria Math" panose="02040503050406030204" pitchFamily="18" charset="0"/>
+                                </a:rPr>
+                              </m:ctrlPr>
+                            </m:mPr>
+                            <m:mr>
+                              <m:e>
+                                <m:r>
+                                  <m:rPr>
+                                    <m:brk m:alnAt="7"/>
+                                  </m:rPr>
+                                  <a:rPr lang="en-US" altLang="zh-CN" sz="2000" b="0" i="1" dirty="0" smtClean="0">
+                                    <a:latin typeface="Cambria Math" panose="02040503050406030204" pitchFamily="18" charset="0"/>
+                                  </a:rPr>
+                                  <m:t>0</m:t>
+                                </m:r>
+                              </m:e>
+                              <m:e>
+                                <m:r>
+                                  <a:rPr lang="en-US" altLang="zh-CN" sz="2000" b="0" i="1" dirty="0" smtClean="0">
+                                    <a:latin typeface="Cambria Math" panose="02040503050406030204" pitchFamily="18" charset="0"/>
+                                  </a:rPr>
+                                  <m:t>1</m:t>
+                                </m:r>
+                              </m:e>
+                            </m:mr>
+                            <m:mr>
+                              <m:e>
+                                <m:r>
+                                  <a:rPr lang="en-US" altLang="zh-CN" sz="2000" b="0" i="1" dirty="0" smtClean="0">
+                                    <a:latin typeface="Cambria Math" panose="02040503050406030204" pitchFamily="18" charset="0"/>
+                                  </a:rPr>
+                                  <m:t>1</m:t>
+                                </m:r>
+                              </m:e>
+                              <m:e>
+                                <m:r>
+                                  <a:rPr lang="en-US" altLang="zh-CN" sz="2000" b="0" i="1" dirty="0" smtClean="0">
+                                    <a:latin typeface="Cambria Math" panose="02040503050406030204" pitchFamily="18" charset="0"/>
+                                  </a:rPr>
+                                  <m:t>0</m:t>
+                                </m:r>
+                              </m:e>
+                            </m:mr>
+                          </m:m>
+                        </m:e>
+                      </m:d>
+                      <m:r>
+                        <a:rPr lang="en-US" altLang="zh-CN" sz="2000" b="0" i="1" dirty="0" smtClean="0">
+                          <a:latin typeface="Cambria Math" panose="02040503050406030204" pitchFamily="18" charset="0"/>
+                        </a:rPr>
+                        <m:t>𝑥</m:t>
+                      </m:r>
+                      <m:d>
+                        <m:dPr>
+                          <m:ctrlPr>
+                            <a:rPr lang="en-US" altLang="zh-CN" sz="2000" b="0" i="1" dirty="0" smtClean="0">
+                              <a:latin typeface="Cambria Math" panose="02040503050406030204" pitchFamily="18" charset="0"/>
+                            </a:rPr>
+                          </m:ctrlPr>
+                        </m:dPr>
+                        <m:e>
+                          <m:r>
+                            <a:rPr lang="en-US" altLang="zh-CN" sz="2000" b="0" i="1" dirty="0" smtClean="0">
+                              <a:latin typeface="Cambria Math" panose="02040503050406030204" pitchFamily="18" charset="0"/>
+                            </a:rPr>
+                            <m:t>𝑡</m:t>
+                          </m:r>
+                        </m:e>
+                      </m:d>
+                      <m:r>
+                        <a:rPr lang="en-US" altLang="zh-CN" sz="2000" b="0" i="1" dirty="0" smtClean="0">
+                          <a:latin typeface="Cambria Math" panose="02040503050406030204" pitchFamily="18" charset="0"/>
+                        </a:rPr>
+                        <m:t>+</m:t>
+                      </m:r>
+                      <m:d>
+                        <m:dPr>
+                          <m:begChr m:val="["/>
+                          <m:endChr m:val="]"/>
+                          <m:ctrlPr>
+                            <a:rPr lang="en-US" altLang="zh-CN" sz="2000" b="0" i="1" dirty="0" smtClean="0">
+                              <a:latin typeface="Cambria Math" panose="02040503050406030204" pitchFamily="18" charset="0"/>
+                            </a:rPr>
+                          </m:ctrlPr>
+                        </m:dPr>
+                        <m:e>
+                          <m:m>
+                            <m:mPr>
+                              <m:mcs>
+                                <m:mc>
+                                  <m:mcPr>
+                                    <m:count m:val="1"/>
+                                    <m:mcJc m:val="center"/>
+                                  </m:mcPr>
+                                </m:mc>
+                              </m:mcs>
+                              <m:ctrlPr>
+                                <a:rPr lang="en-US" altLang="zh-CN" sz="2000" b="0" i="1" dirty="0" smtClean="0">
+                                  <a:latin typeface="Cambria Math" panose="02040503050406030204" pitchFamily="18" charset="0"/>
+                                </a:rPr>
+                              </m:ctrlPr>
+                            </m:mPr>
+                            <m:mr>
+                              <m:e>
+                                <m:r>
+                                  <m:rPr>
+                                    <m:brk m:alnAt="7"/>
+                                  </m:rPr>
+                                  <a:rPr lang="en-US" altLang="zh-CN" sz="2000" b="0" i="1" dirty="0" smtClean="0">
+                                    <a:latin typeface="Cambria Math" panose="02040503050406030204" pitchFamily="18" charset="0"/>
+                                  </a:rPr>
+                                  <m:t>0</m:t>
+                                </m:r>
+                              </m:e>
+                            </m:mr>
+                            <m:mr>
+                              <m:e>
+                                <m:r>
+                                  <a:rPr lang="en-US" altLang="zh-CN" sz="2000" b="0" i="1" dirty="0" smtClean="0">
+                                    <a:latin typeface="Cambria Math" panose="02040503050406030204" pitchFamily="18" charset="0"/>
+                                  </a:rPr>
+                                  <m:t>1</m:t>
+                                </m:r>
+                              </m:e>
+                            </m:mr>
+                          </m:m>
+                        </m:e>
+                      </m:d>
+                      <m:r>
+                        <a:rPr lang="en-US" altLang="zh-CN" sz="2000" b="0" i="1" dirty="0" smtClean="0">
+                          <a:latin typeface="Cambria Math" panose="02040503050406030204" pitchFamily="18" charset="0"/>
+                        </a:rPr>
+                        <m:t>𝑢</m:t>
+                      </m:r>
+                      <m:r>
+                        <a:rPr lang="en-US" altLang="zh-CN" sz="2000" b="0" i="1" dirty="0" smtClean="0">
+                          <a:latin typeface="Cambria Math" panose="02040503050406030204" pitchFamily="18" charset="0"/>
+                        </a:rPr>
+                        <m:t>(</m:t>
+                      </m:r>
+                      <m:r>
+                        <a:rPr lang="en-US" altLang="zh-CN" sz="2000" b="0" i="1" dirty="0" smtClean="0">
+                          <a:latin typeface="Cambria Math" panose="02040503050406030204" pitchFamily="18" charset="0"/>
+                        </a:rPr>
+                        <m:t>𝑡</m:t>
+                      </m:r>
+                      <m:r>
+                        <a:rPr lang="en-US" altLang="zh-CN" sz="2000" b="0" i="1" dirty="0" smtClean="0">
+                          <a:latin typeface="Cambria Math" panose="02040503050406030204" pitchFamily="18" charset="0"/>
+                        </a:rPr>
+                        <m:t>)</m:t>
+                      </m:r>
+                    </m:oMath>
+                  </m:oMathPara>
+                </a14:m>
+                <a:endParaRPr lang="en-US" altLang="zh-CN" sz="2000" dirty="0">
+                  <a:latin typeface="Times New Roman" panose="02020603050405020304" pitchFamily="18" charset="0"/>
+                  <a:cs typeface="Times New Roman" panose="02020603050405020304" pitchFamily="18" charset="0"/>
+                </a:endParaRPr>
+              </a:p>
+              <a:p>
+                <a:pPr marL="285750" indent="-285750">
+                  <a:buFont typeface="Arial" panose="020B0604020202020204" pitchFamily="34" charset="0"/>
+                  <a:buChar char="•"/>
+                </a:pPr>
+                <a:r>
+                  <a:rPr lang="en-US" altLang="zh-CN" sz="2000" dirty="0">
+                    <a:latin typeface="Times New Roman" panose="02020603050405020304" pitchFamily="18" charset="0"/>
+                    <a:cs typeface="Times New Roman" panose="02020603050405020304" pitchFamily="18" charset="0"/>
+                  </a:rPr>
+                  <a:t>And the safe region is defined as </a:t>
+                </a:r>
+                <a14:m>
+                  <m:oMath xmlns:m="http://schemas.openxmlformats.org/officeDocument/2006/math">
+                    <m:d>
+                      <m:dPr>
+                        <m:begChr m:val="["/>
+                        <m:endChr m:val="]"/>
+                        <m:ctrlPr>
+                          <a:rPr lang="en-US" altLang="zh-CN" sz="2000" b="0" i="0" smtClean="0">
+                            <a:latin typeface="Cambria Math" panose="02040503050406030204" pitchFamily="18" charset="0"/>
+                          </a:rPr>
+                        </m:ctrlPr>
+                      </m:dPr>
+                      <m:e>
+                        <m:r>
+                          <a:rPr lang="en-US" altLang="zh-CN" sz="2000" b="0" i="0" smtClean="0">
+                            <a:latin typeface="Cambria Math" panose="02040503050406030204" pitchFamily="18" charset="0"/>
+                          </a:rPr>
+                          <m:t>−0.1, 0.15</m:t>
+                        </m:r>
+                      </m:e>
+                    </m:d>
+                    <m:r>
+                      <a:rPr lang="en-US" altLang="zh-CN" sz="2000" b="0" i="1" smtClean="0">
+                        <a:latin typeface="Cambria Math" panose="02040503050406030204" pitchFamily="18" charset="0"/>
+                      </a:rPr>
+                      <m:t>×[−0.3</m:t>
+                    </m:r>
+                    <m:r>
+                      <a:rPr lang="en-US" altLang="zh-CN" sz="2000" b="0" i="0" smtClean="0">
+                        <a:latin typeface="Cambria Math" panose="02040503050406030204" pitchFamily="18" charset="0"/>
+                      </a:rPr>
+                      <m:t>, 0.25].</m:t>
+                    </m:r>
+                  </m:oMath>
+                </a14:m>
+                <a:r>
+                  <a:rPr lang="zh-CN" altLang="en-US" sz="2000" dirty="0">
+                    <a:latin typeface="Times New Roman" panose="02020603050405020304" pitchFamily="18" charset="0"/>
+                    <a:cs typeface="Times New Roman" panose="02020603050405020304" pitchFamily="18" charset="0"/>
+                  </a:rPr>
+                  <a:t> </a:t>
+                </a:r>
+                <a:r>
+                  <a:rPr lang="en-US" altLang="zh-CN" sz="2000" dirty="0">
+                    <a:latin typeface="Times New Roman" panose="02020603050405020304" pitchFamily="18" charset="0"/>
+                    <a:cs typeface="Times New Roman" panose="02020603050405020304" pitchFamily="18" charset="0"/>
+                  </a:rPr>
+                  <a:t>We approximate the viability kernel using previous SOS algorithm, using the stabilizing feedback controller </a:t>
+                </a:r>
+                <a14:m>
+                  <m:oMath xmlns:m="http://schemas.openxmlformats.org/officeDocument/2006/math">
+                    <m:r>
+                      <a:rPr lang="en-US" altLang="zh-CN" sz="2000" b="0" i="1" smtClean="0">
+                        <a:latin typeface="Cambria Math" panose="02040503050406030204" pitchFamily="18" charset="0"/>
+                      </a:rPr>
+                      <m:t>𝑢</m:t>
+                    </m:r>
+                    <m:d>
+                      <m:dPr>
+                        <m:ctrlPr>
+                          <a:rPr lang="en-US" altLang="zh-CN" sz="2000" b="0" i="1" smtClean="0">
+                            <a:latin typeface="Cambria Math" panose="02040503050406030204" pitchFamily="18" charset="0"/>
+                          </a:rPr>
+                        </m:ctrlPr>
+                      </m:dPr>
+                      <m:e>
+                        <m:r>
+                          <a:rPr lang="en-US" altLang="zh-CN" sz="2000" b="0" i="1" smtClean="0">
+                            <a:latin typeface="Cambria Math" panose="02040503050406030204" pitchFamily="18" charset="0"/>
+                          </a:rPr>
+                          <m:t>𝑡</m:t>
+                        </m:r>
+                      </m:e>
+                    </m:d>
+                    <m:r>
+                      <a:rPr lang="en-US" altLang="zh-CN" sz="2000" b="0" i="1" smtClean="0">
+                        <a:latin typeface="Cambria Math" panose="02040503050406030204" pitchFamily="18" charset="0"/>
+                      </a:rPr>
+                      <m:t>=−</m:t>
+                    </m:r>
+                    <m:r>
+                      <a:rPr lang="en-US" altLang="zh-CN" sz="2000" b="0" i="1" smtClean="0">
+                        <a:latin typeface="Cambria Math" panose="02040503050406030204" pitchFamily="18" charset="0"/>
+                      </a:rPr>
+                      <m:t>𝐾𝑥</m:t>
+                    </m:r>
+                    <m:r>
+                      <a:rPr lang="en-US" altLang="zh-CN" sz="2000" b="0" i="1" smtClean="0">
+                        <a:latin typeface="Cambria Math" panose="02040503050406030204" pitchFamily="18" charset="0"/>
+                      </a:rPr>
+                      <m:t>(</m:t>
+                    </m:r>
+                    <m:r>
+                      <a:rPr lang="en-US" altLang="zh-CN" sz="2000" b="0" i="1" smtClean="0">
+                        <a:latin typeface="Cambria Math" panose="02040503050406030204" pitchFamily="18" charset="0"/>
+                      </a:rPr>
+                      <m:t>𝑡</m:t>
+                    </m:r>
+                    <m:r>
+                      <a:rPr lang="en-US" altLang="zh-CN" sz="2000" b="0" i="1" smtClean="0">
+                        <a:latin typeface="Cambria Math" panose="02040503050406030204" pitchFamily="18" charset="0"/>
+                      </a:rPr>
+                      <m:t>)</m:t>
+                    </m:r>
+                  </m:oMath>
+                </a14:m>
+                <a:r>
+                  <a:rPr lang="zh-CN" altLang="en-US" sz="2000" dirty="0">
+                    <a:latin typeface="Times New Roman" panose="02020603050405020304" pitchFamily="18" charset="0"/>
+                    <a:cs typeface="Times New Roman" panose="02020603050405020304" pitchFamily="18" charset="0"/>
+                  </a:rPr>
+                  <a:t> </a:t>
+                </a:r>
+                <a:r>
+                  <a:rPr lang="en-US" altLang="zh-CN" sz="2000" dirty="0">
+                    <a:latin typeface="Times New Roman" panose="02020603050405020304" pitchFamily="18" charset="0"/>
+                    <a:cs typeface="Times New Roman" panose="02020603050405020304" pitchFamily="18" charset="0"/>
+                  </a:rPr>
+                  <a:t>where </a:t>
+                </a:r>
+                <a14:m>
+                  <m:oMath xmlns:m="http://schemas.openxmlformats.org/officeDocument/2006/math">
+                    <m:r>
+                      <a:rPr lang="en-US" altLang="zh-CN" sz="2000" b="0" i="1" smtClean="0">
+                        <a:latin typeface="Cambria Math" panose="02040503050406030204" pitchFamily="18" charset="0"/>
+                      </a:rPr>
+                      <m:t>𝐾</m:t>
+                    </m:r>
+                    <m:r>
+                      <a:rPr lang="en-US" altLang="zh-CN" sz="2000" b="0" i="1" smtClean="0">
+                        <a:latin typeface="Cambria Math" panose="02040503050406030204" pitchFamily="18" charset="0"/>
+                      </a:rPr>
+                      <m:t>=</m:t>
+                    </m:r>
+                    <m:d>
+                      <m:dPr>
+                        <m:begChr m:val="["/>
+                        <m:endChr m:val="]"/>
+                        <m:ctrlPr>
+                          <a:rPr lang="en-US" altLang="zh-CN" sz="2000" b="0" i="1" smtClean="0">
+                            <a:latin typeface="Cambria Math" panose="02040503050406030204" pitchFamily="18" charset="0"/>
+                          </a:rPr>
+                        </m:ctrlPr>
+                      </m:dPr>
+                      <m:e>
+                        <m:r>
+                          <a:rPr lang="en-US" altLang="zh-CN" sz="2000" b="0" i="1" smtClean="0">
+                            <a:latin typeface="Cambria Math" panose="02040503050406030204" pitchFamily="18" charset="0"/>
+                          </a:rPr>
+                          <m:t>3 3</m:t>
+                        </m:r>
+                      </m:e>
+                    </m:d>
+                  </m:oMath>
+                </a14:m>
+                <a:r>
+                  <a:rPr lang="en-US" altLang="zh-CN" sz="2000" dirty="0">
+                    <a:latin typeface="Times New Roman" panose="02020603050405020304" pitchFamily="18" charset="0"/>
+                    <a:cs typeface="Times New Roman" panose="02020603050405020304" pitchFamily="18" charset="0"/>
+                  </a:rPr>
+                  <a:t>. Simulate the trajectory beginning inside and outside the viability kernel at the points </a:t>
+                </a:r>
+                <a14:m>
+                  <m:oMath xmlns:m="http://schemas.openxmlformats.org/officeDocument/2006/math">
+                    <m:sSup>
+                      <m:sSupPr>
+                        <m:ctrlPr>
+                          <a:rPr lang="en-US" altLang="zh-CN" sz="2000" b="0" i="1" smtClean="0">
+                            <a:latin typeface="Cambria Math" panose="02040503050406030204" pitchFamily="18" charset="0"/>
+                          </a:rPr>
+                        </m:ctrlPr>
+                      </m:sSupPr>
+                      <m:e>
+                        <m:d>
+                          <m:dPr>
+                            <m:ctrlPr>
+                              <a:rPr lang="en-US" altLang="zh-CN" sz="2000" b="0" i="1" smtClean="0">
+                                <a:latin typeface="Cambria Math" panose="02040503050406030204" pitchFamily="18" charset="0"/>
+                              </a:rPr>
+                            </m:ctrlPr>
+                          </m:dPr>
+                          <m:e>
+                            <m:r>
+                              <a:rPr lang="en-US" altLang="zh-CN" sz="2000" b="0" i="1" smtClean="0">
+                                <a:latin typeface="Cambria Math" panose="02040503050406030204" pitchFamily="18" charset="0"/>
+                              </a:rPr>
+                              <m:t>0.1−0.1</m:t>
+                            </m:r>
+                          </m:e>
+                        </m:d>
+                      </m:e>
+                      <m:sup>
+                        <m:r>
+                          <a:rPr lang="en-US" altLang="zh-CN" sz="2000" b="0" i="1" smtClean="0">
+                            <a:latin typeface="Cambria Math" panose="02040503050406030204" pitchFamily="18" charset="0"/>
+                          </a:rPr>
+                          <m:t>𝑇</m:t>
+                        </m:r>
+                      </m:sup>
+                    </m:sSup>
+                  </m:oMath>
+                </a14:m>
+                <a:r>
+                  <a:rPr lang="zh-CN" altLang="en-US" sz="2000" dirty="0">
+                    <a:latin typeface="Times New Roman" panose="02020603050405020304" pitchFamily="18" charset="0"/>
+                    <a:cs typeface="Times New Roman" panose="02020603050405020304" pitchFamily="18" charset="0"/>
+                  </a:rPr>
+                  <a:t> </a:t>
+                </a:r>
+                <a:r>
+                  <a:rPr lang="en-US" altLang="zh-CN" sz="2000" dirty="0">
+                    <a:latin typeface="Times New Roman" panose="02020603050405020304" pitchFamily="18" charset="0"/>
+                    <a:cs typeface="Times New Roman" panose="02020603050405020304" pitchFamily="18" charset="0"/>
+                  </a:rPr>
+                  <a:t>and </a:t>
+                </a:r>
+                <a14:m>
+                  <m:oMath xmlns:m="http://schemas.openxmlformats.org/officeDocument/2006/math">
+                    <m:sSup>
+                      <m:sSupPr>
+                        <m:ctrlPr>
+                          <a:rPr lang="en-US" altLang="zh-CN" sz="2000" b="0" i="1" smtClean="0">
+                            <a:latin typeface="Cambria Math" panose="02040503050406030204" pitchFamily="18" charset="0"/>
+                          </a:rPr>
+                        </m:ctrlPr>
+                      </m:sSupPr>
+                      <m:e>
+                        <m:d>
+                          <m:dPr>
+                            <m:ctrlPr>
+                              <a:rPr lang="en-US" altLang="zh-CN" sz="2000" b="0" i="1" smtClean="0">
+                                <a:latin typeface="Cambria Math" panose="02040503050406030204" pitchFamily="18" charset="0"/>
+                              </a:rPr>
+                            </m:ctrlPr>
+                          </m:dPr>
+                          <m:e>
+                            <m:r>
+                              <a:rPr lang="en-US" altLang="zh-CN" sz="2000" b="0" i="1" smtClean="0">
+                                <a:latin typeface="Cambria Math" panose="02040503050406030204" pitchFamily="18" charset="0"/>
+                              </a:rPr>
+                              <m:t>−0.13 0.25</m:t>
+                            </m:r>
+                          </m:e>
+                        </m:d>
+                      </m:e>
+                      <m:sup>
+                        <m:r>
+                          <a:rPr lang="en-US" altLang="zh-CN" sz="2000" b="0" i="1" smtClean="0">
+                            <a:latin typeface="Cambria Math" panose="02040503050406030204" pitchFamily="18" charset="0"/>
+                          </a:rPr>
+                          <m:t>𝑇</m:t>
+                        </m:r>
+                      </m:sup>
+                    </m:sSup>
+                  </m:oMath>
+                </a14:m>
+                <a:r>
+                  <a:rPr lang="en-US" altLang="zh-CN" sz="2000" dirty="0">
+                    <a:latin typeface="Times New Roman" panose="02020603050405020304" pitchFamily="18" charset="0"/>
+                    <a:cs typeface="Times New Roman" panose="02020603050405020304" pitchFamily="18" charset="0"/>
+                  </a:rPr>
+                  <a:t>. For both points, we used a CBF-based control policy with CBF </a:t>
+                </a:r>
+                <a14:m>
+                  <m:oMath xmlns:m="http://schemas.openxmlformats.org/officeDocument/2006/math">
+                    <m:acc>
+                      <m:accPr>
+                        <m:chr m:val="̅"/>
+                        <m:ctrlPr>
+                          <a:rPr lang="en-US" altLang="zh-CN" sz="2000" b="0" i="1" smtClean="0">
+                            <a:latin typeface="Cambria Math" panose="02040503050406030204" pitchFamily="18" charset="0"/>
+                          </a:rPr>
+                        </m:ctrlPr>
+                      </m:accPr>
+                      <m:e>
+                        <m:r>
+                          <a:rPr lang="en-US" altLang="zh-CN" sz="2000" b="0" i="1" smtClean="0">
+                            <a:latin typeface="Cambria Math" panose="02040503050406030204" pitchFamily="18" charset="0"/>
+                          </a:rPr>
+                          <m:t>h</m:t>
+                        </m:r>
+                      </m:e>
+                    </m:acc>
+                    <m:r>
+                      <a:rPr lang="en-US" altLang="zh-CN" sz="2000" b="0" i="1" dirty="0" smtClean="0">
+                        <a:latin typeface="Cambria Math" panose="02040503050406030204" pitchFamily="18" charset="0"/>
+                      </a:rPr>
+                      <m:t>=</m:t>
+                    </m:r>
+                    <m:r>
+                      <a:rPr lang="en-US" altLang="zh-CN" sz="2000" b="0" i="1" dirty="0" smtClean="0">
+                        <a:latin typeface="Cambria Math" panose="02040503050406030204" pitchFamily="18" charset="0"/>
+                      </a:rPr>
+                      <m:t>𝑘</m:t>
+                    </m:r>
+                    <m:r>
+                      <a:rPr lang="en-US" altLang="zh-CN" sz="2000" b="0" i="1" dirty="0" smtClean="0">
+                        <a:latin typeface="Cambria Math" panose="02040503050406030204" pitchFamily="18" charset="0"/>
+                      </a:rPr>
+                      <m:t>−</m:t>
+                    </m:r>
+                    <m:sSup>
+                      <m:sSupPr>
+                        <m:ctrlPr>
+                          <a:rPr lang="en-US" altLang="zh-CN" sz="2000" b="0" i="1" dirty="0" smtClean="0">
+                            <a:latin typeface="Cambria Math" panose="02040503050406030204" pitchFamily="18" charset="0"/>
+                          </a:rPr>
+                        </m:ctrlPr>
+                      </m:sSupPr>
+                      <m:e>
+                        <m:d>
+                          <m:dPr>
+                            <m:ctrlPr>
+                              <a:rPr lang="en-US" altLang="zh-CN" sz="2000" b="0" i="1" dirty="0" smtClean="0">
+                                <a:latin typeface="Cambria Math" panose="02040503050406030204" pitchFamily="18" charset="0"/>
+                              </a:rPr>
+                            </m:ctrlPr>
+                          </m:dPr>
+                          <m:e>
+                            <m:r>
+                              <a:rPr lang="en-US" altLang="zh-CN" sz="2000" b="0" i="1" dirty="0" smtClean="0">
+                                <a:latin typeface="Cambria Math" panose="02040503050406030204" pitchFamily="18" charset="0"/>
+                              </a:rPr>
+                              <m:t>𝑥</m:t>
+                            </m:r>
+                            <m:r>
+                              <a:rPr lang="en-US" altLang="zh-CN" sz="2000" b="0" i="1" dirty="0" smtClean="0">
+                                <a:latin typeface="Cambria Math" panose="02040503050406030204" pitchFamily="18" charset="0"/>
+                              </a:rPr>
+                              <m:t>−</m:t>
+                            </m:r>
+                            <m:sSub>
+                              <m:sSubPr>
+                                <m:ctrlPr>
+                                  <a:rPr lang="en-US" altLang="zh-CN" sz="2000" b="0" i="1" dirty="0" smtClean="0">
+                                    <a:latin typeface="Cambria Math" panose="02040503050406030204" pitchFamily="18" charset="0"/>
+                                  </a:rPr>
+                                </m:ctrlPr>
+                              </m:sSubPr>
+                              <m:e>
+                                <m:r>
+                                  <a:rPr lang="en-US" altLang="zh-CN" sz="2000" b="0" i="1" dirty="0" smtClean="0">
+                                    <a:latin typeface="Cambria Math" panose="02040503050406030204" pitchFamily="18" charset="0"/>
+                                  </a:rPr>
+                                  <m:t>𝑥</m:t>
+                                </m:r>
+                              </m:e>
+                              <m:sub>
+                                <m:r>
+                                  <a:rPr lang="en-US" altLang="zh-CN" sz="2000" b="0" i="1" dirty="0" smtClean="0">
+                                    <a:latin typeface="Cambria Math" panose="02040503050406030204" pitchFamily="18" charset="0"/>
+                                  </a:rPr>
+                                  <m:t>0</m:t>
+                                </m:r>
+                              </m:sub>
+                            </m:sSub>
+                          </m:e>
+                        </m:d>
+                      </m:e>
+                      <m:sup>
+                        <m:r>
+                          <a:rPr lang="en-US" altLang="zh-CN" sz="2000" b="0" i="1" dirty="0" smtClean="0">
+                            <a:latin typeface="Cambria Math" panose="02040503050406030204" pitchFamily="18" charset="0"/>
+                          </a:rPr>
+                          <m:t>𝑇</m:t>
+                        </m:r>
+                      </m:sup>
+                    </m:sSup>
+                    <m:r>
+                      <a:rPr lang="en-US" altLang="zh-CN" sz="2000" b="0" i="1" dirty="0" smtClean="0">
+                        <a:latin typeface="Cambria Math" panose="02040503050406030204" pitchFamily="18" charset="0"/>
+                      </a:rPr>
+                      <m:t>𝑃</m:t>
+                    </m:r>
+                    <m:r>
+                      <a:rPr lang="en-US" altLang="zh-CN" sz="2000" b="0" i="1" dirty="0" smtClean="0">
+                        <a:latin typeface="Cambria Math" panose="02040503050406030204" pitchFamily="18" charset="0"/>
+                      </a:rPr>
+                      <m:t>(</m:t>
+                    </m:r>
+                    <m:r>
+                      <a:rPr lang="en-US" altLang="zh-CN" sz="2000" b="0" i="1" dirty="0" smtClean="0">
+                        <a:latin typeface="Cambria Math" panose="02040503050406030204" pitchFamily="18" charset="0"/>
+                      </a:rPr>
+                      <m:t>𝑥</m:t>
+                    </m:r>
+                    <m:r>
+                      <a:rPr lang="en-US" altLang="zh-CN" sz="2000" b="0" i="1" dirty="0" smtClean="0">
+                        <a:latin typeface="Cambria Math" panose="02040503050406030204" pitchFamily="18" charset="0"/>
+                      </a:rPr>
+                      <m:t>−</m:t>
+                    </m:r>
+                    <m:sSub>
+                      <m:sSubPr>
+                        <m:ctrlPr>
+                          <a:rPr lang="en-US" altLang="zh-CN" sz="2000" b="0" i="1" dirty="0" smtClean="0">
+                            <a:latin typeface="Cambria Math" panose="02040503050406030204" pitchFamily="18" charset="0"/>
+                          </a:rPr>
+                        </m:ctrlPr>
+                      </m:sSubPr>
+                      <m:e>
+                        <m:r>
+                          <a:rPr lang="en-US" altLang="zh-CN" sz="2000" b="0" i="1" dirty="0" smtClean="0">
+                            <a:latin typeface="Cambria Math" panose="02040503050406030204" pitchFamily="18" charset="0"/>
+                          </a:rPr>
+                          <m:t>𝑥</m:t>
+                        </m:r>
+                      </m:e>
+                      <m:sub>
+                        <m:r>
+                          <a:rPr lang="en-US" altLang="zh-CN" sz="2000" b="0" i="1" dirty="0" smtClean="0">
+                            <a:latin typeface="Cambria Math" panose="02040503050406030204" pitchFamily="18" charset="0"/>
+                          </a:rPr>
+                          <m:t>0</m:t>
+                        </m:r>
+                      </m:sub>
+                    </m:sSub>
+                    <m:r>
+                      <a:rPr lang="en-US" altLang="zh-CN" sz="2000" b="0" i="1" dirty="0" smtClean="0">
+                        <a:latin typeface="Cambria Math" panose="02040503050406030204" pitchFamily="18" charset="0"/>
+                      </a:rPr>
+                      <m:t>)</m:t>
+                    </m:r>
+                  </m:oMath>
+                </a14:m>
+                <a:r>
+                  <a:rPr lang="en-US" altLang="zh-CN" sz="2000" dirty="0">
+                    <a:latin typeface="Times New Roman" panose="02020603050405020304" pitchFamily="18" charset="0"/>
+                    <a:cs typeface="Times New Roman" panose="02020603050405020304" pitchFamily="18" charset="0"/>
+                  </a:rPr>
+                  <a:t>, where </a:t>
+                </a:r>
+                <a14:m>
+                  <m:oMath xmlns:m="http://schemas.openxmlformats.org/officeDocument/2006/math">
+                    <m:r>
+                      <a:rPr lang="en-US" altLang="zh-CN" sz="2000" b="0" i="1" smtClean="0">
+                        <a:latin typeface="Cambria Math" panose="02040503050406030204" pitchFamily="18" charset="0"/>
+                      </a:rPr>
+                      <m:t>𝑘</m:t>
+                    </m:r>
+                    <m:r>
+                      <a:rPr lang="en-US" altLang="zh-CN" sz="2000" b="0" i="1" smtClean="0">
+                        <a:latin typeface="Cambria Math" panose="02040503050406030204" pitchFamily="18" charset="0"/>
+                      </a:rPr>
+                      <m:t>=0.01, </m:t>
+                    </m:r>
+                    <m:sSub>
+                      <m:sSubPr>
+                        <m:ctrlPr>
+                          <a:rPr lang="en-US" altLang="zh-CN" sz="2000" b="0" i="1" smtClean="0">
+                            <a:latin typeface="Cambria Math" panose="02040503050406030204" pitchFamily="18" charset="0"/>
+                          </a:rPr>
+                        </m:ctrlPr>
+                      </m:sSubPr>
+                      <m:e>
+                        <m:r>
+                          <a:rPr lang="en-US" altLang="zh-CN" sz="2000" b="0" i="1" smtClean="0">
+                            <a:latin typeface="Cambria Math" panose="02040503050406030204" pitchFamily="18" charset="0"/>
+                          </a:rPr>
+                          <m:t>𝑥</m:t>
+                        </m:r>
+                      </m:e>
+                      <m:sub>
+                        <m:r>
+                          <a:rPr lang="en-US" altLang="zh-CN" sz="2000" b="0" i="1" smtClean="0">
+                            <a:latin typeface="Cambria Math" panose="02040503050406030204" pitchFamily="18" charset="0"/>
+                          </a:rPr>
+                          <m:t>0</m:t>
+                        </m:r>
+                      </m:sub>
+                    </m:sSub>
+                    <m:r>
+                      <a:rPr lang="en-US" altLang="zh-CN" sz="2000" b="0" i="1" smtClean="0">
+                        <a:latin typeface="Cambria Math" panose="02040503050406030204" pitchFamily="18" charset="0"/>
+                      </a:rPr>
+                      <m:t>=(0 0)</m:t>
+                    </m:r>
+                  </m:oMath>
+                </a14:m>
+                <a:r>
+                  <a:rPr lang="en-US" altLang="zh-CN" sz="2000" dirty="0">
+                    <a:latin typeface="Times New Roman" panose="02020603050405020304" pitchFamily="18" charset="0"/>
+                    <a:cs typeface="Times New Roman" panose="02020603050405020304" pitchFamily="18" charset="0"/>
+                  </a:rPr>
+                  <a:t>, and</a:t>
+                </a:r>
+              </a:p>
+              <a:p>
+                <a14:m>
+                  <m:oMathPara xmlns:m="http://schemas.openxmlformats.org/officeDocument/2006/math">
+                    <m:oMathParaPr>
+                      <m:jc m:val="centerGroup"/>
+                    </m:oMathParaPr>
+                    <m:oMath xmlns:m="http://schemas.openxmlformats.org/officeDocument/2006/math">
+                      <m:r>
+                        <a:rPr lang="en-US" altLang="zh-CN" b="0" i="1" smtClean="0">
+                          <a:latin typeface="Cambria Math" panose="02040503050406030204" pitchFamily="18" charset="0"/>
+                        </a:rPr>
+                        <m:t>𝑃</m:t>
+                      </m:r>
+                      <m:r>
+                        <a:rPr lang="en-US" altLang="zh-CN" b="0" i="1" smtClean="0">
+                          <a:latin typeface="Cambria Math" panose="02040503050406030204" pitchFamily="18" charset="0"/>
+                        </a:rPr>
+                        <m:t>=</m:t>
+                      </m:r>
+                      <m:d>
+                        <m:dPr>
+                          <m:begChr m:val="["/>
+                          <m:endChr m:val="]"/>
+                          <m:ctrlPr>
+                            <a:rPr lang="en-US" altLang="zh-CN" b="0" i="1" smtClean="0">
+                              <a:latin typeface="Cambria Math" panose="02040503050406030204" pitchFamily="18" charset="0"/>
+                            </a:rPr>
+                          </m:ctrlPr>
+                        </m:dPr>
+                        <m:e>
+                          <m:m>
+                            <m:mPr>
+                              <m:mcs>
+                                <m:mc>
+                                  <m:mcPr>
+                                    <m:count m:val="2"/>
+                                    <m:mcJc m:val="center"/>
+                                  </m:mcPr>
+                                </m:mc>
+                              </m:mcs>
+                              <m:ctrlPr>
+                                <a:rPr lang="en-US" altLang="zh-CN" b="0" i="1" smtClean="0">
+                                  <a:latin typeface="Cambria Math" panose="02040503050406030204" pitchFamily="18" charset="0"/>
+                                </a:rPr>
+                              </m:ctrlPr>
+                            </m:mPr>
+                            <m:mr>
+                              <m:e>
+                                <m:r>
+                                  <a:rPr lang="en-US" altLang="zh-CN" b="0" i="1" smtClean="0">
+                                    <a:latin typeface="Cambria Math" panose="02040503050406030204" pitchFamily="18" charset="0"/>
+                                  </a:rPr>
+                                  <m:t>1.25</m:t>
+                                </m:r>
+                              </m:e>
+                              <m:e>
+                                <m:r>
+                                  <a:rPr lang="en-US" altLang="zh-CN" b="0" i="1" smtClean="0">
+                                    <a:latin typeface="Cambria Math" panose="02040503050406030204" pitchFamily="18" charset="0"/>
+                                  </a:rPr>
+                                  <m:t>0.25</m:t>
+                                </m:r>
+                              </m:e>
+                            </m:mr>
+                            <m:mr>
+                              <m:e>
+                                <m:r>
+                                  <a:rPr lang="en-US" altLang="zh-CN" b="0" i="1" smtClean="0">
+                                    <a:latin typeface="Cambria Math" panose="02040503050406030204" pitchFamily="18" charset="0"/>
+                                  </a:rPr>
+                                  <m:t>0.25</m:t>
+                                </m:r>
+                              </m:e>
+                              <m:e>
+                                <m:r>
+                                  <a:rPr lang="en-US" altLang="zh-CN" b="0" i="1" smtClean="0">
+                                    <a:latin typeface="Cambria Math" panose="02040503050406030204" pitchFamily="18" charset="0"/>
+                                  </a:rPr>
+                                  <m:t>0.25</m:t>
+                                </m:r>
+                              </m:e>
+                            </m:mr>
+                          </m:m>
+                          <m:r>
+                            <a:rPr lang="en-US" altLang="zh-CN" b="0" i="1" smtClean="0">
+                              <a:latin typeface="Cambria Math" panose="02040503050406030204" pitchFamily="18" charset="0"/>
+                            </a:rPr>
+                            <m:t> </m:t>
+                          </m:r>
+                        </m:e>
+                      </m:d>
+                    </m:oMath>
+                  </m:oMathPara>
+                </a14:m>
+                <a:endParaRPr lang="zh-CN" altLang="en-US" dirty="0"/>
+              </a:p>
+            </p:txBody>
+          </p:sp>
+        </mc:Choice>
+        <mc:Fallback>
+          <p:sp>
+            <p:nvSpPr>
+              <p:cNvPr id="4" name="TextBox 3">
+                <a:extLst>
+                  <a:ext uri="{FF2B5EF4-FFF2-40B4-BE49-F238E27FC236}">
+                    <a16:creationId xmlns:a16="http://schemas.microsoft.com/office/drawing/2014/main" id="{6399B069-7F8D-4E89-9C04-88EAB062E0FD}"/>
+                  </a:ext>
+                </a:extLst>
+              </p:cNvPr>
+              <p:cNvSpPr txBox="1">
+                <a:spLocks noRot="1" noChangeAspect="1" noMove="1" noResize="1" noEditPoints="1" noAdjustHandles="1" noChangeArrowheads="1" noChangeShapeType="1" noTextEdit="1"/>
+              </p:cNvSpPr>
+              <p:nvPr/>
+            </p:nvSpPr>
+            <p:spPr>
+              <a:xfrm>
+                <a:off x="5627575" y="1492076"/>
+                <a:ext cx="6375918" cy="4525470"/>
+              </a:xfrm>
+              <a:prstGeom prst="rect">
+                <a:avLst/>
+              </a:prstGeom>
+              <a:blipFill>
+                <a:blip r:embed="rId3"/>
+                <a:stretch>
+                  <a:fillRect l="-860" t="-809" r="-1243"/>
+                </a:stretch>
+              </a:blipFill>
+            </p:spPr>
+            <p:txBody>
+              <a:bodyPr/>
+              <a:lstStyle/>
+              <a:p>
+                <a:r>
+                  <a:rPr lang="zh-CN" altLang="en-US">
+                    <a:noFill/>
+                  </a:rPr>
+                  <a:t> </a:t>
+                </a:r>
+              </a:p>
+            </p:txBody>
+          </p:sp>
+        </mc:Fallback>
+      </mc:AlternateContent>
+    </p:spTree>
+    <p:extLst>
+      <p:ext uri="{BB962C8B-B14F-4D97-AF65-F5344CB8AC3E}">
+        <p14:creationId xmlns:p14="http://schemas.microsoft.com/office/powerpoint/2010/main" val="1637607302"/>
+      </p:ext>
+    </p:extLst>
+  </p:cSld>
+  <p:clrMapOvr>
+    <a:masterClrMapping/>
+  </p:clrMapOvr>
+</p:sld>
+</file>
+
+<file path=ppt/slides/slide14.xml><?xml version="1.0" encoding="utf-8"?>
+<p:sld xmlns:a="http://schemas.openxmlformats.org/drawingml/2006/main" xmlns:r="http://schemas.openxmlformats.org/officeDocument/2006/relationships" xmlns:p="http://schemas.openxmlformats.org/presentationml/2006/main">
+  <p:cSld>
+    <p:spTree>
+      <p:nvGrpSpPr>
+        <p:cNvPr id="1" name=""/>
+        <p:cNvGrpSpPr/>
+        <p:nvPr/>
+      </p:nvGrpSpPr>
+      <p:grpSpPr>
+        <a:xfrm>
+          <a:off x="0" y="0"/>
+          <a:ext cx="0" cy="0"/>
+          <a:chOff x="0" y="0"/>
+          <a:chExt cx="0" cy="0"/>
+        </a:xfrm>
+      </p:grpSpPr>
+      <p:sp>
+        <p:nvSpPr>
+          <p:cNvPr id="2" name="Title 1">
+            <a:extLst>
+              <a:ext uri="{FF2B5EF4-FFF2-40B4-BE49-F238E27FC236}">
+                <a16:creationId xmlns:a16="http://schemas.microsoft.com/office/drawing/2014/main" id="{6CA4557D-21B6-4F78-AF14-B00F0A521631}"/>
+              </a:ext>
+            </a:extLst>
+          </p:cNvPr>
+          <p:cNvSpPr>
+            <a:spLocks noGrp="1"/>
+          </p:cNvSpPr>
+          <p:nvPr>
+            <p:ph type="title"/>
+          </p:nvPr>
+        </p:nvSpPr>
+        <p:spPr>
+          <a:xfrm>
+            <a:off x="582555" y="279919"/>
+            <a:ext cx="10515600" cy="1325563"/>
+          </a:xfrm>
+        </p:spPr>
+        <p:txBody>
+          <a:bodyPr/>
+          <a:lstStyle/>
+          <a:p>
+            <a:r>
+              <a:rPr lang="en-US" altLang="zh-CN" dirty="0">
+                <a:latin typeface="Times New Roman" panose="02020603050405020304" pitchFamily="18" charset="0"/>
+                <a:cs typeface="Times New Roman" panose="02020603050405020304" pitchFamily="18" charset="0"/>
+              </a:rPr>
+              <a:t>Multi-agent Simulation</a:t>
+            </a:r>
+            <a:endParaRPr lang="zh-CN" altLang="en-US" dirty="0">
+              <a:latin typeface="Times New Roman" panose="02020603050405020304" pitchFamily="18" charset="0"/>
+              <a:cs typeface="Times New Roman" panose="02020603050405020304" pitchFamily="18" charset="0"/>
+            </a:endParaRPr>
+          </a:p>
+        </p:txBody>
+      </p:sp>
+      <p:pic>
+        <p:nvPicPr>
+          <p:cNvPr id="1026" name="Picture 2">
+            <a:extLst>
+              <a:ext uri="{FF2B5EF4-FFF2-40B4-BE49-F238E27FC236}">
+                <a16:creationId xmlns:a16="http://schemas.microsoft.com/office/drawing/2014/main" id="{31D6ECE0-FADD-4B67-9EBD-D15E9F2E3C24}"/>
+              </a:ext>
+            </a:extLst>
+          </p:cNvPr>
+          <p:cNvPicPr>
+            <a:picLocks noChangeAspect="1" noChangeArrowheads="1"/>
+          </p:cNvPicPr>
+          <p:nvPr/>
+        </p:nvPicPr>
+        <p:blipFill>
+          <a:blip r:embed="rId2">
+            <a:extLst>
+              <a:ext uri="{28A0092B-C50C-407E-A947-70E740481C1C}">
+                <a14:useLocalDpi xmlns:a14="http://schemas.microsoft.com/office/drawing/2010/main" val="0"/>
+              </a:ext>
+            </a:extLst>
+          </a:blip>
+          <a:srcRect/>
+          <a:stretch>
+            <a:fillRect/>
+          </a:stretch>
+        </p:blipFill>
+        <p:spPr bwMode="auto">
+          <a:xfrm>
+            <a:off x="7478113" y="2206354"/>
+            <a:ext cx="4418029" cy="3181840"/>
+          </a:xfrm>
+          <a:prstGeom prst="rect">
+            <a:avLst/>
+          </a:prstGeom>
+          <a:noFill/>
+          <a:extLst>
+            <a:ext uri="{909E8E84-426E-40DD-AFC4-6F175D3DCCD1}">
+              <a14:hiddenFill xmlns:a14="http://schemas.microsoft.com/office/drawing/2010/main">
+                <a:solidFill>
+                  <a:srgbClr val="FFFFFF"/>
+                </a:solidFill>
+              </a14:hiddenFill>
+            </a:ext>
+          </a:extLst>
+        </p:spPr>
+      </p:pic>
+      <mc:AlternateContent xmlns:mc="http://schemas.openxmlformats.org/markup-compatibility/2006">
+        <mc:Choice xmlns:a14="http://schemas.microsoft.com/office/drawing/2010/main" Requires="a14">
+          <p:sp>
+            <p:nvSpPr>
+              <p:cNvPr id="7" name="TextBox 6">
+                <a:extLst>
+                  <a:ext uri="{FF2B5EF4-FFF2-40B4-BE49-F238E27FC236}">
+                    <a16:creationId xmlns:a16="http://schemas.microsoft.com/office/drawing/2014/main" id="{4832D864-6052-2F49-A1D2-8E16BE24F6E9}"/>
+                  </a:ext>
+                </a:extLst>
+              </p:cNvPr>
+              <p:cNvSpPr txBox="1"/>
+              <p:nvPr/>
+            </p:nvSpPr>
+            <p:spPr>
+              <a:xfrm>
+                <a:off x="744286" y="1565975"/>
+                <a:ext cx="7293726" cy="2917209"/>
+              </a:xfrm>
+              <a:prstGeom prst="rect">
+                <a:avLst/>
+              </a:prstGeom>
+              <a:noFill/>
+            </p:spPr>
+            <p:txBody>
+              <a:bodyPr wrap="square" rtlCol="0">
+                <a:spAutoFit/>
+              </a:bodyPr>
+              <a:lstStyle/>
+              <a:p>
+                <a:pPr marL="342900" indent="-342900">
+                  <a:buFont typeface="Arial" panose="020B0604020202020204" pitchFamily="34" charset="0"/>
+                  <a:buChar char="•"/>
+                </a:pPr>
+                <a:r>
+                  <a:rPr lang="en-US" altLang="zh-CN" sz="2400" dirty="0">
+                    <a:latin typeface="Times New Roman" panose="02020603050405020304" pitchFamily="18" charset="0"/>
+                    <a:cs typeface="Times New Roman" panose="02020603050405020304" pitchFamily="18" charset="0"/>
+                  </a:rPr>
+                  <a:t>Dynamic model of simplified wheeled mobile robot (WMR):</a:t>
+                </a:r>
+              </a:p>
+              <a:p>
+                <a:pPr algn="ctr"/>
+                <a14:m>
+                  <m:oMath xmlns:m="http://schemas.openxmlformats.org/officeDocument/2006/math">
+                    <m:d>
+                      <m:dPr>
+                        <m:begChr m:val="["/>
+                        <m:endChr m:val="]"/>
+                        <m:ctrlPr>
+                          <a:rPr lang="en-US" altLang="zh-CN" sz="2000" i="1" dirty="0">
+                            <a:latin typeface="Cambria Math" panose="02040503050406030204" pitchFamily="18" charset="0"/>
+                          </a:rPr>
+                        </m:ctrlPr>
+                      </m:dPr>
+                      <m:e>
+                        <m:m>
+                          <m:mPr>
+                            <m:mcs>
+                              <m:mc>
+                                <m:mcPr>
+                                  <m:count m:val="1"/>
+                                  <m:mcJc m:val="center"/>
+                                </m:mcPr>
+                              </m:mc>
+                            </m:mcs>
+                            <m:ctrlPr>
+                              <a:rPr lang="en-US" altLang="zh-CN" sz="2000" i="1" dirty="0">
+                                <a:latin typeface="Cambria Math" panose="02040503050406030204" pitchFamily="18" charset="0"/>
+                              </a:rPr>
+                            </m:ctrlPr>
+                          </m:mPr>
+                          <m:mr>
+                            <m:e>
+                              <m:acc>
+                                <m:accPr>
+                                  <m:chr m:val="̇"/>
+                                  <m:ctrlPr>
+                                    <a:rPr lang="en-US" altLang="zh-CN" sz="2000" i="1" dirty="0">
+                                      <a:latin typeface="Cambria Math" panose="02040503050406030204" pitchFamily="18" charset="0"/>
+                                    </a:rPr>
+                                  </m:ctrlPr>
+                                </m:accPr>
+                                <m:e>
+                                  <m:r>
+                                    <m:rPr>
+                                      <m:brk m:alnAt="7"/>
+                                    </m:rPr>
+                                    <a:rPr lang="en-US" altLang="zh-CN" sz="2000" i="1" dirty="0">
+                                      <a:latin typeface="Cambria Math" panose="02040503050406030204" pitchFamily="18" charset="0"/>
+                                    </a:rPr>
+                                    <m:t>𝑥</m:t>
+                                  </m:r>
+                                </m:e>
+                              </m:acc>
+                            </m:e>
+                          </m:mr>
+                          <m:mr>
+                            <m:e>
+                              <m:acc>
+                                <m:accPr>
+                                  <m:chr m:val="̇"/>
+                                  <m:ctrlPr>
+                                    <a:rPr lang="en-US" altLang="zh-CN" sz="2000" i="1" dirty="0">
+                                      <a:latin typeface="Cambria Math" panose="02040503050406030204" pitchFamily="18" charset="0"/>
+                                    </a:rPr>
+                                  </m:ctrlPr>
+                                </m:accPr>
+                                <m:e>
+                                  <m:r>
+                                    <a:rPr lang="en-US" altLang="zh-CN" sz="2000" i="1" dirty="0">
+                                      <a:latin typeface="Cambria Math" panose="02040503050406030204" pitchFamily="18" charset="0"/>
+                                    </a:rPr>
+                                    <m:t>𝑦</m:t>
+                                  </m:r>
+                                </m:e>
+                              </m:acc>
+                            </m:e>
+                          </m:mr>
+                          <m:mr>
+                            <m:e>
+                              <m:acc>
+                                <m:accPr>
+                                  <m:chr m:val="̇"/>
+                                  <m:ctrlPr>
+                                    <a:rPr lang="en-US" altLang="zh-CN" sz="2000" i="1" dirty="0">
+                                      <a:latin typeface="Cambria Math" panose="02040503050406030204" pitchFamily="18" charset="0"/>
+                                    </a:rPr>
+                                  </m:ctrlPr>
+                                </m:accPr>
+                                <m:e>
+                                  <m:r>
+                                    <a:rPr lang="en-US" altLang="zh-CN" sz="2000" i="1" dirty="0">
+                                      <a:latin typeface="Cambria Math" panose="02040503050406030204" pitchFamily="18" charset="0"/>
+                                    </a:rPr>
+                                    <m:t>𝜃</m:t>
+                                  </m:r>
+                                </m:e>
+                              </m:acc>
+                            </m:e>
+                          </m:mr>
+                        </m:m>
+                      </m:e>
+                    </m:d>
+                    <m:r>
+                      <a:rPr lang="en-US" altLang="zh-CN" sz="2000" i="1" dirty="0">
+                        <a:latin typeface="Cambria Math" panose="02040503050406030204" pitchFamily="18" charset="0"/>
+                      </a:rPr>
+                      <m:t>=</m:t>
+                    </m:r>
+                    <m:d>
+                      <m:dPr>
+                        <m:begChr m:val="["/>
+                        <m:endChr m:val="]"/>
+                        <m:ctrlPr>
+                          <a:rPr lang="en-US" altLang="zh-CN" sz="2000" i="1" dirty="0">
+                            <a:latin typeface="Cambria Math" panose="02040503050406030204" pitchFamily="18" charset="0"/>
+                          </a:rPr>
+                        </m:ctrlPr>
+                      </m:dPr>
+                      <m:e>
+                        <m:m>
+                          <m:mPr>
+                            <m:mcs>
+                              <m:mc>
+                                <m:mcPr>
+                                  <m:count m:val="2"/>
+                                  <m:mcJc m:val="center"/>
+                                </m:mcPr>
+                              </m:mc>
+                            </m:mcs>
+                            <m:ctrlPr>
+                              <a:rPr lang="en-US" altLang="zh-CN" sz="2000" i="1" dirty="0">
+                                <a:latin typeface="Cambria Math" panose="02040503050406030204" pitchFamily="18" charset="0"/>
+                              </a:rPr>
+                            </m:ctrlPr>
+                          </m:mPr>
+                          <m:mr>
+                            <m:e>
+                              <m:func>
+                                <m:funcPr>
+                                  <m:ctrlPr>
+                                    <a:rPr lang="en-US" altLang="zh-CN" sz="2000" i="1" dirty="0">
+                                      <a:latin typeface="Cambria Math" panose="02040503050406030204" pitchFamily="18" charset="0"/>
+                                    </a:rPr>
+                                  </m:ctrlPr>
+                                </m:funcPr>
+                                <m:fName>
+                                  <m:r>
+                                    <m:rPr>
+                                      <m:sty m:val="p"/>
+                                      <m:brk m:alnAt="7"/>
+                                    </m:rPr>
+                                    <a:rPr lang="en-US" altLang="zh-CN" sz="2000" dirty="0">
+                                      <a:latin typeface="Cambria Math" panose="02040503050406030204" pitchFamily="18" charset="0"/>
+                                    </a:rPr>
+                                    <m:t>c</m:t>
+                                  </m:r>
+                                  <m:r>
+                                    <m:rPr>
+                                      <m:sty m:val="p"/>
+                                    </m:rPr>
+                                    <a:rPr lang="en-US" altLang="zh-CN" sz="2000" dirty="0">
+                                      <a:latin typeface="Cambria Math" panose="02040503050406030204" pitchFamily="18" charset="0"/>
+                                    </a:rPr>
+                                    <m:t>os</m:t>
+                                  </m:r>
+                                </m:fName>
+                                <m:e>
+                                  <m:r>
+                                    <m:rPr>
+                                      <m:brk m:alnAt="7"/>
+                                    </m:rPr>
+                                    <a:rPr lang="en-US" altLang="zh-CN" sz="2000" i="1" dirty="0">
+                                      <a:latin typeface="Cambria Math" panose="02040503050406030204" pitchFamily="18" charset="0"/>
+                                    </a:rPr>
+                                    <m:t>𝜃</m:t>
+                                  </m:r>
+                                </m:e>
+                              </m:func>
+                            </m:e>
+                            <m:e>
+                              <m:r>
+                                <a:rPr lang="en-US" altLang="zh-CN" sz="2000" i="1" dirty="0">
+                                  <a:latin typeface="Cambria Math" panose="02040503050406030204" pitchFamily="18" charset="0"/>
+                                </a:rPr>
+                                <m:t>0</m:t>
+                              </m:r>
+                            </m:e>
+                          </m:mr>
+                          <m:mr>
+                            <m:e>
+                              <m:func>
+                                <m:funcPr>
+                                  <m:ctrlPr>
+                                    <a:rPr lang="en-US" altLang="zh-CN" sz="2000" i="1" dirty="0">
+                                      <a:latin typeface="Cambria Math" panose="02040503050406030204" pitchFamily="18" charset="0"/>
+                                    </a:rPr>
+                                  </m:ctrlPr>
+                                </m:funcPr>
+                                <m:fName>
+                                  <m:r>
+                                    <m:rPr>
+                                      <m:sty m:val="p"/>
+                                    </m:rPr>
+                                    <a:rPr lang="en-US" altLang="zh-CN" sz="2000" dirty="0">
+                                      <a:latin typeface="Cambria Math" panose="02040503050406030204" pitchFamily="18" charset="0"/>
+                                    </a:rPr>
+                                    <m:t>sin</m:t>
+                                  </m:r>
+                                </m:fName>
+                                <m:e>
+                                  <m:r>
+                                    <a:rPr lang="en-US" altLang="zh-CN" sz="2000" i="1" dirty="0">
+                                      <a:latin typeface="Cambria Math" panose="02040503050406030204" pitchFamily="18" charset="0"/>
+                                    </a:rPr>
+                                    <m:t>𝜃</m:t>
+                                  </m:r>
+                                </m:e>
+                              </m:func>
+                            </m:e>
+                            <m:e>
+                              <m:r>
+                                <a:rPr lang="en-US" altLang="zh-CN" sz="2000" i="1" dirty="0">
+                                  <a:latin typeface="Cambria Math" panose="02040503050406030204" pitchFamily="18" charset="0"/>
+                                </a:rPr>
+                                <m:t>0</m:t>
+                              </m:r>
+                            </m:e>
+                          </m:mr>
+                          <m:mr>
+                            <m:e>
+                              <m:r>
+                                <a:rPr lang="en-US" altLang="zh-CN" sz="2000" i="1" dirty="0">
+                                  <a:latin typeface="Cambria Math" panose="02040503050406030204" pitchFamily="18" charset="0"/>
+                                </a:rPr>
+                                <m:t>0</m:t>
+                              </m:r>
+                            </m:e>
+                            <m:e>
+                              <m:r>
+                                <a:rPr lang="en-US" altLang="zh-CN" sz="2000" i="1" dirty="0">
+                                  <a:latin typeface="Cambria Math" panose="02040503050406030204" pitchFamily="18" charset="0"/>
+                                </a:rPr>
+                                <m:t>1</m:t>
+                              </m:r>
+                            </m:e>
+                          </m:mr>
+                        </m:m>
+                      </m:e>
+                    </m:d>
+                    <m:d>
+                      <m:dPr>
+                        <m:begChr m:val="["/>
+                        <m:endChr m:val="]"/>
+                        <m:ctrlPr>
+                          <a:rPr lang="en-US" altLang="zh-CN" sz="2000" i="1" dirty="0">
+                            <a:latin typeface="Cambria Math" panose="02040503050406030204" pitchFamily="18" charset="0"/>
+                          </a:rPr>
+                        </m:ctrlPr>
+                      </m:dPr>
+                      <m:e>
+                        <m:m>
+                          <m:mPr>
+                            <m:mcs>
+                              <m:mc>
+                                <m:mcPr>
+                                  <m:count m:val="1"/>
+                                  <m:mcJc m:val="center"/>
+                                </m:mcPr>
+                              </m:mc>
+                            </m:mcs>
+                            <m:ctrlPr>
+                              <a:rPr lang="en-US" altLang="zh-CN" sz="2000" i="1" dirty="0">
+                                <a:latin typeface="Cambria Math" panose="02040503050406030204" pitchFamily="18" charset="0"/>
+                              </a:rPr>
+                            </m:ctrlPr>
+                          </m:mPr>
+                          <m:mr>
+                            <m:e>
+                              <m:r>
+                                <m:rPr>
+                                  <m:brk m:alnAt="7"/>
+                                </m:rPr>
+                                <a:rPr lang="en-US" altLang="zh-CN" sz="2000" i="1" dirty="0">
+                                  <a:latin typeface="Cambria Math" panose="02040503050406030204" pitchFamily="18" charset="0"/>
+                                </a:rPr>
+                                <m:t>𝑣</m:t>
+                              </m:r>
+                            </m:e>
+                          </m:mr>
+                          <m:mr>
+                            <m:e>
+                              <m:r>
+                                <a:rPr lang="en-US" altLang="zh-CN" sz="2000" i="1" dirty="0">
+                                  <a:latin typeface="Cambria Math" panose="02040503050406030204" pitchFamily="18" charset="0"/>
+                                </a:rPr>
+                                <m:t>𝑤</m:t>
+                              </m:r>
+                            </m:e>
+                          </m:mr>
+                        </m:m>
+                      </m:e>
+                    </m:d>
+                  </m:oMath>
+                </a14:m>
+                <a:r>
+                  <a:rPr lang="en-US" altLang="zh-CN" sz="2000" dirty="0">
+                    <a:latin typeface="Times New Roman" panose="02020603050405020304" pitchFamily="18" charset="0"/>
+                    <a:cs typeface="Times New Roman" panose="02020603050405020304" pitchFamily="18" charset="0"/>
+                  </a:rPr>
+                  <a:t>         </a:t>
+                </a:r>
+                <a14:m>
+                  <m:oMath xmlns:m="http://schemas.openxmlformats.org/officeDocument/2006/math">
+                    <m:d>
+                      <m:dPr>
+                        <m:begChr m:val="["/>
+                        <m:endChr m:val="]"/>
+                        <m:ctrlPr>
+                          <a:rPr lang="en-US" altLang="zh-CN" sz="2000" i="1" dirty="0">
+                            <a:latin typeface="Cambria Math" panose="02040503050406030204" pitchFamily="18" charset="0"/>
+                          </a:rPr>
+                        </m:ctrlPr>
+                      </m:dPr>
+                      <m:e>
+                        <m:m>
+                          <m:mPr>
+                            <m:mcs>
+                              <m:mc>
+                                <m:mcPr>
+                                  <m:count m:val="1"/>
+                                  <m:mcJc m:val="center"/>
+                                </m:mcPr>
+                              </m:mc>
+                            </m:mcs>
+                            <m:ctrlPr>
+                              <a:rPr lang="en-US" altLang="zh-CN" sz="2000" i="1" dirty="0">
+                                <a:latin typeface="Cambria Math" panose="02040503050406030204" pitchFamily="18" charset="0"/>
+                              </a:rPr>
+                            </m:ctrlPr>
+                          </m:mPr>
+                          <m:mr>
+                            <m:e>
+                              <m:r>
+                                <m:rPr>
+                                  <m:brk m:alnAt="7"/>
+                                </m:rPr>
+                                <a:rPr lang="en-US" altLang="zh-CN" sz="2000" b="0" i="1" dirty="0" smtClean="0">
+                                  <a:latin typeface="Cambria Math" panose="02040503050406030204" pitchFamily="18" charset="0"/>
+                                </a:rPr>
+                                <m:t>𝑚</m:t>
+                              </m:r>
+                              <m:acc>
+                                <m:accPr>
+                                  <m:chr m:val="̇"/>
+                                  <m:ctrlPr>
+                                    <a:rPr lang="en-US" altLang="zh-CN" sz="2000" b="0" i="1" dirty="0" smtClean="0">
+                                      <a:latin typeface="Cambria Math" panose="02040503050406030204" pitchFamily="18" charset="0"/>
+                                    </a:rPr>
+                                  </m:ctrlPr>
+                                </m:accPr>
+                                <m:e>
+                                  <m:r>
+                                    <m:rPr>
+                                      <m:brk m:alnAt="7"/>
+                                    </m:rPr>
+                                    <a:rPr lang="en-US" altLang="zh-CN" sz="2000" b="0" i="1" dirty="0" smtClean="0">
+                                      <a:latin typeface="Cambria Math" panose="02040503050406030204" pitchFamily="18" charset="0"/>
+                                    </a:rPr>
+                                    <m:t>𝑣</m:t>
+                                  </m:r>
+                                </m:e>
+                              </m:acc>
+                            </m:e>
+                          </m:mr>
+                          <m:mr>
+                            <m:e>
+                              <m:r>
+                                <a:rPr lang="en-US" altLang="zh-CN" sz="2000" b="0" i="1" dirty="0" smtClean="0">
+                                  <a:latin typeface="Cambria Math" panose="02040503050406030204" pitchFamily="18" charset="0"/>
+                                </a:rPr>
+                                <m:t>𝐼</m:t>
+                              </m:r>
+                              <m:acc>
+                                <m:accPr>
+                                  <m:chr m:val="̇"/>
+                                  <m:ctrlPr>
+                                    <a:rPr lang="en-US" altLang="zh-CN" sz="2000" b="0" i="1" dirty="0" smtClean="0">
+                                      <a:latin typeface="Cambria Math" panose="02040503050406030204" pitchFamily="18" charset="0"/>
+                                    </a:rPr>
+                                  </m:ctrlPr>
+                                </m:accPr>
+                                <m:e>
+                                  <m:r>
+                                    <a:rPr lang="en-US" altLang="zh-CN" sz="2000" i="1" dirty="0">
+                                      <a:latin typeface="Cambria Math" panose="02040503050406030204" pitchFamily="18" charset="0"/>
+                                    </a:rPr>
+                                    <m:t>𝑤</m:t>
+                                  </m:r>
+                                </m:e>
+                              </m:acc>
+                            </m:e>
+                          </m:mr>
+                        </m:m>
+                      </m:e>
+                    </m:d>
+                    <m:r>
+                      <a:rPr lang="en-US" altLang="zh-CN" sz="2000" b="0" i="1" dirty="0" smtClean="0">
+                        <a:latin typeface="Cambria Math" panose="02040503050406030204" pitchFamily="18" charset="0"/>
+                      </a:rPr>
+                      <m:t>=</m:t>
+                    </m:r>
+                    <m:d>
+                      <m:dPr>
+                        <m:begChr m:val="["/>
+                        <m:endChr m:val="]"/>
+                        <m:ctrlPr>
+                          <a:rPr lang="en-US" altLang="zh-CN" sz="2000" i="1" dirty="0">
+                            <a:latin typeface="Cambria Math" panose="02040503050406030204" pitchFamily="18" charset="0"/>
+                          </a:rPr>
+                        </m:ctrlPr>
+                      </m:dPr>
+                      <m:e>
+                        <m:m>
+                          <m:mPr>
+                            <m:mcs>
+                              <m:mc>
+                                <m:mcPr>
+                                  <m:count m:val="1"/>
+                                  <m:mcJc m:val="center"/>
+                                </m:mcPr>
+                              </m:mc>
+                            </m:mcs>
+                            <m:ctrlPr>
+                              <a:rPr lang="en-US" altLang="zh-CN" sz="2000" i="1" dirty="0">
+                                <a:latin typeface="Cambria Math" panose="02040503050406030204" pitchFamily="18" charset="0"/>
+                              </a:rPr>
+                            </m:ctrlPr>
+                          </m:mPr>
+                          <m:mr>
+                            <m:e>
+                              <m:sSub>
+                                <m:sSubPr>
+                                  <m:ctrlPr>
+                                    <a:rPr lang="en-US" altLang="zh-CN" sz="2000" b="0" i="1" dirty="0" smtClean="0">
+                                      <a:latin typeface="Cambria Math" panose="02040503050406030204" pitchFamily="18" charset="0"/>
+                                    </a:rPr>
+                                  </m:ctrlPr>
+                                </m:sSubPr>
+                                <m:e>
+                                  <m:r>
+                                    <a:rPr lang="en-US" altLang="zh-CN" sz="2000" b="0" i="1" dirty="0" smtClean="0">
+                                      <a:latin typeface="Cambria Math" panose="02040503050406030204" pitchFamily="18" charset="0"/>
+                                    </a:rPr>
+                                    <m:t>𝜏</m:t>
+                                  </m:r>
+                                </m:e>
+                                <m:sub>
+                                  <m:r>
+                                    <a:rPr lang="en-US" altLang="zh-CN" sz="2000" b="0" i="1" dirty="0" smtClean="0">
+                                      <a:latin typeface="Cambria Math" panose="02040503050406030204" pitchFamily="18" charset="0"/>
+                                    </a:rPr>
+                                    <m:t>𝑙</m:t>
+                                  </m:r>
+                                </m:sub>
+                              </m:sSub>
+                            </m:e>
+                          </m:mr>
+                          <m:mr>
+                            <m:e>
+                              <m:sSub>
+                                <m:sSubPr>
+                                  <m:ctrlPr>
+                                    <a:rPr lang="en-US" altLang="zh-CN" sz="2000" b="0" i="1" dirty="0" smtClean="0">
+                                      <a:latin typeface="Cambria Math" panose="02040503050406030204" pitchFamily="18" charset="0"/>
+                                    </a:rPr>
+                                  </m:ctrlPr>
+                                </m:sSubPr>
+                                <m:e>
+                                  <m:r>
+                                    <a:rPr lang="en-US" altLang="zh-CN" sz="2000" b="0" i="1" dirty="0" smtClean="0">
+                                      <a:latin typeface="Cambria Math" panose="02040503050406030204" pitchFamily="18" charset="0"/>
+                                    </a:rPr>
+                                    <m:t>𝜏</m:t>
+                                  </m:r>
+                                </m:e>
+                                <m:sub>
+                                  <m:r>
+                                    <a:rPr lang="en-US" altLang="zh-CN" sz="2000" b="0" i="1" dirty="0" smtClean="0">
+                                      <a:latin typeface="Cambria Math" panose="02040503050406030204" pitchFamily="18" charset="0"/>
+                                    </a:rPr>
+                                    <m:t>𝑎</m:t>
+                                  </m:r>
+                                </m:sub>
+                              </m:sSub>
+                            </m:e>
+                          </m:mr>
+                        </m:m>
+                      </m:e>
+                    </m:d>
+                  </m:oMath>
+                </a14:m>
+                <a:endParaRPr lang="en-US" altLang="zh-CN" sz="2000" dirty="0">
+                  <a:latin typeface="Times New Roman" panose="02020603050405020304" pitchFamily="18" charset="0"/>
+                  <a:cs typeface="Times New Roman" panose="02020603050405020304" pitchFamily="18" charset="0"/>
+                </a:endParaRPr>
+              </a:p>
+              <a:p>
+                <a:pPr marL="342900" indent="-342900">
+                  <a:buFont typeface="Arial" panose="020B0604020202020204" pitchFamily="34" charset="0"/>
+                  <a:buChar char="•"/>
+                </a:pPr>
+                <a:r>
+                  <a:rPr lang="en-US" sz="2400" dirty="0">
+                    <a:latin typeface="Times New Roman" panose="02020603050405020304" pitchFamily="18" charset="0"/>
+                    <a:cs typeface="Times New Roman" panose="02020603050405020304" pitchFamily="18" charset="0"/>
+                  </a:rPr>
+                  <a:t>where </a:t>
+                </a:r>
+                <a14:m>
+                  <m:oMath xmlns:m="http://schemas.openxmlformats.org/officeDocument/2006/math">
+                    <m:r>
+                      <a:rPr lang="en-US" sz="2400" b="0" i="0" smtClean="0">
+                        <a:latin typeface="Cambria Math" panose="02040503050406030204" pitchFamily="18" charset="0"/>
+                        <a:cs typeface="Times New Roman" panose="02020603050405020304" pitchFamily="18" charset="0"/>
+                      </a:rPr>
+                      <m:t> </m:t>
+                    </m:r>
+                    <m:r>
+                      <a:rPr lang="en-US" sz="2400" b="0" i="1" smtClean="0">
+                        <a:latin typeface="Cambria Math" panose="02040503050406030204" pitchFamily="18" charset="0"/>
+                        <a:cs typeface="Times New Roman" panose="02020603050405020304" pitchFamily="18" charset="0"/>
+                      </a:rPr>
+                      <m:t>𝑣</m:t>
+                    </m:r>
+                    <m:r>
+                      <a:rPr lang="en-US" sz="2400" b="0" i="1" smtClean="0">
+                        <a:latin typeface="Cambria Math" panose="02040503050406030204" pitchFamily="18" charset="0"/>
+                        <a:cs typeface="Times New Roman" panose="02020603050405020304" pitchFamily="18" charset="0"/>
+                      </a:rPr>
+                      <m:t>,</m:t>
+                    </m:r>
+                    <m:r>
+                      <a:rPr lang="en-US" sz="2400" b="0" i="1" smtClean="0">
+                        <a:latin typeface="Cambria Math" panose="02040503050406030204" pitchFamily="18" charset="0"/>
+                        <a:cs typeface="Times New Roman" panose="02020603050405020304" pitchFamily="18" charset="0"/>
+                      </a:rPr>
+                      <m:t>𝑤</m:t>
+                    </m:r>
+                    <m:r>
+                      <a:rPr lang="en-US" sz="2400" b="0" i="0" smtClean="0">
+                        <a:latin typeface="Cambria Math" panose="02040503050406030204" pitchFamily="18" charset="0"/>
+                        <a:cs typeface="Times New Roman" panose="02020603050405020304" pitchFamily="18" charset="0"/>
+                      </a:rPr>
+                      <m:t> </m:t>
+                    </m:r>
+                  </m:oMath>
+                </a14:m>
+                <a:r>
+                  <a:rPr lang="en-US" sz="2400" dirty="0">
+                    <a:latin typeface="Times New Roman" panose="02020603050405020304" pitchFamily="18" charset="0"/>
+                    <a:cs typeface="Times New Roman" panose="02020603050405020304" pitchFamily="18" charset="0"/>
+                  </a:rPr>
+                  <a:t>: linear and angular velocities</a:t>
+                </a:r>
+              </a:p>
+              <a:p>
+                <a:r>
+                  <a:rPr lang="en-US" sz="2400" dirty="0">
+                    <a:latin typeface="Times New Roman" panose="02020603050405020304" pitchFamily="18" charset="0"/>
+                    <a:cs typeface="Times New Roman" panose="02020603050405020304" pitchFamily="18" charset="0"/>
+                  </a:rPr>
+                  <a:t>	    </a:t>
+                </a:r>
+                <a14:m>
+                  <m:oMath xmlns:m="http://schemas.openxmlformats.org/officeDocument/2006/math">
+                    <m:sSub>
+                      <m:sSubPr>
+                        <m:ctrlPr>
+                          <a:rPr lang="en-US" sz="2400" b="0" i="1" smtClean="0">
+                            <a:latin typeface="Cambria Math" panose="02040503050406030204" pitchFamily="18" charset="0"/>
+                            <a:cs typeface="Times New Roman" panose="02020603050405020304" pitchFamily="18" charset="0"/>
+                          </a:rPr>
+                        </m:ctrlPr>
+                      </m:sSubPr>
+                      <m:e>
+                        <m:r>
+                          <a:rPr lang="en-US" sz="2400" b="0" i="1" smtClean="0">
+                            <a:latin typeface="Cambria Math" panose="02040503050406030204" pitchFamily="18" charset="0"/>
+                            <a:cs typeface="Times New Roman" panose="02020603050405020304" pitchFamily="18" charset="0"/>
+                          </a:rPr>
+                          <m:t>𝜏</m:t>
+                        </m:r>
+                      </m:e>
+                      <m:sub>
+                        <m:r>
+                          <a:rPr lang="en-US" sz="2400" b="0" i="1" smtClean="0">
+                            <a:latin typeface="Cambria Math" panose="02040503050406030204" pitchFamily="18" charset="0"/>
+                            <a:cs typeface="Times New Roman" panose="02020603050405020304" pitchFamily="18" charset="0"/>
+                          </a:rPr>
+                          <m:t>𝑙</m:t>
+                        </m:r>
+                      </m:sub>
+                    </m:sSub>
+                    <m:r>
+                      <a:rPr lang="en-US" sz="2400" b="0" i="1" smtClean="0">
+                        <a:latin typeface="Cambria Math" panose="02040503050406030204" pitchFamily="18" charset="0"/>
+                        <a:cs typeface="Times New Roman" panose="02020603050405020304" pitchFamily="18" charset="0"/>
+                      </a:rPr>
+                      <m:t>,</m:t>
+                    </m:r>
+                    <m:sSub>
+                      <m:sSubPr>
+                        <m:ctrlPr>
+                          <a:rPr lang="en-US" sz="2400" b="0" i="1" smtClean="0">
+                            <a:latin typeface="Cambria Math" panose="02040503050406030204" pitchFamily="18" charset="0"/>
+                            <a:cs typeface="Times New Roman" panose="02020603050405020304" pitchFamily="18" charset="0"/>
+                          </a:rPr>
+                        </m:ctrlPr>
+                      </m:sSubPr>
+                      <m:e>
+                        <m:r>
+                          <a:rPr lang="en-US" sz="2400" b="0" i="1" smtClean="0">
+                            <a:latin typeface="Cambria Math" panose="02040503050406030204" pitchFamily="18" charset="0"/>
+                            <a:cs typeface="Times New Roman" panose="02020603050405020304" pitchFamily="18" charset="0"/>
+                          </a:rPr>
+                          <m:t>𝜏</m:t>
+                        </m:r>
+                      </m:e>
+                      <m:sub>
+                        <m:r>
+                          <a:rPr lang="en-US" sz="2400" b="0" i="1" smtClean="0">
+                            <a:latin typeface="Cambria Math" panose="02040503050406030204" pitchFamily="18" charset="0"/>
+                            <a:cs typeface="Times New Roman" panose="02020603050405020304" pitchFamily="18" charset="0"/>
+                          </a:rPr>
+                          <m:t>𝑎</m:t>
+                        </m:r>
+                      </m:sub>
+                    </m:sSub>
+                  </m:oMath>
+                </a14:m>
+                <a:r>
+                  <a:rPr lang="en-US" sz="2400" dirty="0">
+                    <a:latin typeface="Times New Roman" panose="02020603050405020304" pitchFamily="18" charset="0"/>
+                    <a:cs typeface="Times New Roman" panose="02020603050405020304" pitchFamily="18" charset="0"/>
+                  </a:rPr>
+                  <a:t>: linear and angular torques</a:t>
+                </a:r>
+              </a:p>
+              <a:p>
+                <a:r>
+                  <a:rPr lang="en-US" sz="2400" dirty="0">
+                    <a:latin typeface="Times New Roman" panose="02020603050405020304" pitchFamily="18" charset="0"/>
+                    <a:cs typeface="Times New Roman" panose="02020603050405020304" pitchFamily="18" charset="0"/>
+                  </a:rPr>
+                  <a:t>	    </a:t>
+                </a:r>
+                <a14:m>
+                  <m:oMath xmlns:m="http://schemas.openxmlformats.org/officeDocument/2006/math">
+                    <m:r>
+                      <a:rPr lang="en-US" sz="2400" b="0" i="1" smtClean="0">
+                        <a:latin typeface="Cambria Math" panose="02040503050406030204" pitchFamily="18" charset="0"/>
+                        <a:cs typeface="Times New Roman" panose="02020603050405020304" pitchFamily="18" charset="0"/>
+                      </a:rPr>
+                      <m:t>𝑚</m:t>
+                    </m:r>
+                    <m:r>
+                      <a:rPr lang="en-US" sz="2400" b="0" i="1" smtClean="0">
+                        <a:latin typeface="Cambria Math" panose="02040503050406030204" pitchFamily="18" charset="0"/>
+                        <a:cs typeface="Times New Roman" panose="02020603050405020304" pitchFamily="18" charset="0"/>
+                      </a:rPr>
+                      <m:t>, </m:t>
+                    </m:r>
+                    <m:r>
+                      <a:rPr lang="en-US" sz="2400" b="0" i="1" smtClean="0">
+                        <a:latin typeface="Cambria Math" panose="02040503050406030204" pitchFamily="18" charset="0"/>
+                        <a:cs typeface="Times New Roman" panose="02020603050405020304" pitchFamily="18" charset="0"/>
+                      </a:rPr>
+                      <m:t>𝐼</m:t>
+                    </m:r>
+                    <m:r>
+                      <a:rPr lang="en-US" sz="2400" b="0" i="1" smtClean="0">
+                        <a:latin typeface="Cambria Math" panose="02040503050406030204" pitchFamily="18" charset="0"/>
+                        <a:cs typeface="Times New Roman" panose="02020603050405020304" pitchFamily="18" charset="0"/>
+                      </a:rPr>
+                      <m:t> </m:t>
+                    </m:r>
+                  </m:oMath>
+                </a14:m>
+                <a:r>
+                  <a:rPr lang="en-US" sz="2400" dirty="0">
+                    <a:latin typeface="Times New Roman" panose="02020603050405020304" pitchFamily="18" charset="0"/>
+                    <a:cs typeface="Times New Roman" panose="02020603050405020304" pitchFamily="18" charset="0"/>
+                  </a:rPr>
+                  <a:t> : mass and inertia</a:t>
+                </a:r>
+              </a:p>
+            </p:txBody>
+          </p:sp>
+        </mc:Choice>
+        <mc:Fallback>
+          <p:sp>
+            <p:nvSpPr>
+              <p:cNvPr id="7" name="TextBox 6">
+                <a:extLst>
+                  <a:ext uri="{FF2B5EF4-FFF2-40B4-BE49-F238E27FC236}">
+                    <a16:creationId xmlns:a16="http://schemas.microsoft.com/office/drawing/2014/main" id="{4832D864-6052-2F49-A1D2-8E16BE24F6E9}"/>
+                  </a:ext>
+                </a:extLst>
+              </p:cNvPr>
+              <p:cNvSpPr txBox="1">
+                <a:spLocks noRot="1" noChangeAspect="1" noMove="1" noResize="1" noEditPoints="1" noAdjustHandles="1" noChangeArrowheads="1" noChangeShapeType="1" noTextEdit="1"/>
+              </p:cNvSpPr>
+              <p:nvPr/>
+            </p:nvSpPr>
+            <p:spPr>
+              <a:xfrm>
+                <a:off x="744286" y="1565975"/>
+                <a:ext cx="7293726" cy="2917209"/>
+              </a:xfrm>
+              <a:prstGeom prst="rect">
+                <a:avLst/>
+              </a:prstGeom>
+              <a:blipFill>
+                <a:blip r:embed="rId3"/>
+                <a:stretch>
+                  <a:fillRect l="-1086" t="-1674" b="-3975"/>
+                </a:stretch>
+              </a:blipFill>
+            </p:spPr>
+            <p:txBody>
+              <a:bodyPr/>
+              <a:lstStyle/>
+              <a:p>
+                <a:r>
+                  <a:rPr lang="zh-CN" altLang="en-US">
+                    <a:noFill/>
+                  </a:rPr>
+                  <a:t> </a:t>
+                </a:r>
+              </a:p>
+            </p:txBody>
+          </p:sp>
+        </mc:Fallback>
+      </mc:AlternateContent>
+      <mc:AlternateContent xmlns:mc="http://schemas.openxmlformats.org/markup-compatibility/2006">
+        <mc:Choice xmlns:a14="http://schemas.microsoft.com/office/drawing/2010/main" Requires="a14">
+          <p:sp>
+            <p:nvSpPr>
+              <p:cNvPr id="5" name="TextBox 4">
+                <a:extLst>
+                  <a:ext uri="{FF2B5EF4-FFF2-40B4-BE49-F238E27FC236}">
+                    <a16:creationId xmlns:a16="http://schemas.microsoft.com/office/drawing/2014/main" id="{0636AE21-2F07-45C7-921D-11E33554DE10}"/>
+                  </a:ext>
+                </a:extLst>
+              </p:cNvPr>
+              <p:cNvSpPr txBox="1"/>
+              <p:nvPr/>
+            </p:nvSpPr>
+            <p:spPr>
+              <a:xfrm>
+                <a:off x="744286" y="4443677"/>
+                <a:ext cx="6505056" cy="3870034"/>
+              </a:xfrm>
+              <a:prstGeom prst="rect">
+                <a:avLst/>
+              </a:prstGeom>
+              <a:noFill/>
+            </p:spPr>
+            <p:txBody>
+              <a:bodyPr wrap="square" rtlCol="0">
+                <a:spAutoFit/>
+              </a:bodyPr>
+              <a:lstStyle/>
+              <a:p>
+                <a:pPr marL="342900" indent="-342900">
+                  <a:buFont typeface="Arial" panose="020B0604020202020204" pitchFamily="34" charset="0"/>
+                  <a:buChar char="•"/>
+                </a:pPr>
+                <a:r>
+                  <a:rPr lang="en-US" altLang="zh-CN" sz="2400" dirty="0">
+                    <a:latin typeface="Times New Roman" panose="02020603050405020304" pitchFamily="18" charset="0"/>
+                    <a:cs typeface="Times New Roman" panose="02020603050405020304" pitchFamily="18" charset="0"/>
+                  </a:rPr>
+                  <a:t>A nonlinear kinematic controller was used to track a desired trajectory </a:t>
+                </a:r>
+                <a14:m>
+                  <m:oMath xmlns:m="http://schemas.openxmlformats.org/officeDocument/2006/math">
+                    <m:sSub>
+                      <m:sSubPr>
+                        <m:ctrlPr>
+                          <a:rPr lang="en-US" altLang="zh-CN" sz="2400" b="0" i="1" smtClean="0">
+                            <a:latin typeface="Cambria Math" panose="02040503050406030204" pitchFamily="18" charset="0"/>
+                            <a:cs typeface="Times New Roman" panose="02020603050405020304" pitchFamily="18" charset="0"/>
+                          </a:rPr>
+                        </m:ctrlPr>
+                      </m:sSubPr>
+                      <m:e>
+                        <m:r>
+                          <a:rPr lang="en-US" altLang="zh-CN" sz="2400" b="0" i="1" smtClean="0">
+                            <a:latin typeface="Cambria Math" panose="02040503050406030204" pitchFamily="18" charset="0"/>
+                            <a:cs typeface="Times New Roman" panose="02020603050405020304" pitchFamily="18" charset="0"/>
+                          </a:rPr>
+                          <m:t>𝑞</m:t>
+                        </m:r>
+                      </m:e>
+                      <m:sub>
+                        <m:r>
+                          <a:rPr lang="en-US" altLang="zh-CN" sz="2400" b="0" i="1" smtClean="0">
+                            <a:latin typeface="Cambria Math" panose="02040503050406030204" pitchFamily="18" charset="0"/>
+                            <a:cs typeface="Times New Roman" panose="02020603050405020304" pitchFamily="18" charset="0"/>
+                          </a:rPr>
+                          <m:t>𝑑</m:t>
+                        </m:r>
+                      </m:sub>
+                    </m:sSub>
+                    <m:r>
+                      <a:rPr lang="en-US" altLang="zh-CN" sz="2400" b="0" i="1" smtClean="0">
+                        <a:latin typeface="Cambria Math" panose="02040503050406030204" pitchFamily="18" charset="0"/>
+                        <a:cs typeface="Times New Roman" panose="02020603050405020304" pitchFamily="18" charset="0"/>
+                      </a:rPr>
+                      <m:t>=</m:t>
+                    </m:r>
+                    <m:sSup>
+                      <m:sSupPr>
+                        <m:ctrlPr>
+                          <a:rPr lang="en-US" altLang="zh-CN" sz="2400" b="0" i="1" smtClean="0">
+                            <a:latin typeface="Cambria Math" panose="02040503050406030204" pitchFamily="18" charset="0"/>
+                            <a:cs typeface="Times New Roman" panose="02020603050405020304" pitchFamily="18" charset="0"/>
+                          </a:rPr>
+                        </m:ctrlPr>
+                      </m:sSupPr>
+                      <m:e>
+                        <m:d>
+                          <m:dPr>
+                            <m:begChr m:val="["/>
+                            <m:endChr m:val="]"/>
+                            <m:ctrlPr>
+                              <a:rPr lang="en-US" altLang="zh-CN" sz="2400" b="0" i="1" smtClean="0">
+                                <a:latin typeface="Cambria Math" panose="02040503050406030204" pitchFamily="18" charset="0"/>
+                                <a:cs typeface="Times New Roman" panose="02020603050405020304" pitchFamily="18" charset="0"/>
+                              </a:rPr>
+                            </m:ctrlPr>
+                          </m:dPr>
+                          <m:e>
+                            <m:sSub>
+                              <m:sSubPr>
+                                <m:ctrlPr>
+                                  <a:rPr lang="en-US" altLang="zh-CN" sz="2400" b="0" i="1" smtClean="0">
+                                    <a:latin typeface="Cambria Math" panose="02040503050406030204" pitchFamily="18" charset="0"/>
+                                    <a:cs typeface="Times New Roman" panose="02020603050405020304" pitchFamily="18" charset="0"/>
+                                  </a:rPr>
+                                </m:ctrlPr>
+                              </m:sSubPr>
+                              <m:e>
+                                <m:r>
+                                  <a:rPr lang="en-US" altLang="zh-CN" sz="2400" b="0" i="1" smtClean="0">
+                                    <a:latin typeface="Cambria Math" panose="02040503050406030204" pitchFamily="18" charset="0"/>
+                                    <a:cs typeface="Times New Roman" panose="02020603050405020304" pitchFamily="18" charset="0"/>
+                                  </a:rPr>
+                                  <m:t>𝑥</m:t>
+                                </m:r>
+                              </m:e>
+                              <m:sub>
+                                <m:r>
+                                  <a:rPr lang="en-US" altLang="zh-CN" sz="2400" b="0" i="1" smtClean="0">
+                                    <a:latin typeface="Cambria Math" panose="02040503050406030204" pitchFamily="18" charset="0"/>
+                                    <a:cs typeface="Times New Roman" panose="02020603050405020304" pitchFamily="18" charset="0"/>
+                                  </a:rPr>
+                                  <m:t>𝑑</m:t>
+                                </m:r>
+                              </m:sub>
+                            </m:sSub>
+                            <m:r>
+                              <a:rPr lang="en-US" altLang="zh-CN" sz="2400" b="0" i="1" smtClean="0">
+                                <a:latin typeface="Cambria Math" panose="02040503050406030204" pitchFamily="18" charset="0"/>
+                                <a:cs typeface="Times New Roman" panose="02020603050405020304" pitchFamily="18" charset="0"/>
+                              </a:rPr>
+                              <m:t>  </m:t>
+                            </m:r>
+                            <m:sSub>
+                              <m:sSubPr>
+                                <m:ctrlPr>
+                                  <a:rPr lang="en-US" altLang="zh-CN" sz="2400" b="0" i="1" smtClean="0">
+                                    <a:latin typeface="Cambria Math" panose="02040503050406030204" pitchFamily="18" charset="0"/>
+                                    <a:cs typeface="Times New Roman" panose="02020603050405020304" pitchFamily="18" charset="0"/>
+                                  </a:rPr>
+                                </m:ctrlPr>
+                              </m:sSubPr>
+                              <m:e>
+                                <m:r>
+                                  <a:rPr lang="en-US" altLang="zh-CN" sz="2400" b="0" i="1" smtClean="0">
+                                    <a:latin typeface="Cambria Math" panose="02040503050406030204" pitchFamily="18" charset="0"/>
+                                    <a:cs typeface="Times New Roman" panose="02020603050405020304" pitchFamily="18" charset="0"/>
+                                  </a:rPr>
+                                  <m:t>𝑦</m:t>
+                                </m:r>
+                              </m:e>
+                              <m:sub>
+                                <m:r>
+                                  <a:rPr lang="en-US" altLang="zh-CN" sz="2400" b="0" i="1" smtClean="0">
+                                    <a:latin typeface="Cambria Math" panose="02040503050406030204" pitchFamily="18" charset="0"/>
+                                    <a:cs typeface="Times New Roman" panose="02020603050405020304" pitchFamily="18" charset="0"/>
+                                  </a:rPr>
+                                  <m:t>𝑑</m:t>
+                                </m:r>
+                              </m:sub>
+                            </m:sSub>
+                            <m:r>
+                              <a:rPr lang="en-US" altLang="zh-CN" sz="2400" b="0" i="1" smtClean="0">
+                                <a:latin typeface="Cambria Math" panose="02040503050406030204" pitchFamily="18" charset="0"/>
+                                <a:cs typeface="Times New Roman" panose="02020603050405020304" pitchFamily="18" charset="0"/>
+                              </a:rPr>
+                              <m:t>  </m:t>
+                            </m:r>
+                            <m:sSub>
+                              <m:sSubPr>
+                                <m:ctrlPr>
+                                  <a:rPr lang="en-US" altLang="zh-CN" sz="2400" b="0" i="1" smtClean="0">
+                                    <a:latin typeface="Cambria Math" panose="02040503050406030204" pitchFamily="18" charset="0"/>
+                                    <a:cs typeface="Times New Roman" panose="02020603050405020304" pitchFamily="18" charset="0"/>
+                                  </a:rPr>
+                                </m:ctrlPr>
+                              </m:sSubPr>
+                              <m:e>
+                                <m:r>
+                                  <a:rPr lang="en-US" altLang="zh-CN" sz="2400" b="0" i="1" smtClean="0">
+                                    <a:latin typeface="Cambria Math" panose="02040503050406030204" pitchFamily="18" charset="0"/>
+                                    <a:cs typeface="Times New Roman" panose="02020603050405020304" pitchFamily="18" charset="0"/>
+                                  </a:rPr>
+                                  <m:t>𝜃</m:t>
+                                </m:r>
+                              </m:e>
+                              <m:sub>
+                                <m:r>
+                                  <a:rPr lang="en-US" altLang="zh-CN" sz="2400" b="0" i="1" smtClean="0">
+                                    <a:latin typeface="Cambria Math" panose="02040503050406030204" pitchFamily="18" charset="0"/>
+                                    <a:cs typeface="Times New Roman" panose="02020603050405020304" pitchFamily="18" charset="0"/>
+                                  </a:rPr>
+                                  <m:t>𝑑</m:t>
+                                </m:r>
+                              </m:sub>
+                            </m:sSub>
+                          </m:e>
+                        </m:d>
+                      </m:e>
+                      <m:sup>
+                        <m:r>
+                          <a:rPr lang="en-US" altLang="zh-CN" sz="2400" b="0" i="1" smtClean="0">
+                            <a:latin typeface="Cambria Math" panose="02040503050406030204" pitchFamily="18" charset="0"/>
+                            <a:cs typeface="Times New Roman" panose="02020603050405020304" pitchFamily="18" charset="0"/>
+                          </a:rPr>
+                          <m:t>𝑇</m:t>
+                        </m:r>
+                      </m:sup>
+                    </m:sSup>
+                    <m:r>
+                      <a:rPr lang="en-US" altLang="zh-CN" sz="2400" b="0" i="1" smtClean="0">
+                        <a:latin typeface="Cambria Math" panose="02040503050406030204" pitchFamily="18" charset="0"/>
+                        <a:cs typeface="Times New Roman" panose="02020603050405020304" pitchFamily="18" charset="0"/>
+                      </a:rPr>
+                      <m:t> </m:t>
+                    </m:r>
+                  </m:oMath>
+                </a14:m>
+                <a:r>
+                  <a:rPr lang="en-US" altLang="zh-CN" sz="2400" dirty="0">
+                    <a:latin typeface="Times New Roman" panose="02020603050405020304" pitchFamily="18" charset="0"/>
+                    <a:cs typeface="Times New Roman" panose="02020603050405020304" pitchFamily="18" charset="0"/>
+                  </a:rPr>
+                  <a:t>:</a:t>
+                </a:r>
+              </a:p>
+              <a:p>
+                <a:pPr marL="342900" indent="-342900">
+                  <a:buFont typeface="Arial" panose="020B0604020202020204" pitchFamily="34" charset="0"/>
+                  <a:buChar char="•"/>
+                </a:pPr>
+                <a:endParaRPr lang="en-US" altLang="zh-CN" sz="2400" dirty="0">
+                  <a:latin typeface="Times New Roman" panose="02020603050405020304" pitchFamily="18" charset="0"/>
+                  <a:cs typeface="Times New Roman" panose="02020603050405020304" pitchFamily="18" charset="0"/>
+                </a:endParaRPr>
+              </a:p>
+              <a:p>
+                <a:pPr/>
+                <a14:m>
+                  <m:oMathPara xmlns:m="http://schemas.openxmlformats.org/officeDocument/2006/math">
+                    <m:oMathParaPr>
+                      <m:jc m:val="centerGroup"/>
+                    </m:oMathParaPr>
+                    <m:oMath xmlns:m="http://schemas.openxmlformats.org/officeDocument/2006/math">
+                      <m:sSub>
+                        <m:sSubPr>
+                          <m:ctrlPr>
+                            <a:rPr lang="en-US" altLang="zh-CN" sz="2400" i="1">
+                              <a:latin typeface="Cambria Math" panose="02040503050406030204" pitchFamily="18" charset="0"/>
+                              <a:cs typeface="Times New Roman" panose="02020603050405020304" pitchFamily="18" charset="0"/>
+                            </a:rPr>
+                          </m:ctrlPr>
+                        </m:sSubPr>
+                        <m:e>
+                          <m:r>
+                            <a:rPr lang="en-US" altLang="zh-CN" sz="2400" i="1">
+                              <a:latin typeface="Cambria Math" panose="02040503050406030204" pitchFamily="18" charset="0"/>
+                              <a:cs typeface="Times New Roman" panose="02020603050405020304" pitchFamily="18" charset="0"/>
+                            </a:rPr>
+                            <m:t>𝑢</m:t>
+                          </m:r>
+                        </m:e>
+                        <m:sub>
+                          <m:r>
+                            <a:rPr lang="en-US" altLang="zh-CN" sz="2400" i="1">
+                              <a:latin typeface="Cambria Math" panose="02040503050406030204" pitchFamily="18" charset="0"/>
+                              <a:cs typeface="Times New Roman" panose="02020603050405020304" pitchFamily="18" charset="0"/>
+                            </a:rPr>
+                            <m:t>1</m:t>
+                          </m:r>
+                        </m:sub>
+                      </m:sSub>
+                      <m:r>
+                        <a:rPr lang="en-US" altLang="zh-CN" sz="2400" i="1">
+                          <a:latin typeface="Cambria Math" panose="02040503050406030204" pitchFamily="18" charset="0"/>
+                          <a:cs typeface="Times New Roman" panose="02020603050405020304" pitchFamily="18" charset="0"/>
+                        </a:rPr>
+                        <m:t>=−</m:t>
+                      </m:r>
+                      <m:sSub>
+                        <m:sSubPr>
+                          <m:ctrlPr>
+                            <a:rPr lang="en-US" altLang="zh-CN" sz="2400" i="1">
+                              <a:latin typeface="Cambria Math" panose="02040503050406030204" pitchFamily="18" charset="0"/>
+                              <a:cs typeface="Times New Roman" panose="02020603050405020304" pitchFamily="18" charset="0"/>
+                            </a:rPr>
+                          </m:ctrlPr>
+                        </m:sSubPr>
+                        <m:e>
+                          <m:r>
+                            <a:rPr lang="en-US" altLang="zh-CN" sz="2400" i="1">
+                              <a:latin typeface="Cambria Math" panose="02040503050406030204" pitchFamily="18" charset="0"/>
+                              <a:cs typeface="Times New Roman" panose="02020603050405020304" pitchFamily="18" charset="0"/>
+                            </a:rPr>
+                            <m:t>𝑘</m:t>
+                          </m:r>
+                        </m:e>
+                        <m:sub>
+                          <m:r>
+                            <a:rPr lang="en-US" altLang="zh-CN" sz="2400" i="1">
+                              <a:latin typeface="Cambria Math" panose="02040503050406030204" pitchFamily="18" charset="0"/>
+                              <a:cs typeface="Times New Roman" panose="02020603050405020304" pitchFamily="18" charset="0"/>
+                            </a:rPr>
+                            <m:t>1</m:t>
+                          </m:r>
+                        </m:sub>
+                      </m:sSub>
+                      <m:d>
+                        <m:dPr>
+                          <m:ctrlPr>
+                            <a:rPr lang="en-US" altLang="zh-CN" sz="2400" i="1">
+                              <a:latin typeface="Cambria Math" panose="02040503050406030204" pitchFamily="18" charset="0"/>
+                              <a:cs typeface="Times New Roman" panose="02020603050405020304" pitchFamily="18" charset="0"/>
+                            </a:rPr>
+                          </m:ctrlPr>
+                        </m:dPr>
+                        <m:e>
+                          <m:sSub>
+                            <m:sSubPr>
+                              <m:ctrlPr>
+                                <a:rPr lang="en-US" altLang="zh-CN" sz="2400" i="1">
+                                  <a:latin typeface="Cambria Math" panose="02040503050406030204" pitchFamily="18" charset="0"/>
+                                  <a:cs typeface="Times New Roman" panose="02020603050405020304" pitchFamily="18" charset="0"/>
+                                </a:rPr>
+                              </m:ctrlPr>
+                            </m:sSubPr>
+                            <m:e>
+                              <m:r>
+                                <a:rPr lang="en-US" altLang="zh-CN" sz="2400" i="1">
+                                  <a:latin typeface="Cambria Math" panose="02040503050406030204" pitchFamily="18" charset="0"/>
+                                  <a:cs typeface="Times New Roman" panose="02020603050405020304" pitchFamily="18" charset="0"/>
+                                </a:rPr>
+                                <m:t>𝑣</m:t>
+                              </m:r>
+                            </m:e>
+                            <m:sub>
+                              <m:r>
+                                <a:rPr lang="en-US" altLang="zh-CN" sz="2400" i="1">
+                                  <a:latin typeface="Cambria Math" panose="02040503050406030204" pitchFamily="18" charset="0"/>
+                                  <a:cs typeface="Times New Roman" panose="02020603050405020304" pitchFamily="18" charset="0"/>
+                                </a:rPr>
+                                <m:t>𝑑</m:t>
+                              </m:r>
+                            </m:sub>
+                          </m:sSub>
+                          <m:r>
+                            <a:rPr lang="en-US" altLang="zh-CN" sz="2400" b="0" i="1" smtClean="0">
+                              <a:latin typeface="Cambria Math" panose="02040503050406030204" pitchFamily="18" charset="0"/>
+                              <a:cs typeface="Times New Roman" panose="02020603050405020304" pitchFamily="18" charset="0"/>
+                            </a:rPr>
+                            <m:t>,</m:t>
+                          </m:r>
+                          <m:sSub>
+                            <m:sSubPr>
+                              <m:ctrlPr>
+                                <a:rPr lang="en-US" altLang="zh-CN" sz="2400" i="1">
+                                  <a:latin typeface="Cambria Math" panose="02040503050406030204" pitchFamily="18" charset="0"/>
+                                  <a:cs typeface="Times New Roman" panose="02020603050405020304" pitchFamily="18" charset="0"/>
+                                </a:rPr>
+                              </m:ctrlPr>
+                            </m:sSubPr>
+                            <m:e>
+                              <m:r>
+                                <a:rPr lang="en-US" altLang="zh-CN" sz="2400" i="1">
+                                  <a:latin typeface="Cambria Math" panose="02040503050406030204" pitchFamily="18" charset="0"/>
+                                  <a:cs typeface="Times New Roman" panose="02020603050405020304" pitchFamily="18" charset="0"/>
+                                </a:rPr>
+                                <m:t>𝜔</m:t>
+                              </m:r>
+                            </m:e>
+                            <m:sub>
+                              <m:r>
+                                <a:rPr lang="en-US" altLang="zh-CN" sz="2400" i="1">
+                                  <a:latin typeface="Cambria Math" panose="02040503050406030204" pitchFamily="18" charset="0"/>
+                                  <a:cs typeface="Times New Roman" panose="02020603050405020304" pitchFamily="18" charset="0"/>
+                                </a:rPr>
+                                <m:t>𝑑</m:t>
+                              </m:r>
+                            </m:sub>
+                          </m:sSub>
+                        </m:e>
+                      </m:d>
+                      <m:sSub>
+                        <m:sSubPr>
+                          <m:ctrlPr>
+                            <a:rPr lang="en-US" altLang="zh-CN" sz="2400" i="1">
+                              <a:latin typeface="Cambria Math" panose="02040503050406030204" pitchFamily="18" charset="0"/>
+                              <a:cs typeface="Times New Roman" panose="02020603050405020304" pitchFamily="18" charset="0"/>
+                            </a:rPr>
+                          </m:ctrlPr>
+                        </m:sSubPr>
+                        <m:e>
+                          <m:r>
+                            <a:rPr lang="en-US" altLang="zh-CN" sz="2400" b="0" i="1" smtClean="0">
+                              <a:latin typeface="Cambria Math" panose="02040503050406030204" pitchFamily="18" charset="0"/>
+                              <a:cs typeface="Times New Roman" panose="02020603050405020304" pitchFamily="18" charset="0"/>
+                            </a:rPr>
+                            <m:t> </m:t>
+                          </m:r>
+                          <m:r>
+                            <a:rPr lang="en-US" altLang="zh-CN" sz="2400" i="1">
+                              <a:latin typeface="Cambria Math" panose="02040503050406030204" pitchFamily="18" charset="0"/>
+                              <a:cs typeface="Times New Roman" panose="02020603050405020304" pitchFamily="18" charset="0"/>
+                            </a:rPr>
+                            <m:t>𝑒</m:t>
+                          </m:r>
+                        </m:e>
+                        <m:sub>
+                          <m:r>
+                            <a:rPr lang="en-US" altLang="zh-CN" sz="2400" i="1">
+                              <a:latin typeface="Cambria Math" panose="02040503050406030204" pitchFamily="18" charset="0"/>
+                              <a:cs typeface="Times New Roman" panose="02020603050405020304" pitchFamily="18" charset="0"/>
+                            </a:rPr>
+                            <m:t>1</m:t>
+                          </m:r>
+                        </m:sub>
+                      </m:sSub>
+                    </m:oMath>
+                  </m:oMathPara>
+                </a14:m>
+                <a:endParaRPr lang="en-US" altLang="zh-CN" sz="2400" dirty="0">
+                  <a:latin typeface="Times New Roman" panose="02020603050405020304" pitchFamily="18" charset="0"/>
+                  <a:cs typeface="Times New Roman" panose="02020603050405020304" pitchFamily="18" charset="0"/>
+                </a:endParaRPr>
+              </a:p>
+              <a:p>
+                <a:r>
+                  <a:rPr lang="en-US" altLang="zh-CN" sz="2400" dirty="0">
+                    <a:cs typeface="Times New Roman" panose="02020603050405020304" pitchFamily="18" charset="0"/>
+                  </a:rPr>
+                  <a:t>	</a:t>
+                </a:r>
+                <a14:m>
+                  <m:oMath xmlns:m="http://schemas.openxmlformats.org/officeDocument/2006/math">
+                    <m:sSub>
+                      <m:sSubPr>
+                        <m:ctrlPr>
+                          <a:rPr lang="en-US" altLang="zh-CN" sz="2400" i="1">
+                            <a:latin typeface="Cambria Math" panose="02040503050406030204" pitchFamily="18" charset="0"/>
+                            <a:cs typeface="Times New Roman" panose="02020603050405020304" pitchFamily="18" charset="0"/>
+                          </a:rPr>
+                        </m:ctrlPr>
+                      </m:sSubPr>
+                      <m:e>
+                        <m:r>
+                          <a:rPr lang="en-US" altLang="zh-CN" sz="2400" i="1">
+                            <a:latin typeface="Cambria Math" panose="02040503050406030204" pitchFamily="18" charset="0"/>
+                            <a:cs typeface="Times New Roman" panose="02020603050405020304" pitchFamily="18" charset="0"/>
+                          </a:rPr>
+                          <m:t>𝑢</m:t>
+                        </m:r>
+                      </m:e>
+                      <m:sub>
+                        <m:r>
+                          <a:rPr lang="en-US" altLang="zh-CN" sz="2400" i="1">
+                            <a:latin typeface="Cambria Math" panose="02040503050406030204" pitchFamily="18" charset="0"/>
+                            <a:cs typeface="Times New Roman" panose="02020603050405020304" pitchFamily="18" charset="0"/>
+                          </a:rPr>
+                          <m:t>2</m:t>
+                        </m:r>
+                      </m:sub>
+                    </m:sSub>
+                    <m:r>
+                      <a:rPr lang="en-US" altLang="zh-CN" sz="2400" i="1">
+                        <a:latin typeface="Cambria Math" panose="02040503050406030204" pitchFamily="18" charset="0"/>
+                        <a:cs typeface="Times New Roman" panose="02020603050405020304" pitchFamily="18" charset="0"/>
+                      </a:rPr>
+                      <m:t>=−</m:t>
+                    </m:r>
+                    <m:sSub>
+                      <m:sSubPr>
+                        <m:ctrlPr>
+                          <a:rPr lang="en-US" altLang="zh-CN" sz="2400" i="1">
+                            <a:latin typeface="Cambria Math" panose="02040503050406030204" pitchFamily="18" charset="0"/>
+                            <a:cs typeface="Times New Roman" panose="02020603050405020304" pitchFamily="18" charset="0"/>
+                          </a:rPr>
+                        </m:ctrlPr>
+                      </m:sSubPr>
+                      <m:e>
+                        <m:acc>
+                          <m:accPr>
+                            <m:chr m:val="̅"/>
+                            <m:ctrlPr>
+                              <a:rPr lang="en-US" altLang="zh-CN" sz="2400" i="1">
+                                <a:latin typeface="Cambria Math" panose="02040503050406030204" pitchFamily="18" charset="0"/>
+                                <a:cs typeface="Times New Roman" panose="02020603050405020304" pitchFamily="18" charset="0"/>
+                              </a:rPr>
+                            </m:ctrlPr>
+                          </m:accPr>
+                          <m:e>
+                            <m:r>
+                              <a:rPr lang="en-US" altLang="zh-CN" sz="2400" i="1">
+                                <a:latin typeface="Cambria Math" panose="02040503050406030204" pitchFamily="18" charset="0"/>
+                                <a:cs typeface="Times New Roman" panose="02020603050405020304" pitchFamily="18" charset="0"/>
+                              </a:rPr>
+                              <m:t>𝑘</m:t>
+                            </m:r>
+                          </m:e>
+                        </m:acc>
+                      </m:e>
+                      <m:sub>
+                        <m:r>
+                          <a:rPr lang="en-US" altLang="zh-CN" sz="2400" i="1">
+                            <a:latin typeface="Cambria Math" panose="02040503050406030204" pitchFamily="18" charset="0"/>
+                            <a:cs typeface="Times New Roman" panose="02020603050405020304" pitchFamily="18" charset="0"/>
+                          </a:rPr>
+                          <m:t>2</m:t>
+                        </m:r>
+                      </m:sub>
+                    </m:sSub>
+                    <m:sSub>
+                      <m:sSubPr>
+                        <m:ctrlPr>
+                          <a:rPr lang="en-US" altLang="zh-CN" sz="2400" i="1">
+                            <a:latin typeface="Cambria Math" panose="02040503050406030204" pitchFamily="18" charset="0"/>
+                            <a:cs typeface="Times New Roman" panose="02020603050405020304" pitchFamily="18" charset="0"/>
+                          </a:rPr>
+                        </m:ctrlPr>
+                      </m:sSubPr>
+                      <m:e>
+                        <m:r>
+                          <a:rPr lang="en-US" altLang="zh-CN" sz="2400" i="1">
+                            <a:latin typeface="Cambria Math" panose="02040503050406030204" pitchFamily="18" charset="0"/>
+                            <a:cs typeface="Times New Roman" panose="02020603050405020304" pitchFamily="18" charset="0"/>
+                          </a:rPr>
+                          <m:t>𝑣</m:t>
+                        </m:r>
+                      </m:e>
+                      <m:sub>
+                        <m:r>
+                          <a:rPr lang="en-US" altLang="zh-CN" sz="2400" i="1">
+                            <a:latin typeface="Cambria Math" panose="02040503050406030204" pitchFamily="18" charset="0"/>
+                            <a:cs typeface="Times New Roman" panose="02020603050405020304" pitchFamily="18" charset="0"/>
+                          </a:rPr>
+                          <m:t>𝑑</m:t>
+                        </m:r>
+                      </m:sub>
+                    </m:sSub>
+                    <m:f>
+                      <m:fPr>
+                        <m:ctrlPr>
+                          <a:rPr lang="en-US" altLang="zh-CN" sz="2400" i="1">
+                            <a:latin typeface="Cambria Math" panose="02040503050406030204" pitchFamily="18" charset="0"/>
+                            <a:cs typeface="Times New Roman" panose="02020603050405020304" pitchFamily="18" charset="0"/>
+                          </a:rPr>
+                        </m:ctrlPr>
+                      </m:fPr>
+                      <m:num>
+                        <m:func>
+                          <m:funcPr>
+                            <m:ctrlPr>
+                              <a:rPr lang="en-US" altLang="zh-CN" sz="2400" i="1">
+                                <a:latin typeface="Cambria Math" panose="02040503050406030204" pitchFamily="18" charset="0"/>
+                                <a:cs typeface="Times New Roman" panose="02020603050405020304" pitchFamily="18" charset="0"/>
+                              </a:rPr>
+                            </m:ctrlPr>
+                          </m:funcPr>
+                          <m:fName>
+                            <m:r>
+                              <m:rPr>
+                                <m:sty m:val="p"/>
+                              </m:rPr>
+                              <a:rPr lang="en-US" altLang="zh-CN" sz="2400">
+                                <a:latin typeface="Cambria Math" panose="02040503050406030204" pitchFamily="18" charset="0"/>
+                                <a:cs typeface="Times New Roman" panose="02020603050405020304" pitchFamily="18" charset="0"/>
+                              </a:rPr>
+                              <m:t>sin</m:t>
+                            </m:r>
+                          </m:fName>
+                          <m:e>
+                            <m:sSub>
+                              <m:sSubPr>
+                                <m:ctrlPr>
+                                  <a:rPr lang="en-US" altLang="zh-CN" sz="2400" i="1">
+                                    <a:latin typeface="Cambria Math" panose="02040503050406030204" pitchFamily="18" charset="0"/>
+                                    <a:cs typeface="Times New Roman" panose="02020603050405020304" pitchFamily="18" charset="0"/>
+                                  </a:rPr>
+                                </m:ctrlPr>
+                              </m:sSubPr>
+                              <m:e>
+                                <m:r>
+                                  <a:rPr lang="en-US" altLang="zh-CN" sz="2400" i="1">
+                                    <a:latin typeface="Cambria Math" panose="02040503050406030204" pitchFamily="18" charset="0"/>
+                                    <a:cs typeface="Times New Roman" panose="02020603050405020304" pitchFamily="18" charset="0"/>
+                                  </a:rPr>
+                                  <m:t>𝑒</m:t>
+                                </m:r>
+                              </m:e>
+                              <m:sub>
+                                <m:r>
+                                  <a:rPr lang="en-US" altLang="zh-CN" sz="2400" i="1">
+                                    <a:latin typeface="Cambria Math" panose="02040503050406030204" pitchFamily="18" charset="0"/>
+                                    <a:cs typeface="Times New Roman" panose="02020603050405020304" pitchFamily="18" charset="0"/>
+                                  </a:rPr>
+                                  <m:t>3</m:t>
+                                </m:r>
+                              </m:sub>
+                            </m:sSub>
+                          </m:e>
+                        </m:func>
+                      </m:num>
+                      <m:den>
+                        <m:sSub>
+                          <m:sSubPr>
+                            <m:ctrlPr>
+                              <a:rPr lang="en-US" altLang="zh-CN" sz="2400" i="1">
+                                <a:latin typeface="Cambria Math" panose="02040503050406030204" pitchFamily="18" charset="0"/>
+                                <a:cs typeface="Times New Roman" panose="02020603050405020304" pitchFamily="18" charset="0"/>
+                              </a:rPr>
+                            </m:ctrlPr>
+                          </m:sSubPr>
+                          <m:e>
+                            <m:r>
+                              <a:rPr lang="en-US" altLang="zh-CN" sz="2400" i="1">
+                                <a:latin typeface="Cambria Math" panose="02040503050406030204" pitchFamily="18" charset="0"/>
+                                <a:cs typeface="Times New Roman" panose="02020603050405020304" pitchFamily="18" charset="0"/>
+                              </a:rPr>
+                              <m:t>𝑒</m:t>
+                            </m:r>
+                          </m:e>
+                          <m:sub>
+                            <m:r>
+                              <a:rPr lang="en-US" altLang="zh-CN" sz="2400" i="1">
+                                <a:latin typeface="Cambria Math" panose="02040503050406030204" pitchFamily="18" charset="0"/>
+                                <a:cs typeface="Times New Roman" panose="02020603050405020304" pitchFamily="18" charset="0"/>
+                              </a:rPr>
+                              <m:t>3</m:t>
+                            </m:r>
+                          </m:sub>
+                        </m:sSub>
+                      </m:den>
+                    </m:f>
+                    <m:sSub>
+                      <m:sSubPr>
+                        <m:ctrlPr>
+                          <a:rPr lang="en-US" altLang="zh-CN" sz="2400" i="1">
+                            <a:latin typeface="Cambria Math" panose="02040503050406030204" pitchFamily="18" charset="0"/>
+                            <a:cs typeface="Times New Roman" panose="02020603050405020304" pitchFamily="18" charset="0"/>
+                          </a:rPr>
+                        </m:ctrlPr>
+                      </m:sSubPr>
+                      <m:e>
+                        <m:r>
+                          <a:rPr lang="en-US" altLang="zh-CN" sz="2400" i="1">
+                            <a:latin typeface="Cambria Math" panose="02040503050406030204" pitchFamily="18" charset="0"/>
+                            <a:cs typeface="Times New Roman" panose="02020603050405020304" pitchFamily="18" charset="0"/>
+                          </a:rPr>
+                          <m:t>𝑒</m:t>
+                        </m:r>
+                      </m:e>
+                      <m:sub>
+                        <m:r>
+                          <a:rPr lang="en-US" altLang="zh-CN" sz="2400" i="1">
+                            <a:latin typeface="Cambria Math" panose="02040503050406030204" pitchFamily="18" charset="0"/>
+                            <a:cs typeface="Times New Roman" panose="02020603050405020304" pitchFamily="18" charset="0"/>
+                          </a:rPr>
+                          <m:t>2</m:t>
+                        </m:r>
+                      </m:sub>
+                    </m:sSub>
+                    <m:r>
+                      <a:rPr lang="en-US" altLang="zh-CN" sz="2400" i="1">
+                        <a:latin typeface="Cambria Math" panose="02040503050406030204" pitchFamily="18" charset="0"/>
+                        <a:cs typeface="Times New Roman" panose="02020603050405020304" pitchFamily="18" charset="0"/>
+                      </a:rPr>
+                      <m:t>−</m:t>
+                    </m:r>
+                    <m:sSub>
+                      <m:sSubPr>
+                        <m:ctrlPr>
+                          <a:rPr lang="en-US" altLang="zh-CN" sz="2400" i="1">
+                            <a:latin typeface="Cambria Math" panose="02040503050406030204" pitchFamily="18" charset="0"/>
+                            <a:cs typeface="Times New Roman" panose="02020603050405020304" pitchFamily="18" charset="0"/>
+                          </a:rPr>
+                        </m:ctrlPr>
+                      </m:sSubPr>
+                      <m:e>
+                        <m:r>
+                          <a:rPr lang="en-US" altLang="zh-CN" sz="2400" i="1">
+                            <a:latin typeface="Cambria Math" panose="02040503050406030204" pitchFamily="18" charset="0"/>
+                            <a:cs typeface="Times New Roman" panose="02020603050405020304" pitchFamily="18" charset="0"/>
+                          </a:rPr>
+                          <m:t>𝑘</m:t>
+                        </m:r>
+                      </m:e>
+                      <m:sub>
+                        <m:r>
+                          <a:rPr lang="en-US" altLang="zh-CN" sz="2400" i="1">
+                            <a:latin typeface="Cambria Math" panose="02040503050406030204" pitchFamily="18" charset="0"/>
+                            <a:cs typeface="Times New Roman" panose="02020603050405020304" pitchFamily="18" charset="0"/>
+                          </a:rPr>
+                          <m:t>3</m:t>
+                        </m:r>
+                      </m:sub>
+                    </m:sSub>
+                    <m:d>
+                      <m:dPr>
+                        <m:ctrlPr>
+                          <a:rPr lang="en-US" altLang="zh-CN" sz="2400" i="1">
+                            <a:latin typeface="Cambria Math" panose="02040503050406030204" pitchFamily="18" charset="0"/>
+                            <a:cs typeface="Times New Roman" panose="02020603050405020304" pitchFamily="18" charset="0"/>
+                          </a:rPr>
+                        </m:ctrlPr>
+                      </m:dPr>
+                      <m:e>
+                        <m:sSub>
+                          <m:sSubPr>
+                            <m:ctrlPr>
+                              <a:rPr lang="en-US" altLang="zh-CN" sz="2400" i="1">
+                                <a:latin typeface="Cambria Math" panose="02040503050406030204" pitchFamily="18" charset="0"/>
+                                <a:cs typeface="Times New Roman" panose="02020603050405020304" pitchFamily="18" charset="0"/>
+                              </a:rPr>
+                            </m:ctrlPr>
+                          </m:sSubPr>
+                          <m:e>
+                            <m:r>
+                              <a:rPr lang="en-US" altLang="zh-CN" sz="2400" i="1">
+                                <a:latin typeface="Cambria Math" panose="02040503050406030204" pitchFamily="18" charset="0"/>
+                                <a:cs typeface="Times New Roman" panose="02020603050405020304" pitchFamily="18" charset="0"/>
+                              </a:rPr>
+                              <m:t>𝑣</m:t>
+                            </m:r>
+                          </m:e>
+                          <m:sub>
+                            <m:r>
+                              <a:rPr lang="en-US" altLang="zh-CN" sz="2400" i="1">
+                                <a:latin typeface="Cambria Math" panose="02040503050406030204" pitchFamily="18" charset="0"/>
+                                <a:cs typeface="Times New Roman" panose="02020603050405020304" pitchFamily="18" charset="0"/>
+                              </a:rPr>
+                              <m:t>𝑑</m:t>
+                            </m:r>
+                          </m:sub>
+                        </m:sSub>
+                        <m:r>
+                          <a:rPr lang="en-US" altLang="zh-CN" sz="2400" b="0" i="1" smtClean="0">
+                            <a:latin typeface="Cambria Math" panose="02040503050406030204" pitchFamily="18" charset="0"/>
+                            <a:cs typeface="Times New Roman" panose="02020603050405020304" pitchFamily="18" charset="0"/>
+                          </a:rPr>
+                          <m:t>,</m:t>
+                        </m:r>
+                        <m:sSub>
+                          <m:sSubPr>
+                            <m:ctrlPr>
+                              <a:rPr lang="en-US" altLang="zh-CN" sz="2400" i="1">
+                                <a:latin typeface="Cambria Math" panose="02040503050406030204" pitchFamily="18" charset="0"/>
+                                <a:cs typeface="Times New Roman" panose="02020603050405020304" pitchFamily="18" charset="0"/>
+                              </a:rPr>
+                            </m:ctrlPr>
+                          </m:sSubPr>
+                          <m:e>
+                            <m:r>
+                              <a:rPr lang="en-US" altLang="zh-CN" sz="2400" i="1">
+                                <a:latin typeface="Cambria Math" panose="02040503050406030204" pitchFamily="18" charset="0"/>
+                                <a:cs typeface="Times New Roman" panose="02020603050405020304" pitchFamily="18" charset="0"/>
+                              </a:rPr>
+                              <m:t>𝜔</m:t>
+                            </m:r>
+                          </m:e>
+                          <m:sub>
+                            <m:r>
+                              <a:rPr lang="en-US" altLang="zh-CN" sz="2400" i="1">
+                                <a:latin typeface="Cambria Math" panose="02040503050406030204" pitchFamily="18" charset="0"/>
+                                <a:cs typeface="Times New Roman" panose="02020603050405020304" pitchFamily="18" charset="0"/>
+                              </a:rPr>
+                              <m:t>𝑑</m:t>
+                            </m:r>
+                          </m:sub>
+                        </m:sSub>
+                      </m:e>
+                    </m:d>
+                    <m:sSub>
+                      <m:sSubPr>
+                        <m:ctrlPr>
+                          <a:rPr lang="en-US" altLang="zh-CN" sz="2400" i="1">
+                            <a:latin typeface="Cambria Math" panose="02040503050406030204" pitchFamily="18" charset="0"/>
+                            <a:cs typeface="Times New Roman" panose="02020603050405020304" pitchFamily="18" charset="0"/>
+                          </a:rPr>
+                        </m:ctrlPr>
+                      </m:sSubPr>
+                      <m:e>
+                        <m:r>
+                          <a:rPr lang="en-US" altLang="zh-CN" sz="2400" i="1">
+                            <a:latin typeface="Cambria Math" panose="02040503050406030204" pitchFamily="18" charset="0"/>
+                            <a:cs typeface="Times New Roman" panose="02020603050405020304" pitchFamily="18" charset="0"/>
+                          </a:rPr>
+                          <m:t>𝑒</m:t>
+                        </m:r>
+                      </m:e>
+                      <m:sub>
+                        <m:r>
+                          <a:rPr lang="en-US" altLang="zh-CN" sz="2400" i="1">
+                            <a:latin typeface="Cambria Math" panose="02040503050406030204" pitchFamily="18" charset="0"/>
+                            <a:cs typeface="Times New Roman" panose="02020603050405020304" pitchFamily="18" charset="0"/>
+                          </a:rPr>
+                          <m:t>3</m:t>
+                        </m:r>
+                      </m:sub>
+                    </m:sSub>
+                  </m:oMath>
+                </a14:m>
+                <a:endParaRPr lang="en-US" altLang="zh-CN" sz="2400" dirty="0">
+                  <a:latin typeface="Times New Roman" panose="02020603050405020304" pitchFamily="18" charset="0"/>
+                  <a:cs typeface="Times New Roman" panose="02020603050405020304" pitchFamily="18" charset="0"/>
+                </a:endParaRPr>
+              </a:p>
+              <a:p>
+                <a:pPr marL="342900" indent="-342900">
+                  <a:buFont typeface="Arial" panose="020B0604020202020204" pitchFamily="34" charset="0"/>
+                  <a:buChar char="•"/>
+                </a:pPr>
+                <a:endParaRPr lang="en-US" altLang="zh-CN" sz="2400" dirty="0">
+                  <a:latin typeface="Times New Roman" panose="02020603050405020304" pitchFamily="18" charset="0"/>
+                  <a:cs typeface="Times New Roman" panose="02020603050405020304" pitchFamily="18" charset="0"/>
+                </a:endParaRPr>
+              </a:p>
+              <a:p>
+                <a:pPr algn="ctr"/>
+                <a:endParaRPr lang="en-US" altLang="zh-CN" sz="2400" dirty="0">
+                  <a:latin typeface="Times New Roman" panose="02020603050405020304" pitchFamily="18" charset="0"/>
+                  <a:cs typeface="Times New Roman" panose="02020603050405020304" pitchFamily="18" charset="0"/>
+                </a:endParaRPr>
+              </a:p>
+              <a:p>
+                <a:pPr marL="342900" indent="-342900">
+                  <a:buFont typeface="Arial" panose="020B0604020202020204" pitchFamily="34" charset="0"/>
+                  <a:buChar char="•"/>
+                </a:pPr>
+                <a:endParaRPr lang="en-US" altLang="zh-CN" sz="2400" dirty="0">
+                  <a:latin typeface="Times New Roman" panose="02020603050405020304" pitchFamily="18" charset="0"/>
+                  <a:cs typeface="Times New Roman" panose="02020603050405020304" pitchFamily="18" charset="0"/>
+                </a:endParaRPr>
+              </a:p>
+              <a:p>
+                <a:pPr>
+                  <a:lnSpc>
+                    <a:spcPct val="150000"/>
+                  </a:lnSpc>
+                </a:pPr>
+                <a:r>
+                  <a:rPr lang="en-US" sz="3000" dirty="0">
+                    <a:latin typeface="Times New Roman" panose="02020603050405020304" pitchFamily="18" charset="0"/>
+                    <a:cs typeface="Times New Roman" panose="02020603050405020304" pitchFamily="18" charset="0"/>
+                  </a:rPr>
+                  <a:t>  </a:t>
+                </a:r>
+              </a:p>
+            </p:txBody>
+          </p:sp>
+        </mc:Choice>
+        <mc:Fallback>
+          <p:sp>
+            <p:nvSpPr>
+              <p:cNvPr id="5" name="TextBox 4">
+                <a:extLst>
+                  <a:ext uri="{FF2B5EF4-FFF2-40B4-BE49-F238E27FC236}">
+                    <a16:creationId xmlns:a16="http://schemas.microsoft.com/office/drawing/2014/main" id="{0636AE21-2F07-45C7-921D-11E33554DE10}"/>
+                  </a:ext>
+                </a:extLst>
+              </p:cNvPr>
+              <p:cNvSpPr txBox="1">
+                <a:spLocks noRot="1" noChangeAspect="1" noMove="1" noResize="1" noEditPoints="1" noAdjustHandles="1" noChangeArrowheads="1" noChangeShapeType="1" noTextEdit="1"/>
+              </p:cNvSpPr>
+              <p:nvPr/>
+            </p:nvSpPr>
+            <p:spPr>
+              <a:xfrm>
+                <a:off x="744286" y="4443677"/>
+                <a:ext cx="6505056" cy="3870034"/>
+              </a:xfrm>
+              <a:prstGeom prst="rect">
+                <a:avLst/>
+              </a:prstGeom>
+              <a:blipFill>
+                <a:blip r:embed="rId4"/>
+                <a:stretch>
+                  <a:fillRect l="-1218" t="-1260"/>
+                </a:stretch>
+              </a:blipFill>
+            </p:spPr>
+            <p:txBody>
+              <a:bodyPr/>
+              <a:lstStyle/>
+              <a:p>
+                <a:r>
+                  <a:rPr lang="zh-CN" altLang="en-US">
+                    <a:noFill/>
+                  </a:rPr>
+                  <a:t> </a:t>
+                </a:r>
+              </a:p>
+            </p:txBody>
+          </p:sp>
+        </mc:Fallback>
+      </mc:AlternateContent>
+    </p:spTree>
+    <p:extLst>
+      <p:ext uri="{BB962C8B-B14F-4D97-AF65-F5344CB8AC3E}">
+        <p14:creationId xmlns:p14="http://schemas.microsoft.com/office/powerpoint/2010/main" val="4114560485"/>
+      </p:ext>
+    </p:extLst>
+  </p:cSld>
+  <p:clrMapOvr>
+    <a:masterClrMapping/>
+  </p:clrMapOvr>
+</p:sld>
+</file>
+
+<file path=ppt/slides/slide15.xml><?xml version="1.0" encoding="utf-8"?>
+<p:sld xmlns:a="http://schemas.openxmlformats.org/drawingml/2006/main" xmlns:r="http://schemas.openxmlformats.org/officeDocument/2006/relationships" xmlns:p="http://schemas.openxmlformats.org/presentationml/2006/main">
+  <p:cSld>
+    <p:spTree>
+      <p:nvGrpSpPr>
+        <p:cNvPr id="1" name=""/>
+        <p:cNvGrpSpPr/>
+        <p:nvPr/>
+      </p:nvGrpSpPr>
+      <p:grpSpPr>
+        <a:xfrm>
+          <a:off x="0" y="0"/>
+          <a:ext cx="0" cy="0"/>
+          <a:chOff x="0" y="0"/>
+          <a:chExt cx="0" cy="0"/>
+        </a:xfrm>
+      </p:grpSpPr>
+      <p:sp>
+        <p:nvSpPr>
+          <p:cNvPr id="2" name="Title 1">
+            <a:extLst>
+              <a:ext uri="{FF2B5EF4-FFF2-40B4-BE49-F238E27FC236}">
+                <a16:creationId xmlns:a16="http://schemas.microsoft.com/office/drawing/2014/main" id="{95EF23C3-D0EE-4343-A833-8D451370355E}"/>
+              </a:ext>
+            </a:extLst>
+          </p:cNvPr>
+          <p:cNvSpPr>
+            <a:spLocks noGrp="1"/>
+          </p:cNvSpPr>
+          <p:nvPr>
+            <p:ph type="title"/>
+          </p:nvPr>
+        </p:nvSpPr>
+        <p:spPr/>
+        <p:txBody>
+          <a:bodyPr/>
+          <a:lstStyle/>
+          <a:p>
+            <a:r>
+              <a:rPr lang="en-US" altLang="zh-CN" dirty="0">
+                <a:latin typeface="Times New Roman" panose="02020603050405020304" pitchFamily="18" charset="0"/>
+                <a:cs typeface="Times New Roman" panose="02020603050405020304" pitchFamily="18" charset="0"/>
+              </a:rPr>
+              <a:t>Multi-agent Simulation</a:t>
+            </a:r>
+            <a:endParaRPr lang="zh-CN" altLang="en-US" dirty="0"/>
+          </a:p>
+        </p:txBody>
+      </p:sp>
+      <p:pic>
+        <p:nvPicPr>
+          <p:cNvPr id="11" name="Content Placeholder 10" descr="A picture containing diagram&#10;&#10;Description automatically generated">
+            <a:extLst>
+              <a:ext uri="{FF2B5EF4-FFF2-40B4-BE49-F238E27FC236}">
+                <a16:creationId xmlns:a16="http://schemas.microsoft.com/office/drawing/2014/main" id="{10532BF2-B3E4-4584-866C-DE09CC7EE3B8}"/>
+              </a:ext>
+            </a:extLst>
+          </p:cNvPr>
+          <p:cNvPicPr>
+            <a:picLocks noGrp="1" noChangeAspect="1"/>
+          </p:cNvPicPr>
+          <p:nvPr>
+            <p:ph idx="1"/>
+          </p:nvPr>
+        </p:nvPicPr>
+        <p:blipFill>
+          <a:blip r:embed="rId2">
+            <a:extLst>
+              <a:ext uri="{28A0092B-C50C-407E-A947-70E740481C1C}">
+                <a14:useLocalDpi xmlns:a14="http://schemas.microsoft.com/office/drawing/2010/main" val="0"/>
+              </a:ext>
+            </a:extLst>
+          </a:blip>
+          <a:stretch>
+            <a:fillRect/>
+          </a:stretch>
+        </p:blipFill>
+        <p:spPr>
+          <a:xfrm>
+            <a:off x="267479" y="1391236"/>
+            <a:ext cx="3993911" cy="2995433"/>
+          </a:xfrm>
+        </p:spPr>
+      </p:pic>
+      <p:pic>
+        <p:nvPicPr>
+          <p:cNvPr id="13" name="Picture 12" descr="Chart&#10;&#10;Description automatically generated with medium confidence">
+            <a:extLst>
+              <a:ext uri="{FF2B5EF4-FFF2-40B4-BE49-F238E27FC236}">
+                <a16:creationId xmlns:a16="http://schemas.microsoft.com/office/drawing/2014/main" id="{2545C72A-F9D8-4B70-BFCC-527878355A71}"/>
+              </a:ext>
+            </a:extLst>
+          </p:cNvPr>
+          <p:cNvPicPr>
+            <a:picLocks noChangeAspect="1"/>
+          </p:cNvPicPr>
+          <p:nvPr/>
+        </p:nvPicPr>
+        <p:blipFill>
+          <a:blip r:embed="rId3">
+            <a:extLst>
+              <a:ext uri="{28A0092B-C50C-407E-A947-70E740481C1C}">
+                <a14:useLocalDpi xmlns:a14="http://schemas.microsoft.com/office/drawing/2010/main" val="0"/>
+              </a:ext>
+            </a:extLst>
+          </a:blip>
+          <a:stretch>
+            <a:fillRect/>
+          </a:stretch>
+        </p:blipFill>
+        <p:spPr>
+          <a:xfrm>
+            <a:off x="4103242" y="1391236"/>
+            <a:ext cx="3993911" cy="2995433"/>
+          </a:xfrm>
+          <a:prstGeom prst="rect">
+            <a:avLst/>
+          </a:prstGeom>
+        </p:spPr>
+      </p:pic>
+      <p:sp>
+        <p:nvSpPr>
+          <p:cNvPr id="14" name="TextBox 13">
+            <a:extLst>
+              <a:ext uri="{FF2B5EF4-FFF2-40B4-BE49-F238E27FC236}">
+                <a16:creationId xmlns:a16="http://schemas.microsoft.com/office/drawing/2014/main" id="{4DC749DE-3F72-4125-87FC-BD8DC01C77F7}"/>
+              </a:ext>
+            </a:extLst>
+          </p:cNvPr>
+          <p:cNvSpPr txBox="1"/>
+          <p:nvPr/>
+        </p:nvSpPr>
+        <p:spPr>
+          <a:xfrm>
+            <a:off x="1200538" y="4646643"/>
+            <a:ext cx="10723983" cy="1200329"/>
+          </a:xfrm>
+          <a:prstGeom prst="rect">
+            <a:avLst/>
+          </a:prstGeom>
+          <a:noFill/>
+        </p:spPr>
+        <p:txBody>
+          <a:bodyPr wrap="square" rtlCol="0">
+            <a:spAutoFit/>
+          </a:bodyPr>
+          <a:lstStyle/>
+          <a:p>
+            <a:pPr marL="285750" indent="-285750">
+              <a:buFont typeface="Arial" panose="020B0604020202020204" pitchFamily="34" charset="0"/>
+              <a:buChar char="•"/>
+            </a:pPr>
+            <a:r>
+              <a:rPr lang="en-US" altLang="zh-CN" dirty="0">
+                <a:latin typeface="Times New Roman" panose="02020603050405020304" pitchFamily="18" charset="0"/>
+                <a:cs typeface="Times New Roman" panose="02020603050405020304" pitchFamily="18" charset="0"/>
+              </a:rPr>
+              <a:t>The result of multi-agent trajectory following result, we predefined the trajectories for each agent. And we design a control barrier function to guarantee the safe distance between each agents. The first figure is when no CBF is working and the second figure is a conservative CBF which using Euclidean distance as the CBF. And the last figure is the least conservative CBF constructed by the SOS programming.</a:t>
+            </a:r>
+            <a:endParaRPr lang="zh-CN" altLang="en-US" dirty="0">
+              <a:latin typeface="Times New Roman" panose="02020603050405020304" pitchFamily="18" charset="0"/>
+              <a:cs typeface="Times New Roman" panose="02020603050405020304" pitchFamily="18" charset="0"/>
+            </a:endParaRPr>
+          </a:p>
+        </p:txBody>
+      </p:sp>
+      <p:pic>
+        <p:nvPicPr>
+          <p:cNvPr id="16" name="Picture 15" descr="Chart&#10;&#10;Description automatically generated">
+            <a:extLst>
+              <a:ext uri="{FF2B5EF4-FFF2-40B4-BE49-F238E27FC236}">
+                <a16:creationId xmlns:a16="http://schemas.microsoft.com/office/drawing/2014/main" id="{4143BF14-F02F-475F-A345-4C8312E3E2CF}"/>
+              </a:ext>
+            </a:extLst>
+          </p:cNvPr>
+          <p:cNvPicPr>
+            <a:picLocks noChangeAspect="1"/>
+          </p:cNvPicPr>
+          <p:nvPr/>
+        </p:nvPicPr>
+        <p:blipFill>
+          <a:blip r:embed="rId4">
+            <a:extLst>
+              <a:ext uri="{28A0092B-C50C-407E-A947-70E740481C1C}">
+                <a14:useLocalDpi xmlns:a14="http://schemas.microsoft.com/office/drawing/2010/main" val="0"/>
+              </a:ext>
+            </a:extLst>
+          </a:blip>
+          <a:stretch>
+            <a:fillRect/>
+          </a:stretch>
+        </p:blipFill>
+        <p:spPr>
+          <a:xfrm>
+            <a:off x="7930609" y="1391235"/>
+            <a:ext cx="3993912" cy="2995434"/>
+          </a:xfrm>
+          <a:prstGeom prst="rect">
+            <a:avLst/>
+          </a:prstGeom>
+        </p:spPr>
+      </p:pic>
+    </p:spTree>
+    <p:extLst>
+      <p:ext uri="{BB962C8B-B14F-4D97-AF65-F5344CB8AC3E}">
+        <p14:creationId xmlns:p14="http://schemas.microsoft.com/office/powerpoint/2010/main" val="2523936848"/>
+      </p:ext>
+    </p:extLst>
+  </p:cSld>
+  <p:clrMapOvr>
+    <a:masterClrMapping/>
+  </p:clrMapOvr>
+</p:sld>
+</file>
+
+<file path=ppt/slides/slide16.xml><?xml version="1.0" encoding="utf-8"?>
+<p:sld xmlns:a="http://schemas.openxmlformats.org/drawingml/2006/main" xmlns:r="http://schemas.openxmlformats.org/officeDocument/2006/relationships" xmlns:p="http://schemas.openxmlformats.org/presentationml/2006/main">
+  <p:cSld>
+    <p:spTree>
+      <p:nvGrpSpPr>
+        <p:cNvPr id="1" name=""/>
+        <p:cNvGrpSpPr/>
+        <p:nvPr/>
+      </p:nvGrpSpPr>
+      <p:grpSpPr>
+        <a:xfrm>
+          <a:off x="0" y="0"/>
+          <a:ext cx="0" cy="0"/>
+          <a:chOff x="0" y="0"/>
+          <a:chExt cx="0" cy="0"/>
+        </a:xfrm>
+      </p:grpSpPr>
+      <p:sp>
+        <p:nvSpPr>
+          <p:cNvPr id="2" name="Title 1">
+            <a:extLst>
+              <a:ext uri="{FF2B5EF4-FFF2-40B4-BE49-F238E27FC236}">
+                <a16:creationId xmlns:a16="http://schemas.microsoft.com/office/drawing/2014/main" id="{95EF23C3-D0EE-4343-A833-8D451370355E}"/>
+              </a:ext>
+            </a:extLst>
+          </p:cNvPr>
+          <p:cNvSpPr>
+            <a:spLocks noGrp="1"/>
+          </p:cNvSpPr>
+          <p:nvPr>
+            <p:ph type="title"/>
+          </p:nvPr>
+        </p:nvSpPr>
+        <p:spPr/>
+        <p:txBody>
+          <a:bodyPr/>
+          <a:lstStyle/>
+          <a:p>
+            <a:r>
+              <a:rPr lang="en-US" altLang="zh-CN" dirty="0">
+                <a:latin typeface="Times New Roman" panose="02020603050405020304" pitchFamily="18" charset="0"/>
+                <a:cs typeface="Times New Roman" panose="02020603050405020304" pitchFamily="18" charset="0"/>
+              </a:rPr>
+              <a:t>Multi-agent Simulation</a:t>
+            </a:r>
+            <a:endParaRPr lang="zh-CN" altLang="en-US" dirty="0"/>
+          </a:p>
+        </p:txBody>
+      </p:sp>
+      <p:pic>
+        <p:nvPicPr>
+          <p:cNvPr id="11" name="Content Placeholder 10" descr="A picture containing diagram&#10;&#10;Description automatically generated">
+            <a:extLst>
+              <a:ext uri="{FF2B5EF4-FFF2-40B4-BE49-F238E27FC236}">
+                <a16:creationId xmlns:a16="http://schemas.microsoft.com/office/drawing/2014/main" id="{10532BF2-B3E4-4584-866C-DE09CC7EE3B8}"/>
+              </a:ext>
+            </a:extLst>
+          </p:cNvPr>
+          <p:cNvPicPr>
+            <a:picLocks noGrp="1" noChangeAspect="1"/>
+          </p:cNvPicPr>
+          <p:nvPr>
+            <p:ph idx="1"/>
+          </p:nvPr>
+        </p:nvPicPr>
+        <p:blipFill>
+          <a:blip r:embed="rId3">
+            <a:extLst>
+              <a:ext uri="{28A0092B-C50C-407E-A947-70E740481C1C}">
+                <a14:useLocalDpi xmlns:a14="http://schemas.microsoft.com/office/drawing/2010/main" val="0"/>
+              </a:ext>
+            </a:extLst>
+          </a:blip>
+          <a:stretch>
+            <a:fillRect/>
+          </a:stretch>
+        </p:blipFill>
+        <p:spPr>
+          <a:xfrm>
+            <a:off x="267479" y="1391236"/>
+            <a:ext cx="3993911" cy="2995433"/>
+          </a:xfrm>
+        </p:spPr>
+      </p:pic>
+      <p:pic>
+        <p:nvPicPr>
+          <p:cNvPr id="13" name="Picture 12" descr="Chart&#10;&#10;Description automatically generated with medium confidence">
+            <a:extLst>
+              <a:ext uri="{FF2B5EF4-FFF2-40B4-BE49-F238E27FC236}">
+                <a16:creationId xmlns:a16="http://schemas.microsoft.com/office/drawing/2014/main" id="{2545C72A-F9D8-4B70-BFCC-527878355A71}"/>
+              </a:ext>
+            </a:extLst>
+          </p:cNvPr>
+          <p:cNvPicPr>
+            <a:picLocks noChangeAspect="1"/>
+          </p:cNvPicPr>
+          <p:nvPr/>
+        </p:nvPicPr>
+        <p:blipFill>
+          <a:blip r:embed="rId4">
+            <a:extLst>
+              <a:ext uri="{28A0092B-C50C-407E-A947-70E740481C1C}">
+                <a14:useLocalDpi xmlns:a14="http://schemas.microsoft.com/office/drawing/2010/main" val="0"/>
+              </a:ext>
+            </a:extLst>
+          </a:blip>
+          <a:stretch>
+            <a:fillRect/>
+          </a:stretch>
+        </p:blipFill>
+        <p:spPr>
+          <a:xfrm>
+            <a:off x="4103242" y="1391236"/>
+            <a:ext cx="3993911" cy="2995433"/>
+          </a:xfrm>
+          <a:prstGeom prst="rect">
+            <a:avLst/>
+          </a:prstGeom>
+        </p:spPr>
+      </p:pic>
+      <p:sp>
+        <p:nvSpPr>
+          <p:cNvPr id="14" name="TextBox 13">
+            <a:extLst>
+              <a:ext uri="{FF2B5EF4-FFF2-40B4-BE49-F238E27FC236}">
+                <a16:creationId xmlns:a16="http://schemas.microsoft.com/office/drawing/2014/main" id="{4DC749DE-3F72-4125-87FC-BD8DC01C77F7}"/>
+              </a:ext>
+            </a:extLst>
+          </p:cNvPr>
+          <p:cNvSpPr txBox="1"/>
+          <p:nvPr/>
+        </p:nvSpPr>
+        <p:spPr>
+          <a:xfrm>
+            <a:off x="1200538" y="4646643"/>
+            <a:ext cx="10723983" cy="1200329"/>
+          </a:xfrm>
+          <a:prstGeom prst="rect">
+            <a:avLst/>
+          </a:prstGeom>
+          <a:noFill/>
+        </p:spPr>
+        <p:txBody>
+          <a:bodyPr wrap="square" rtlCol="0">
+            <a:spAutoFit/>
+          </a:bodyPr>
+          <a:lstStyle/>
+          <a:p>
+            <a:pPr marL="285750" indent="-285750">
+              <a:buFont typeface="Arial" panose="020B0604020202020204" pitchFamily="34" charset="0"/>
+              <a:buChar char="•"/>
+            </a:pPr>
+            <a:r>
+              <a:rPr lang="en-US" altLang="zh-CN" dirty="0">
+                <a:latin typeface="Times New Roman" panose="02020603050405020304" pitchFamily="18" charset="0"/>
+                <a:cs typeface="Times New Roman" panose="02020603050405020304" pitchFamily="18" charset="0"/>
+              </a:rPr>
+              <a:t>The result of multi-agent trajectory following result, we predefined the trajectories for each agent. And we design a control barrier function to guarantee the safe distance between each agents. The first figure is when no CBF is working and the second figure is a conservative CBF which using Euclidean distance as the CBF. And the last figure is the least conservative CBF constructed by the SOS programming.</a:t>
+            </a:r>
+            <a:endParaRPr lang="zh-CN" altLang="en-US" dirty="0">
+              <a:latin typeface="Times New Roman" panose="02020603050405020304" pitchFamily="18" charset="0"/>
+              <a:cs typeface="Times New Roman" panose="02020603050405020304" pitchFamily="18" charset="0"/>
+            </a:endParaRPr>
+          </a:p>
+        </p:txBody>
+      </p:sp>
+      <p:pic>
+        <p:nvPicPr>
+          <p:cNvPr id="16" name="Picture 15" descr="Chart&#10;&#10;Description automatically generated">
+            <a:extLst>
+              <a:ext uri="{FF2B5EF4-FFF2-40B4-BE49-F238E27FC236}">
+                <a16:creationId xmlns:a16="http://schemas.microsoft.com/office/drawing/2014/main" id="{4143BF14-F02F-475F-A345-4C8312E3E2CF}"/>
+              </a:ext>
+            </a:extLst>
+          </p:cNvPr>
+          <p:cNvPicPr>
+            <a:picLocks noChangeAspect="1"/>
+          </p:cNvPicPr>
+          <p:nvPr/>
+        </p:nvPicPr>
+        <p:blipFill>
+          <a:blip r:embed="rId5">
+            <a:extLst>
+              <a:ext uri="{28A0092B-C50C-407E-A947-70E740481C1C}">
+                <a14:useLocalDpi xmlns:a14="http://schemas.microsoft.com/office/drawing/2010/main" val="0"/>
+              </a:ext>
+            </a:extLst>
+          </a:blip>
+          <a:stretch>
+            <a:fillRect/>
+          </a:stretch>
+        </p:blipFill>
+        <p:spPr>
+          <a:xfrm>
+            <a:off x="7930609" y="1391235"/>
+            <a:ext cx="3993912" cy="2995434"/>
+          </a:xfrm>
+          <a:prstGeom prst="rect">
+            <a:avLst/>
+          </a:prstGeom>
+        </p:spPr>
+      </p:pic>
+      <p:pic>
+        <p:nvPicPr>
+          <p:cNvPr id="4" name="Picture 3" descr="Chart&#10;&#10;Description automatically generated">
+            <a:extLst>
+              <a:ext uri="{FF2B5EF4-FFF2-40B4-BE49-F238E27FC236}">
+                <a16:creationId xmlns:a16="http://schemas.microsoft.com/office/drawing/2014/main" id="{8405ECC4-7307-4877-BF3C-59E4A0975AF4}"/>
+              </a:ext>
+            </a:extLst>
+          </p:cNvPr>
+          <p:cNvPicPr>
+            <a:picLocks noChangeAspect="1"/>
+          </p:cNvPicPr>
+          <p:nvPr/>
+        </p:nvPicPr>
+        <p:blipFill>
+          <a:blip r:embed="rId6">
+            <a:extLst>
+              <a:ext uri="{28A0092B-C50C-407E-A947-70E740481C1C}">
+                <a14:useLocalDpi xmlns:a14="http://schemas.microsoft.com/office/drawing/2010/main" val="0"/>
+              </a:ext>
+            </a:extLst>
+          </a:blip>
+          <a:stretch>
+            <a:fillRect/>
+          </a:stretch>
+        </p:blipFill>
+        <p:spPr>
+          <a:xfrm>
+            <a:off x="7918336" y="1547941"/>
+            <a:ext cx="3887961" cy="2915971"/>
+          </a:xfrm>
+          <a:prstGeom prst="rect">
+            <a:avLst/>
+          </a:prstGeom>
+        </p:spPr>
+      </p:pic>
+      <p:pic>
+        <p:nvPicPr>
+          <p:cNvPr id="6" name="Picture 5" descr="Chart&#10;&#10;Description automatically generated">
+            <a:extLst>
+              <a:ext uri="{FF2B5EF4-FFF2-40B4-BE49-F238E27FC236}">
+                <a16:creationId xmlns:a16="http://schemas.microsoft.com/office/drawing/2014/main" id="{FBF17B07-00F3-4D5C-B4D9-04269C1166CB}"/>
+              </a:ext>
+            </a:extLst>
+          </p:cNvPr>
+          <p:cNvPicPr>
+            <a:picLocks noChangeAspect="1"/>
+          </p:cNvPicPr>
+          <p:nvPr/>
+        </p:nvPicPr>
+        <p:blipFill>
+          <a:blip r:embed="rId7">
+            <a:extLst>
+              <a:ext uri="{28A0092B-C50C-407E-A947-70E740481C1C}">
+                <a14:useLocalDpi xmlns:a14="http://schemas.microsoft.com/office/drawing/2010/main" val="0"/>
+              </a:ext>
+            </a:extLst>
+          </a:blip>
+          <a:stretch>
+            <a:fillRect/>
+          </a:stretch>
+        </p:blipFill>
+        <p:spPr>
+          <a:xfrm>
+            <a:off x="4261390" y="1547943"/>
+            <a:ext cx="3875688" cy="2906766"/>
+          </a:xfrm>
+          <a:prstGeom prst="rect">
+            <a:avLst/>
+          </a:prstGeom>
+        </p:spPr>
+      </p:pic>
+      <p:cxnSp>
+        <p:nvCxnSpPr>
+          <p:cNvPr id="10" name="Straight Arrow Connector 9">
+            <a:extLst>
+              <a:ext uri="{FF2B5EF4-FFF2-40B4-BE49-F238E27FC236}">
+                <a16:creationId xmlns:a16="http://schemas.microsoft.com/office/drawing/2014/main" id="{A2329B85-AA7D-4D61-8613-2B77D5C65F9D}"/>
+              </a:ext>
+            </a:extLst>
+          </p:cNvPr>
+          <p:cNvCxnSpPr>
+            <a:cxnSpLocks/>
+          </p:cNvCxnSpPr>
+          <p:nvPr/>
+        </p:nvCxnSpPr>
+        <p:spPr>
+          <a:xfrm flipH="1">
+            <a:off x="5617029" y="3004457"/>
+            <a:ext cx="323461" cy="970384"/>
+          </a:xfrm>
+          <a:prstGeom prst="straightConnector1">
+            <a:avLst/>
+          </a:prstGeom>
+          <a:ln w="19050">
+            <a:tailEnd type="triangle"/>
+          </a:ln>
+        </p:spPr>
+        <p:style>
+          <a:lnRef idx="1">
+            <a:schemeClr val="accent1"/>
+          </a:lnRef>
+          <a:fillRef idx="0">
+            <a:schemeClr val="accent1"/>
+          </a:fillRef>
+          <a:effectRef idx="0">
+            <a:schemeClr val="accent1"/>
+          </a:effectRef>
+          <a:fontRef idx="minor">
+            <a:schemeClr val="tx1"/>
+          </a:fontRef>
+        </p:style>
+      </p:cxnSp>
+      <p:sp>
+        <p:nvSpPr>
+          <p:cNvPr id="18" name="TextBox 17">
+            <a:extLst>
+              <a:ext uri="{FF2B5EF4-FFF2-40B4-BE49-F238E27FC236}">
+                <a16:creationId xmlns:a16="http://schemas.microsoft.com/office/drawing/2014/main" id="{690FF812-869B-4345-99FC-1261E591941D}"/>
+              </a:ext>
+            </a:extLst>
+          </p:cNvPr>
+          <p:cNvSpPr txBox="1"/>
+          <p:nvPr/>
+        </p:nvSpPr>
+        <p:spPr>
+          <a:xfrm>
+            <a:off x="5098340" y="2642436"/>
+            <a:ext cx="1995319" cy="369332"/>
+          </a:xfrm>
+          <a:prstGeom prst="rect">
+            <a:avLst/>
+          </a:prstGeom>
+          <a:noFill/>
+        </p:spPr>
+        <p:txBody>
+          <a:bodyPr wrap="square" rtlCol="0">
+            <a:spAutoFit/>
+          </a:bodyPr>
+          <a:lstStyle/>
+          <a:p>
+            <a:r>
+              <a:rPr lang="en-US" altLang="zh-CN" dirty="0"/>
+              <a:t>more conservative</a:t>
+            </a:r>
+            <a:endParaRPr lang="zh-CN" altLang="en-US" dirty="0"/>
+          </a:p>
+        </p:txBody>
+      </p:sp>
+      <p:cxnSp>
+        <p:nvCxnSpPr>
+          <p:cNvPr id="19" name="Straight Arrow Connector 18">
+            <a:extLst>
+              <a:ext uri="{FF2B5EF4-FFF2-40B4-BE49-F238E27FC236}">
+                <a16:creationId xmlns:a16="http://schemas.microsoft.com/office/drawing/2014/main" id="{2E350309-34C4-4B8A-BF5B-F1AC8D946168}"/>
+              </a:ext>
+            </a:extLst>
+          </p:cNvPr>
+          <p:cNvCxnSpPr>
+            <a:cxnSpLocks/>
+          </p:cNvCxnSpPr>
+          <p:nvPr/>
+        </p:nvCxnSpPr>
+        <p:spPr>
+          <a:xfrm flipH="1">
+            <a:off x="9288886" y="2961569"/>
+            <a:ext cx="323461" cy="970384"/>
+          </a:xfrm>
+          <a:prstGeom prst="straightConnector1">
+            <a:avLst/>
+          </a:prstGeom>
+          <a:ln w="19050">
+            <a:tailEnd type="triangle"/>
+          </a:ln>
+        </p:spPr>
+        <p:style>
+          <a:lnRef idx="1">
+            <a:schemeClr val="accent1"/>
+          </a:lnRef>
+          <a:fillRef idx="0">
+            <a:schemeClr val="accent1"/>
+          </a:fillRef>
+          <a:effectRef idx="0">
+            <a:schemeClr val="accent1"/>
+          </a:effectRef>
+          <a:fontRef idx="minor">
+            <a:schemeClr val="tx1"/>
+          </a:fontRef>
+        </p:style>
+      </p:cxnSp>
+      <p:sp>
+        <p:nvSpPr>
+          <p:cNvPr id="20" name="TextBox 19">
+            <a:extLst>
+              <a:ext uri="{FF2B5EF4-FFF2-40B4-BE49-F238E27FC236}">
+                <a16:creationId xmlns:a16="http://schemas.microsoft.com/office/drawing/2014/main" id="{03DF3DC7-04BC-42BA-B233-8EC9FAA8566A}"/>
+              </a:ext>
+            </a:extLst>
+          </p:cNvPr>
+          <p:cNvSpPr txBox="1"/>
+          <p:nvPr/>
+        </p:nvSpPr>
+        <p:spPr>
+          <a:xfrm>
+            <a:off x="8770197" y="2599548"/>
+            <a:ext cx="1995319" cy="369332"/>
+          </a:xfrm>
+          <a:prstGeom prst="rect">
+            <a:avLst/>
+          </a:prstGeom>
+          <a:noFill/>
+        </p:spPr>
+        <p:txBody>
+          <a:bodyPr wrap="square" rtlCol="0">
+            <a:spAutoFit/>
+          </a:bodyPr>
+          <a:lstStyle/>
+          <a:p>
+            <a:r>
+              <a:rPr lang="en-US" altLang="zh-CN" dirty="0"/>
+              <a:t>less conservative</a:t>
+            </a:r>
+            <a:endParaRPr lang="zh-CN" altLang="en-US" dirty="0"/>
+          </a:p>
+        </p:txBody>
+      </p:sp>
+    </p:spTree>
+    <p:extLst>
+      <p:ext uri="{BB962C8B-B14F-4D97-AF65-F5344CB8AC3E}">
+        <p14:creationId xmlns:p14="http://schemas.microsoft.com/office/powerpoint/2010/main" val="2826432870"/>
+      </p:ext>
+    </p:extLst>
+  </p:cSld>
+  <p:clrMapOvr>
+    <a:masterClrMapping/>
+  </p:clrMapOvr>
+</p:sld>
+</file>
+
+<file path=ppt/slides/slide17.xml><?xml version="1.0" encoding="utf-8"?>
+<p:sld xmlns:a="http://schemas.openxmlformats.org/drawingml/2006/main" xmlns:r="http://schemas.openxmlformats.org/officeDocument/2006/relationships" xmlns:p="http://schemas.openxmlformats.org/presentationml/2006/main">
+  <p:cSld>
+    <p:spTree>
+      <p:nvGrpSpPr>
+        <p:cNvPr id="1" name=""/>
+        <p:cNvGrpSpPr/>
+        <p:nvPr/>
+      </p:nvGrpSpPr>
+      <p:grpSpPr>
+        <a:xfrm>
+          <a:off x="0" y="0"/>
+          <a:ext cx="0" cy="0"/>
+          <a:chOff x="0" y="0"/>
+          <a:chExt cx="0" cy="0"/>
+        </a:xfrm>
+      </p:grpSpPr>
+      <p:sp>
+        <p:nvSpPr>
+          <p:cNvPr id="2" name="Title 1">
+            <a:extLst>
+              <a:ext uri="{FF2B5EF4-FFF2-40B4-BE49-F238E27FC236}">
+                <a16:creationId xmlns:a16="http://schemas.microsoft.com/office/drawing/2014/main" id="{95EF23C3-D0EE-4343-A833-8D451370355E}"/>
+              </a:ext>
+            </a:extLst>
+          </p:cNvPr>
+          <p:cNvSpPr>
+            <a:spLocks noGrp="1"/>
+          </p:cNvSpPr>
+          <p:nvPr>
+            <p:ph type="title"/>
+          </p:nvPr>
+        </p:nvSpPr>
+        <p:spPr/>
+        <p:txBody>
+          <a:bodyPr/>
+          <a:lstStyle/>
+          <a:p>
+            <a:r>
+              <a:rPr lang="en-US" altLang="zh-CN" dirty="0">
+                <a:latin typeface="Times New Roman" panose="02020603050405020304" pitchFamily="18" charset="0"/>
+                <a:cs typeface="Times New Roman" panose="02020603050405020304" pitchFamily="18" charset="0"/>
+              </a:rPr>
+              <a:t>Hybrid System Simulation</a:t>
+            </a:r>
+            <a:endParaRPr lang="zh-CN" altLang="en-US" dirty="0"/>
+          </a:p>
+        </p:txBody>
+      </p:sp>
+      <p:sp>
+        <p:nvSpPr>
+          <p:cNvPr id="4" name="Content Placeholder 3">
+            <a:extLst>
+              <a:ext uri="{FF2B5EF4-FFF2-40B4-BE49-F238E27FC236}">
+                <a16:creationId xmlns:a16="http://schemas.microsoft.com/office/drawing/2014/main" id="{E11BC18B-DAAD-45FB-8165-0262E7292D8C}"/>
+              </a:ext>
+            </a:extLst>
+          </p:cNvPr>
+          <p:cNvSpPr>
+            <a:spLocks noGrp="1"/>
+          </p:cNvSpPr>
+          <p:nvPr>
+            <p:ph idx="1"/>
+          </p:nvPr>
+        </p:nvSpPr>
+        <p:spPr>
+          <a:xfrm>
+            <a:off x="1362788" y="2398513"/>
+            <a:ext cx="4930062" cy="2816459"/>
+          </a:xfrm>
+        </p:spPr>
+        <p:txBody>
+          <a:bodyPr/>
+          <a:lstStyle/>
+          <a:p>
+            <a:endParaRPr lang="zh-CN" altLang="en-US" dirty="0"/>
+          </a:p>
+        </p:txBody>
+      </p:sp>
+      <p:pic>
+        <p:nvPicPr>
+          <p:cNvPr id="6" name="Picture 5">
+            <a:extLst>
+              <a:ext uri="{FF2B5EF4-FFF2-40B4-BE49-F238E27FC236}">
+                <a16:creationId xmlns:a16="http://schemas.microsoft.com/office/drawing/2014/main" id="{BBAC02BD-035C-4C3F-91FC-EB81DF545FE9}"/>
+              </a:ext>
+            </a:extLst>
+          </p:cNvPr>
+          <p:cNvPicPr>
+            <a:picLocks noChangeAspect="1"/>
+          </p:cNvPicPr>
+          <p:nvPr/>
+        </p:nvPicPr>
+        <p:blipFill>
+          <a:blip r:embed="rId2"/>
+          <a:stretch>
+            <a:fillRect/>
+          </a:stretch>
+        </p:blipFill>
+        <p:spPr>
+          <a:xfrm>
+            <a:off x="643130" y="1736615"/>
+            <a:ext cx="6369377" cy="4273770"/>
+          </a:xfrm>
+          <a:prstGeom prst="rect">
+            <a:avLst/>
+          </a:prstGeom>
+        </p:spPr>
+      </p:pic>
+      <p:pic>
+        <p:nvPicPr>
+          <p:cNvPr id="8" name="Picture 7">
+            <a:extLst>
+              <a:ext uri="{FF2B5EF4-FFF2-40B4-BE49-F238E27FC236}">
+                <a16:creationId xmlns:a16="http://schemas.microsoft.com/office/drawing/2014/main" id="{FDF711EC-9E4A-433C-AD3D-50084C2D08E7}"/>
+              </a:ext>
+            </a:extLst>
+          </p:cNvPr>
+          <p:cNvPicPr>
+            <a:picLocks noChangeAspect="1"/>
+          </p:cNvPicPr>
+          <p:nvPr/>
+        </p:nvPicPr>
+        <p:blipFill>
+          <a:blip r:embed="rId3"/>
+          <a:stretch>
+            <a:fillRect/>
+          </a:stretch>
+        </p:blipFill>
+        <p:spPr>
+          <a:xfrm>
+            <a:off x="7758705" y="533200"/>
+            <a:ext cx="3990975" cy="2066925"/>
+          </a:xfrm>
+          <a:prstGeom prst="rect">
+            <a:avLst/>
+          </a:prstGeom>
+        </p:spPr>
+      </p:pic>
+      <mc:AlternateContent xmlns:mc="http://schemas.openxmlformats.org/markup-compatibility/2006">
+        <mc:Choice xmlns:a14="http://schemas.microsoft.com/office/drawing/2010/main" Requires="a14">
+          <p:sp>
+            <p:nvSpPr>
+              <p:cNvPr id="9" name="TextBox 8">
+                <a:extLst>
+                  <a:ext uri="{FF2B5EF4-FFF2-40B4-BE49-F238E27FC236}">
+                    <a16:creationId xmlns:a16="http://schemas.microsoft.com/office/drawing/2014/main" id="{FED4524A-299A-473E-A0E5-3F54D25B1BD0}"/>
+                  </a:ext>
+                </a:extLst>
+              </p:cNvPr>
+              <p:cNvSpPr txBox="1"/>
+              <p:nvPr/>
+            </p:nvSpPr>
+            <p:spPr>
+              <a:xfrm>
+                <a:off x="7433980" y="2734545"/>
+                <a:ext cx="4639478" cy="916670"/>
+              </a:xfrm>
+              <a:prstGeom prst="rect">
+                <a:avLst/>
+              </a:prstGeom>
+              <a:noFill/>
+            </p:spPr>
+            <p:txBody>
+              <a:bodyPr wrap="square" rtlCol="0">
+                <a:spAutoFit/>
+              </a:bodyPr>
+              <a:lstStyle/>
+              <a:p>
+                <a:pPr marL="285750" indent="-285750">
+                  <a:buFont typeface="Arial" panose="020B0604020202020204" pitchFamily="34" charset="0"/>
+                  <a:buChar char="•"/>
+                </a:pPr>
+                <a:r>
+                  <a:rPr lang="en-US" altLang="zh-CN" b="0" i="0" dirty="0">
+                    <a:solidFill>
+                      <a:srgbClr val="000000"/>
+                    </a:solidFill>
+                    <a:effectLst/>
+                    <a:latin typeface="Times New Roman" panose="02020603050405020304" pitchFamily="18" charset="0"/>
+                    <a:ea typeface="Microsoft YaHei" panose="020B0503020204020204" pitchFamily="34" charset="-122"/>
+                    <a:cs typeface="Times New Roman" panose="02020603050405020304" pitchFamily="18" charset="0"/>
+                  </a:rPr>
+                  <a:t>The rimless wheel. The orientation of the stance leg, </a:t>
+                </a:r>
+                <a14:m>
+                  <m:oMath xmlns:m="http://schemas.openxmlformats.org/officeDocument/2006/math">
+                    <m:r>
+                      <a:rPr lang="en-US" altLang="zh-CN" b="0" i="1" smtClean="0">
+                        <a:solidFill>
+                          <a:srgbClr val="000000"/>
+                        </a:solidFill>
+                        <a:effectLst/>
+                        <a:latin typeface="Cambria Math" panose="02040503050406030204" pitchFamily="18" charset="0"/>
+                        <a:ea typeface="Microsoft YaHei" panose="020B0503020204020204" pitchFamily="34" charset="-122"/>
+                      </a:rPr>
+                      <m:t>𝜃</m:t>
+                    </m:r>
+                  </m:oMath>
+                </a14:m>
+                <a:r>
+                  <a:rPr lang="en-US" altLang="zh-CN" b="0" i="0" dirty="0">
+                    <a:solidFill>
+                      <a:srgbClr val="000000"/>
+                    </a:solidFill>
+                    <a:effectLst/>
+                    <a:latin typeface="Times New Roman" panose="02020603050405020304" pitchFamily="18" charset="0"/>
+                    <a:ea typeface="Microsoft YaHei" panose="020B0503020204020204" pitchFamily="34" charset="-122"/>
+                    <a:cs typeface="Times New Roman" panose="02020603050405020304" pitchFamily="18" charset="0"/>
+                  </a:rPr>
+                  <a:t>, is measured clockwise from the vertical axis.</a:t>
+                </a:r>
+                <a:endParaRPr lang="zh-CN" altLang="en-US" dirty="0">
+                  <a:latin typeface="Times New Roman" panose="02020603050405020304" pitchFamily="18" charset="0"/>
+                  <a:cs typeface="Times New Roman" panose="02020603050405020304" pitchFamily="18" charset="0"/>
+                </a:endParaRPr>
+              </a:p>
+            </p:txBody>
+          </p:sp>
+        </mc:Choice>
+        <mc:Fallback>
+          <p:sp>
+            <p:nvSpPr>
+              <p:cNvPr id="9" name="TextBox 8">
+                <a:extLst>
+                  <a:ext uri="{FF2B5EF4-FFF2-40B4-BE49-F238E27FC236}">
+                    <a16:creationId xmlns:a16="http://schemas.microsoft.com/office/drawing/2014/main" id="{FED4524A-299A-473E-A0E5-3F54D25B1BD0}"/>
+                  </a:ext>
+                </a:extLst>
+              </p:cNvPr>
+              <p:cNvSpPr txBox="1">
+                <a:spLocks noRot="1" noChangeAspect="1" noMove="1" noResize="1" noEditPoints="1" noAdjustHandles="1" noChangeArrowheads="1" noChangeShapeType="1" noTextEdit="1"/>
+              </p:cNvSpPr>
+              <p:nvPr/>
+            </p:nvSpPr>
+            <p:spPr>
+              <a:xfrm>
+                <a:off x="7433980" y="2734545"/>
+                <a:ext cx="4639478" cy="916670"/>
+              </a:xfrm>
+              <a:prstGeom prst="rect">
+                <a:avLst/>
+              </a:prstGeom>
+              <a:blipFill>
+                <a:blip r:embed="rId4"/>
+                <a:stretch>
+                  <a:fillRect l="-787" t="-4000" r="-2100" b="-10667"/>
+                </a:stretch>
+              </a:blipFill>
+            </p:spPr>
+            <p:txBody>
+              <a:bodyPr/>
+              <a:lstStyle/>
+              <a:p>
+                <a:r>
+                  <a:rPr lang="zh-CN" altLang="en-US">
+                    <a:noFill/>
+                  </a:rPr>
+                  <a:t> </a:t>
+                </a:r>
+              </a:p>
+            </p:txBody>
+          </p:sp>
+        </mc:Fallback>
+      </mc:AlternateContent>
+      <p:pic>
+        <p:nvPicPr>
+          <p:cNvPr id="12" name="Picture 11">
+            <a:extLst>
+              <a:ext uri="{FF2B5EF4-FFF2-40B4-BE49-F238E27FC236}">
+                <a16:creationId xmlns:a16="http://schemas.microsoft.com/office/drawing/2014/main" id="{59588495-9E59-4870-9578-74DF3B68506E}"/>
+              </a:ext>
+            </a:extLst>
+          </p:cNvPr>
+          <p:cNvPicPr>
+            <a:picLocks noChangeAspect="1"/>
+          </p:cNvPicPr>
+          <p:nvPr/>
+        </p:nvPicPr>
+        <p:blipFill>
+          <a:blip r:embed="rId5"/>
+          <a:stretch>
+            <a:fillRect/>
+          </a:stretch>
+        </p:blipFill>
+        <p:spPr>
+          <a:xfrm>
+            <a:off x="7974288" y="3643982"/>
+            <a:ext cx="3267075" cy="1647825"/>
+          </a:xfrm>
+          <a:prstGeom prst="rect">
+            <a:avLst/>
+          </a:prstGeom>
+        </p:spPr>
+      </p:pic>
+      <p:sp>
+        <p:nvSpPr>
+          <p:cNvPr id="14" name="TextBox 13">
+            <a:extLst>
+              <a:ext uri="{FF2B5EF4-FFF2-40B4-BE49-F238E27FC236}">
+                <a16:creationId xmlns:a16="http://schemas.microsoft.com/office/drawing/2014/main" id="{9AAD4E85-60D0-4A96-BEAE-2A3E13E372C8}"/>
+              </a:ext>
+            </a:extLst>
+          </p:cNvPr>
+          <p:cNvSpPr txBox="1"/>
+          <p:nvPr/>
+        </p:nvSpPr>
+        <p:spPr>
+          <a:xfrm>
+            <a:off x="7487478" y="5559287"/>
+            <a:ext cx="4518992" cy="646331"/>
+          </a:xfrm>
+          <a:prstGeom prst="rect">
+            <a:avLst/>
+          </a:prstGeom>
+          <a:noFill/>
+        </p:spPr>
+        <p:txBody>
+          <a:bodyPr wrap="square" rtlCol="0">
+            <a:spAutoFit/>
+          </a:bodyPr>
+          <a:lstStyle/>
+          <a:p>
+            <a:pPr marL="285750" indent="-285750">
+              <a:buFont typeface="Arial" panose="020B0604020202020204" pitchFamily="34" charset="0"/>
+              <a:buChar char="•"/>
+            </a:pPr>
+            <a:r>
+              <a:rPr lang="en-US" altLang="zh-CN" b="0" i="0" dirty="0">
+                <a:solidFill>
+                  <a:srgbClr val="000000"/>
+                </a:solidFill>
+                <a:effectLst/>
+                <a:latin typeface="Times New Roman" panose="02020603050405020304" pitchFamily="18" charset="0"/>
+                <a:ea typeface="Microsoft YaHei" panose="020B0503020204020204" pitchFamily="34" charset="-122"/>
+                <a:cs typeface="Times New Roman" panose="02020603050405020304" pitchFamily="18" charset="0"/>
+              </a:rPr>
+              <a:t>Angular momentum is conserved around the point of impact</a:t>
+            </a:r>
+            <a:endParaRPr lang="zh-CN" altLang="en-US" dirty="0">
+              <a:latin typeface="Times New Roman" panose="02020603050405020304" pitchFamily="18" charset="0"/>
+              <a:cs typeface="Times New Roman" panose="02020603050405020304" pitchFamily="18" charset="0"/>
+            </a:endParaRPr>
+          </a:p>
+        </p:txBody>
+      </p:sp>
+    </p:spTree>
+    <p:extLst>
+      <p:ext uri="{BB962C8B-B14F-4D97-AF65-F5344CB8AC3E}">
+        <p14:creationId xmlns:p14="http://schemas.microsoft.com/office/powerpoint/2010/main" val="2888559991"/>
+      </p:ext>
+    </p:extLst>
+  </p:cSld>
+  <p:clrMapOvr>
+    <a:masterClrMapping/>
+  </p:clrMapOvr>
+</p:sld>
+</file>
+
+<file path=ppt/slides/slide18.xml><?xml version="1.0" encoding="utf-8"?>
+<p:sld xmlns:a="http://schemas.openxmlformats.org/drawingml/2006/main" xmlns:r="http://schemas.openxmlformats.org/officeDocument/2006/relationships" xmlns:p="http://schemas.openxmlformats.org/presentationml/2006/main">
+  <p:cSld>
+    <p:spTree>
+      <p:nvGrpSpPr>
+        <p:cNvPr id="1" name=""/>
+        <p:cNvGrpSpPr/>
+        <p:nvPr/>
+      </p:nvGrpSpPr>
+      <p:grpSpPr>
+        <a:xfrm>
+          <a:off x="0" y="0"/>
+          <a:ext cx="0" cy="0"/>
+          <a:chOff x="0" y="0"/>
+          <a:chExt cx="0" cy="0"/>
+        </a:xfrm>
+      </p:grpSpPr>
+      <p:sp>
+        <p:nvSpPr>
+          <p:cNvPr id="2" name="Title 1">
+            <a:extLst>
+              <a:ext uri="{FF2B5EF4-FFF2-40B4-BE49-F238E27FC236}">
+                <a16:creationId xmlns:a16="http://schemas.microsoft.com/office/drawing/2014/main" id="{95EF23C3-D0EE-4343-A833-8D451370355E}"/>
+              </a:ext>
+            </a:extLst>
+          </p:cNvPr>
+          <p:cNvSpPr>
+            <a:spLocks noGrp="1"/>
+          </p:cNvSpPr>
+          <p:nvPr>
+            <p:ph type="title"/>
+          </p:nvPr>
+        </p:nvSpPr>
+        <p:spPr/>
+        <p:txBody>
+          <a:bodyPr/>
+          <a:lstStyle/>
+          <a:p>
+            <a:r>
+              <a:rPr lang="en-US" altLang="zh-CN" dirty="0">
+                <a:latin typeface="Times New Roman" panose="02020603050405020304" pitchFamily="18" charset="0"/>
+                <a:cs typeface="Times New Roman" panose="02020603050405020304" pitchFamily="18" charset="0"/>
+              </a:rPr>
+              <a:t>Hybrid System Simulation</a:t>
+            </a:r>
+            <a:endParaRPr lang="zh-CN" altLang="en-US" dirty="0"/>
+          </a:p>
+        </p:txBody>
+      </p:sp>
+      <p:pic>
+        <p:nvPicPr>
+          <p:cNvPr id="5" name="Content Placeholder 4" descr="Shape, square&#10;&#10;Description automatically generated">
+            <a:extLst>
+              <a:ext uri="{FF2B5EF4-FFF2-40B4-BE49-F238E27FC236}">
+                <a16:creationId xmlns:a16="http://schemas.microsoft.com/office/drawing/2014/main" id="{C57F2370-C6B3-43EF-9BBE-14A209D54761}"/>
+              </a:ext>
+            </a:extLst>
+          </p:cNvPr>
+          <p:cNvPicPr>
+            <a:picLocks noGrp="1" noChangeAspect="1"/>
+          </p:cNvPicPr>
+          <p:nvPr>
+            <p:ph idx="1"/>
+          </p:nvPr>
+        </p:nvPicPr>
+        <p:blipFill>
+          <a:blip r:embed="rId2">
+            <a:extLst>
+              <a:ext uri="{28A0092B-C50C-407E-A947-70E740481C1C}">
+                <a14:useLocalDpi xmlns:a14="http://schemas.microsoft.com/office/drawing/2010/main" val="0"/>
+              </a:ext>
+            </a:extLst>
+          </a:blip>
+          <a:stretch>
+            <a:fillRect/>
+          </a:stretch>
+        </p:blipFill>
+        <p:spPr>
+          <a:xfrm>
+            <a:off x="463552" y="1419622"/>
+            <a:ext cx="3754966" cy="2816225"/>
+          </a:xfrm>
+        </p:spPr>
+      </p:pic>
+      <mc:AlternateContent xmlns:mc="http://schemas.openxmlformats.org/markup-compatibility/2006">
+        <mc:Choice xmlns:a14="http://schemas.microsoft.com/office/drawing/2010/main" Requires="a14">
+          <p:sp>
+            <p:nvSpPr>
+              <p:cNvPr id="9" name="TextBox 8">
+                <a:extLst>
+                  <a:ext uri="{FF2B5EF4-FFF2-40B4-BE49-F238E27FC236}">
+                    <a16:creationId xmlns:a16="http://schemas.microsoft.com/office/drawing/2014/main" id="{FED4524A-299A-473E-A0E5-3F54D25B1BD0}"/>
+                  </a:ext>
+                </a:extLst>
+              </p:cNvPr>
+              <p:cNvSpPr txBox="1"/>
+              <p:nvPr/>
+            </p:nvSpPr>
+            <p:spPr>
+              <a:xfrm>
+                <a:off x="1015243" y="4496982"/>
+                <a:ext cx="11233770" cy="1337802"/>
+              </a:xfrm>
+              <a:prstGeom prst="rect">
+                <a:avLst/>
+              </a:prstGeom>
+              <a:noFill/>
+            </p:spPr>
+            <p:txBody>
+              <a:bodyPr wrap="square" rtlCol="0">
+                <a:spAutoFit/>
+              </a:bodyPr>
+              <a:lstStyle/>
+              <a:p>
+                <a:r>
+                  <a:rPr lang="en-US" altLang="zh-CN" sz="2000" b="0" i="0" dirty="0">
+                    <a:solidFill>
+                      <a:srgbClr val="000000"/>
+                    </a:solidFill>
+                    <a:effectLst/>
+                    <a:latin typeface="Times New Roman" panose="02020603050405020304" pitchFamily="18" charset="0"/>
+                    <a:ea typeface="Microsoft YaHei" panose="020B0503020204020204" pitchFamily="34" charset="-122"/>
+                    <a:cs typeface="Times New Roman" panose="02020603050405020304" pitchFamily="18" charset="0"/>
+                  </a:rPr>
+                  <a:t>We use a PI controller to stabilize the rimless wheel angle rate at</a:t>
+                </a:r>
+                <a:r>
+                  <a:rPr lang="en-US" altLang="zh-CN" sz="2000" dirty="0">
+                    <a:solidFill>
+                      <a:srgbClr val="000000"/>
+                    </a:solidFill>
+                    <a:latin typeface="Times New Roman" panose="02020603050405020304" pitchFamily="18" charset="0"/>
+                    <a:ea typeface="Microsoft YaHei" panose="020B0503020204020204" pitchFamily="34" charset="-122"/>
+                    <a:cs typeface="Times New Roman" panose="02020603050405020304" pitchFamily="18" charset="0"/>
+                  </a:rPr>
+                  <a:t> </a:t>
+                </a:r>
+                <a:r>
+                  <a:rPr lang="en-US" altLang="zh-CN" sz="2000" b="0" i="0" dirty="0">
+                    <a:solidFill>
+                      <a:srgbClr val="000000"/>
+                    </a:solidFill>
+                    <a:effectLst/>
+                    <a:latin typeface="Times New Roman" panose="02020603050405020304" pitchFamily="18" charset="0"/>
+                    <a:ea typeface="Microsoft YaHei" panose="020B0503020204020204" pitchFamily="34" charset="-122"/>
+                    <a:cs typeface="Times New Roman" panose="02020603050405020304" pitchFamily="18" charset="0"/>
+                  </a:rPr>
+                  <a:t>zero.</a:t>
+                </a:r>
+                <a:r>
+                  <a:rPr lang="en-US" altLang="zh-CN" sz="2000" dirty="0">
+                    <a:solidFill>
+                      <a:srgbClr val="000000"/>
+                    </a:solidFill>
+                    <a:latin typeface="Times New Roman" panose="02020603050405020304" pitchFamily="18" charset="0"/>
+                    <a:ea typeface="Microsoft YaHei" panose="020B0503020204020204" pitchFamily="34" charset="-122"/>
+                    <a:cs typeface="Times New Roman" panose="02020603050405020304" pitchFamily="18" charset="0"/>
+                  </a:rPr>
+                  <a:t> The safe region is </a:t>
+                </a:r>
+                <a14:m>
+                  <m:oMath xmlns:m="http://schemas.openxmlformats.org/officeDocument/2006/math">
+                    <m:acc>
+                      <m:accPr>
+                        <m:chr m:val="̇"/>
+                        <m:ctrlPr>
+                          <a:rPr lang="en-US" altLang="zh-CN" sz="2000" b="0" i="1" smtClean="0">
+                            <a:solidFill>
+                              <a:srgbClr val="000000"/>
+                            </a:solidFill>
+                            <a:latin typeface="Cambria Math" panose="02040503050406030204" pitchFamily="18" charset="0"/>
+                            <a:ea typeface="Microsoft YaHei" panose="020B0503020204020204" pitchFamily="34" charset="-122"/>
+                            <a:cs typeface="Times New Roman" panose="02020603050405020304" pitchFamily="18" charset="0"/>
+                          </a:rPr>
+                        </m:ctrlPr>
+                      </m:accPr>
+                      <m:e>
+                        <m:r>
+                          <a:rPr lang="en-US" altLang="zh-CN" sz="2000" b="0" i="1" smtClean="0">
+                            <a:solidFill>
+                              <a:srgbClr val="000000"/>
+                            </a:solidFill>
+                            <a:latin typeface="Cambria Math" panose="02040503050406030204" pitchFamily="18" charset="0"/>
+                            <a:ea typeface="Microsoft YaHei" panose="020B0503020204020204" pitchFamily="34" charset="-122"/>
+                            <a:cs typeface="Times New Roman" panose="02020603050405020304" pitchFamily="18" charset="0"/>
+                          </a:rPr>
+                          <m:t>𝜃</m:t>
+                        </m:r>
+                      </m:e>
+                    </m:acc>
+                    <m:r>
+                      <a:rPr lang="en-US" altLang="zh-CN" sz="2000" b="0" i="1" dirty="0" smtClean="0">
+                        <a:solidFill>
+                          <a:srgbClr val="000000"/>
+                        </a:solidFill>
+                        <a:effectLst/>
+                        <a:latin typeface="Cambria Math" panose="02040503050406030204" pitchFamily="18" charset="0"/>
+                        <a:ea typeface="Microsoft YaHei" panose="020B0503020204020204" pitchFamily="34" charset="-122"/>
+                        <a:cs typeface="Times New Roman" panose="02020603050405020304" pitchFamily="18" charset="0"/>
+                      </a:rPr>
+                      <m:t>≤0.1</m:t>
+                    </m:r>
+                  </m:oMath>
+                </a14:m>
+                <a:r>
+                  <a:rPr lang="en-US" altLang="zh-CN" sz="2000" dirty="0">
+                    <a:latin typeface="Times New Roman" panose="02020603050405020304" pitchFamily="18" charset="0"/>
+                    <a:cs typeface="Times New Roman" panose="02020603050405020304" pitchFamily="18" charset="0"/>
+                  </a:rPr>
+                  <a:t>, and the initial CBF function is a simple quadratic function. With the SOS program constructed CBF, the control input has no oscillation comparing to the initial CBF. The SOS program CBF provide a less conservative result which helps to solve the oscillation problem in the original CBF optimization.</a:t>
+                </a:r>
+                <a:endParaRPr lang="zh-CN" altLang="en-US" sz="2000" dirty="0">
+                  <a:latin typeface="Times New Roman" panose="02020603050405020304" pitchFamily="18" charset="0"/>
+                  <a:cs typeface="Times New Roman" panose="02020603050405020304" pitchFamily="18" charset="0"/>
+                </a:endParaRPr>
+              </a:p>
+            </p:txBody>
+          </p:sp>
+        </mc:Choice>
+        <mc:Fallback>
+          <p:sp>
+            <p:nvSpPr>
+              <p:cNvPr id="9" name="TextBox 8">
+                <a:extLst>
+                  <a:ext uri="{FF2B5EF4-FFF2-40B4-BE49-F238E27FC236}">
+                    <a16:creationId xmlns:a16="http://schemas.microsoft.com/office/drawing/2014/main" id="{FED4524A-299A-473E-A0E5-3F54D25B1BD0}"/>
+                  </a:ext>
+                </a:extLst>
+              </p:cNvPr>
+              <p:cNvSpPr txBox="1">
+                <a:spLocks noRot="1" noChangeAspect="1" noMove="1" noResize="1" noEditPoints="1" noAdjustHandles="1" noChangeArrowheads="1" noChangeShapeType="1" noTextEdit="1"/>
+              </p:cNvSpPr>
+              <p:nvPr/>
+            </p:nvSpPr>
+            <p:spPr>
+              <a:xfrm>
+                <a:off x="1015243" y="4496982"/>
+                <a:ext cx="11233770" cy="1337802"/>
+              </a:xfrm>
+              <a:prstGeom prst="rect">
+                <a:avLst/>
+              </a:prstGeom>
+              <a:blipFill>
+                <a:blip r:embed="rId3"/>
+                <a:stretch>
+                  <a:fillRect l="-597" t="-1370" b="-7763"/>
+                </a:stretch>
+              </a:blipFill>
+            </p:spPr>
+            <p:txBody>
+              <a:bodyPr/>
+              <a:lstStyle/>
+              <a:p>
+                <a:r>
+                  <a:rPr lang="zh-CN" altLang="en-US">
+                    <a:noFill/>
+                  </a:rPr>
+                  <a:t> </a:t>
+                </a:r>
+              </a:p>
+            </p:txBody>
+          </p:sp>
+        </mc:Fallback>
+      </mc:AlternateContent>
+      <p:pic>
+        <p:nvPicPr>
+          <p:cNvPr id="13" name="Content Placeholder 4" descr="Shape, square&#10;&#10;Description automatically generated">
+            <a:extLst>
+              <a:ext uri="{FF2B5EF4-FFF2-40B4-BE49-F238E27FC236}">
+                <a16:creationId xmlns:a16="http://schemas.microsoft.com/office/drawing/2014/main" id="{63B8EC4D-7440-44A6-8277-94CDC49D06C0}"/>
+              </a:ext>
+            </a:extLst>
+          </p:cNvPr>
+          <p:cNvPicPr>
+            <a:picLocks noChangeAspect="1"/>
+          </p:cNvPicPr>
+          <p:nvPr/>
+        </p:nvPicPr>
+        <p:blipFill>
+          <a:blip r:embed="rId2">
+            <a:extLst>
+              <a:ext uri="{28A0092B-C50C-407E-A947-70E740481C1C}">
+                <a14:useLocalDpi xmlns:a14="http://schemas.microsoft.com/office/drawing/2010/main" val="0"/>
+              </a:ext>
+            </a:extLst>
+          </a:blip>
+          <a:stretch>
+            <a:fillRect/>
+          </a:stretch>
+        </p:blipFill>
+        <p:spPr>
+          <a:xfrm>
+            <a:off x="490057" y="1432874"/>
+            <a:ext cx="3754966" cy="2816225"/>
+          </a:xfrm>
+          <a:prstGeom prst="rect">
+            <a:avLst/>
+          </a:prstGeom>
+        </p:spPr>
+      </p:pic>
+      <p:pic>
+        <p:nvPicPr>
+          <p:cNvPr id="14" name="Picture 13" descr="Shape, square&#10;&#10;Description automatically generated">
+            <a:extLst>
+              <a:ext uri="{FF2B5EF4-FFF2-40B4-BE49-F238E27FC236}">
+                <a16:creationId xmlns:a16="http://schemas.microsoft.com/office/drawing/2014/main" id="{35B11556-788A-4050-A456-D0D710384FC5}"/>
+              </a:ext>
+            </a:extLst>
+          </p:cNvPr>
+          <p:cNvPicPr>
+            <a:picLocks noChangeAspect="1"/>
+          </p:cNvPicPr>
+          <p:nvPr/>
+        </p:nvPicPr>
+        <p:blipFill>
+          <a:blip r:embed="rId4">
+            <a:extLst>
+              <a:ext uri="{28A0092B-C50C-407E-A947-70E740481C1C}">
+                <a14:useLocalDpi xmlns:a14="http://schemas.microsoft.com/office/drawing/2010/main" val="0"/>
+              </a:ext>
+            </a:extLst>
+          </a:blip>
+          <a:stretch>
+            <a:fillRect/>
+          </a:stretch>
+        </p:blipFill>
+        <p:spPr>
+          <a:xfrm>
+            <a:off x="8057318" y="1432874"/>
+            <a:ext cx="3754970" cy="2816226"/>
+          </a:xfrm>
+          <a:prstGeom prst="rect">
+            <a:avLst/>
+          </a:prstGeom>
+        </p:spPr>
+      </p:pic>
+      <p:pic>
+        <p:nvPicPr>
+          <p:cNvPr id="15" name="Picture 14" descr="Shape, square&#10;&#10;Description automatically generated">
+            <a:extLst>
+              <a:ext uri="{FF2B5EF4-FFF2-40B4-BE49-F238E27FC236}">
+                <a16:creationId xmlns:a16="http://schemas.microsoft.com/office/drawing/2014/main" id="{9F0CCC4A-E196-48D0-BA38-5DC1288C75A7}"/>
+              </a:ext>
+            </a:extLst>
+          </p:cNvPr>
+          <p:cNvPicPr>
+            <a:picLocks noChangeAspect="1"/>
+          </p:cNvPicPr>
+          <p:nvPr/>
+        </p:nvPicPr>
+        <p:blipFill>
+          <a:blip r:embed="rId5">
+            <a:extLst>
+              <a:ext uri="{28A0092B-C50C-407E-A947-70E740481C1C}">
+                <a14:useLocalDpi xmlns:a14="http://schemas.microsoft.com/office/drawing/2010/main" val="0"/>
+              </a:ext>
+            </a:extLst>
+          </a:blip>
+          <a:stretch>
+            <a:fillRect/>
+          </a:stretch>
+        </p:blipFill>
+        <p:spPr>
+          <a:xfrm>
+            <a:off x="4245023" y="1419622"/>
+            <a:ext cx="3687233" cy="2765425"/>
+          </a:xfrm>
+          <a:prstGeom prst="rect">
+            <a:avLst/>
+          </a:prstGeom>
+        </p:spPr>
+      </p:pic>
+      <p:cxnSp>
+        <p:nvCxnSpPr>
+          <p:cNvPr id="17" name="Straight Arrow Connector 16">
+            <a:extLst>
+              <a:ext uri="{FF2B5EF4-FFF2-40B4-BE49-F238E27FC236}">
+                <a16:creationId xmlns:a16="http://schemas.microsoft.com/office/drawing/2014/main" id="{AEF85DA0-6811-469E-AA4B-5BCBAD4299B0}"/>
+              </a:ext>
+            </a:extLst>
+          </p:cNvPr>
+          <p:cNvCxnSpPr/>
+          <p:nvPr/>
+        </p:nvCxnSpPr>
+        <p:spPr>
+          <a:xfrm flipH="1">
+            <a:off x="4848294" y="2795827"/>
+            <a:ext cx="776253" cy="578901"/>
+          </a:xfrm>
+          <a:prstGeom prst="straightConnector1">
+            <a:avLst/>
+          </a:prstGeom>
+          <a:ln w="15875">
+            <a:tailEnd type="triangle"/>
+          </a:ln>
+        </p:spPr>
+        <p:style>
+          <a:lnRef idx="1">
+            <a:schemeClr val="accent1"/>
+          </a:lnRef>
+          <a:fillRef idx="0">
+            <a:schemeClr val="accent1"/>
+          </a:fillRef>
+          <a:effectRef idx="0">
+            <a:schemeClr val="accent1"/>
+          </a:effectRef>
+          <a:fontRef idx="minor">
+            <a:schemeClr val="tx1"/>
+          </a:fontRef>
+        </p:style>
+      </p:cxnSp>
+      <p:sp>
+        <p:nvSpPr>
+          <p:cNvPr id="19" name="TextBox 18">
+            <a:extLst>
+              <a:ext uri="{FF2B5EF4-FFF2-40B4-BE49-F238E27FC236}">
+                <a16:creationId xmlns:a16="http://schemas.microsoft.com/office/drawing/2014/main" id="{60AE6E2F-2B15-49D5-ACF6-4DBCB6DF338F}"/>
+              </a:ext>
+            </a:extLst>
+          </p:cNvPr>
+          <p:cNvSpPr txBox="1"/>
+          <p:nvPr/>
+        </p:nvSpPr>
+        <p:spPr>
+          <a:xfrm>
+            <a:off x="5690331" y="2611633"/>
+            <a:ext cx="1644604" cy="369332"/>
+          </a:xfrm>
+          <a:prstGeom prst="rect">
+            <a:avLst/>
+          </a:prstGeom>
+          <a:noFill/>
+        </p:spPr>
+        <p:txBody>
+          <a:bodyPr wrap="square" rtlCol="0">
+            <a:spAutoFit/>
+          </a:bodyPr>
+          <a:lstStyle/>
+          <a:p>
+            <a:r>
+              <a:rPr lang="en-US" altLang="zh-CN" dirty="0"/>
+              <a:t>oscillation</a:t>
+            </a:r>
+            <a:endParaRPr lang="zh-CN" altLang="en-US" dirty="0"/>
+          </a:p>
+        </p:txBody>
+      </p:sp>
+      <p:cxnSp>
+        <p:nvCxnSpPr>
+          <p:cNvPr id="22" name="Straight Arrow Connector 21">
+            <a:extLst>
+              <a:ext uri="{FF2B5EF4-FFF2-40B4-BE49-F238E27FC236}">
+                <a16:creationId xmlns:a16="http://schemas.microsoft.com/office/drawing/2014/main" id="{C7E55865-06B7-40C0-A886-BEDC0B04C802}"/>
+              </a:ext>
+            </a:extLst>
+          </p:cNvPr>
+          <p:cNvCxnSpPr/>
+          <p:nvPr/>
+        </p:nvCxnSpPr>
+        <p:spPr>
+          <a:xfrm flipH="1">
+            <a:off x="8780243" y="2809926"/>
+            <a:ext cx="776253" cy="578901"/>
+          </a:xfrm>
+          <a:prstGeom prst="straightConnector1">
+            <a:avLst/>
+          </a:prstGeom>
+          <a:ln w="15875">
+            <a:tailEnd type="triangle"/>
+          </a:ln>
+        </p:spPr>
+        <p:style>
+          <a:lnRef idx="1">
+            <a:schemeClr val="accent1"/>
+          </a:lnRef>
+          <a:fillRef idx="0">
+            <a:schemeClr val="accent1"/>
+          </a:fillRef>
+          <a:effectRef idx="0">
+            <a:schemeClr val="accent1"/>
+          </a:effectRef>
+          <a:fontRef idx="minor">
+            <a:schemeClr val="tx1"/>
+          </a:fontRef>
+        </p:style>
+      </p:cxnSp>
+      <p:sp>
+        <p:nvSpPr>
+          <p:cNvPr id="23" name="TextBox 22">
+            <a:extLst>
+              <a:ext uri="{FF2B5EF4-FFF2-40B4-BE49-F238E27FC236}">
+                <a16:creationId xmlns:a16="http://schemas.microsoft.com/office/drawing/2014/main" id="{718B1B0F-A54D-4D5C-A542-EC2060AE59B1}"/>
+              </a:ext>
+            </a:extLst>
+          </p:cNvPr>
+          <p:cNvSpPr txBox="1"/>
+          <p:nvPr/>
+        </p:nvSpPr>
+        <p:spPr>
+          <a:xfrm>
+            <a:off x="9622280" y="2625732"/>
+            <a:ext cx="1644604" cy="369332"/>
+          </a:xfrm>
+          <a:prstGeom prst="rect">
+            <a:avLst/>
+          </a:prstGeom>
+          <a:noFill/>
+        </p:spPr>
+        <p:txBody>
+          <a:bodyPr wrap="square" rtlCol="0">
+            <a:spAutoFit/>
+          </a:bodyPr>
+          <a:lstStyle/>
+          <a:p>
+            <a:r>
+              <a:rPr lang="en-US" altLang="zh-CN" dirty="0"/>
+              <a:t>no oscillation</a:t>
+            </a:r>
+            <a:endParaRPr lang="zh-CN" altLang="en-US" dirty="0"/>
+          </a:p>
+        </p:txBody>
+      </p:sp>
+    </p:spTree>
+    <p:extLst>
+      <p:ext uri="{BB962C8B-B14F-4D97-AF65-F5344CB8AC3E}">
+        <p14:creationId xmlns:p14="http://schemas.microsoft.com/office/powerpoint/2010/main" val="3832388752"/>
+      </p:ext>
+    </p:extLst>
+  </p:cSld>
+  <p:clrMapOvr>
+    <a:masterClrMapping/>
+  </p:clrMapOvr>
+</p:sld>
+</file>
+
+<file path=ppt/slides/slide19.xml><?xml version="1.0" encoding="utf-8"?>
+<p:sld xmlns:a="http://schemas.openxmlformats.org/drawingml/2006/main" xmlns:r="http://schemas.openxmlformats.org/officeDocument/2006/relationships" xmlns:p="http://schemas.openxmlformats.org/presentationml/2006/main">
+  <p:cSld>
+    <p:spTree>
+      <p:nvGrpSpPr>
+        <p:cNvPr id="1" name=""/>
+        <p:cNvGrpSpPr/>
+        <p:nvPr/>
+      </p:nvGrpSpPr>
+      <p:grpSpPr>
+        <a:xfrm>
+          <a:off x="0" y="0"/>
+          <a:ext cx="0" cy="0"/>
+          <a:chOff x="0" y="0"/>
+          <a:chExt cx="0" cy="0"/>
+        </a:xfrm>
+      </p:grpSpPr>
+      <p:sp>
+        <p:nvSpPr>
+          <p:cNvPr id="2" name="Title 1">
+            <a:extLst>
+              <a:ext uri="{FF2B5EF4-FFF2-40B4-BE49-F238E27FC236}">
+                <a16:creationId xmlns:a16="http://schemas.microsoft.com/office/drawing/2014/main" id="{95EF23C3-D0EE-4343-A833-8D451370355E}"/>
+              </a:ext>
+            </a:extLst>
+          </p:cNvPr>
+          <p:cNvSpPr>
+            <a:spLocks noGrp="1"/>
+          </p:cNvSpPr>
+          <p:nvPr>
+            <p:ph type="title"/>
+          </p:nvPr>
+        </p:nvSpPr>
+        <p:spPr/>
+        <p:txBody>
+          <a:bodyPr/>
+          <a:lstStyle/>
+          <a:p>
+            <a:r>
+              <a:rPr lang="en-US" altLang="zh-CN" dirty="0">
+                <a:latin typeface="Times New Roman" panose="02020603050405020304" pitchFamily="18" charset="0"/>
+                <a:cs typeface="Times New Roman" panose="02020603050405020304" pitchFamily="18" charset="0"/>
+              </a:rPr>
+              <a:t>Acceleration with Z3 solver</a:t>
+            </a:r>
+            <a:endParaRPr lang="zh-CN" altLang="en-US" dirty="0"/>
+          </a:p>
+        </p:txBody>
+      </p:sp>
+      <p:graphicFrame>
+        <p:nvGraphicFramePr>
+          <p:cNvPr id="3" name="Table 4">
+            <a:extLst>
+              <a:ext uri="{FF2B5EF4-FFF2-40B4-BE49-F238E27FC236}">
+                <a16:creationId xmlns:a16="http://schemas.microsoft.com/office/drawing/2014/main" id="{52AC75B5-C305-43AF-83C1-3662D077D9F2}"/>
+              </a:ext>
+            </a:extLst>
+          </p:cNvPr>
+          <p:cNvGraphicFramePr>
+            <a:graphicFrameLocks noGrp="1"/>
+          </p:cNvGraphicFramePr>
+          <p:nvPr>
+            <p:ph idx="1"/>
+            <p:extLst>
+              <p:ext uri="{D42A27DB-BD31-4B8C-83A1-F6EECF244321}">
+                <p14:modId xmlns:p14="http://schemas.microsoft.com/office/powerpoint/2010/main" val="3865777843"/>
+              </p:ext>
+            </p:extLst>
+          </p:nvPr>
+        </p:nvGraphicFramePr>
+        <p:xfrm>
+          <a:off x="838203" y="4763570"/>
+          <a:ext cx="10515597" cy="1112520"/>
+        </p:xfrm>
+        <a:graphic>
+          <a:graphicData uri="http://schemas.openxmlformats.org/drawingml/2006/table">
+            <a:tbl>
+              <a:tblPr firstRow="1" bandRow="1">
+                <a:tableStyleId>{5C22544A-7EE6-4342-B048-85BDC9FD1C3A}</a:tableStyleId>
+              </a:tblPr>
+              <a:tblGrid>
+                <a:gridCol w="3505199">
+                  <a:extLst>
+                    <a:ext uri="{9D8B030D-6E8A-4147-A177-3AD203B41FA5}">
+                      <a16:colId xmlns:a16="http://schemas.microsoft.com/office/drawing/2014/main" val="3291254033"/>
+                    </a:ext>
+                  </a:extLst>
+                </a:gridCol>
+                <a:gridCol w="3505199">
+                  <a:extLst>
+                    <a:ext uri="{9D8B030D-6E8A-4147-A177-3AD203B41FA5}">
+                      <a16:colId xmlns:a16="http://schemas.microsoft.com/office/drawing/2014/main" val="1741939441"/>
+                    </a:ext>
+                  </a:extLst>
+                </a:gridCol>
+                <a:gridCol w="3505199">
+                  <a:extLst>
+                    <a:ext uri="{9D8B030D-6E8A-4147-A177-3AD203B41FA5}">
+                      <a16:colId xmlns:a16="http://schemas.microsoft.com/office/drawing/2014/main" val="2552986506"/>
+                    </a:ext>
+                  </a:extLst>
+                </a:gridCol>
+              </a:tblGrid>
+              <a:tr h="370840">
+                <a:tc>
+                  <a:txBody>
+                    <a:bodyPr/>
+                    <a:lstStyle/>
+                    <a:p>
+                      <a:pPr algn="ctr"/>
+                      <a:r>
+                        <a:rPr lang="en-US" altLang="zh-CN" dirty="0">
+                          <a:latin typeface="Times New Roman" panose="02020603050405020304" pitchFamily="18" charset="0"/>
+                          <a:cs typeface="Times New Roman" panose="02020603050405020304" pitchFamily="18" charset="0"/>
+                        </a:rPr>
+                        <a:t>Dynamics</a:t>
+                      </a:r>
+                      <a:endParaRPr lang="zh-CN" altLang="en-US" dirty="0">
+                        <a:latin typeface="Times New Roman" panose="02020603050405020304" pitchFamily="18" charset="0"/>
+                        <a:cs typeface="Times New Roman" panose="02020603050405020304" pitchFamily="18" charset="0"/>
+                      </a:endParaRPr>
+                    </a:p>
+                  </a:txBody>
+                  <a:tcPr/>
+                </a:tc>
+                <a:tc>
+                  <a:txBody>
+                    <a:bodyPr/>
+                    <a:lstStyle/>
+                    <a:p>
+                      <a:pPr algn="ctr"/>
+                      <a:r>
+                        <a:rPr lang="en-US" altLang="zh-CN" dirty="0">
+                          <a:latin typeface="Times New Roman" panose="02020603050405020304" pitchFamily="18" charset="0"/>
+                          <a:cs typeface="Times New Roman" panose="02020603050405020304" pitchFamily="18" charset="0"/>
+                        </a:rPr>
+                        <a:t>SOS-CBF </a:t>
+                      </a:r>
+                      <a:endParaRPr lang="zh-CN" altLang="en-US" dirty="0">
+                        <a:latin typeface="Times New Roman" panose="02020603050405020304" pitchFamily="18" charset="0"/>
+                        <a:cs typeface="Times New Roman" panose="02020603050405020304" pitchFamily="18" charset="0"/>
+                      </a:endParaRPr>
+                    </a:p>
+                  </a:txBody>
+                  <a:tcPr/>
+                </a:tc>
+                <a:tc>
+                  <a:txBody>
+                    <a:bodyPr/>
+                    <a:lstStyle/>
+                    <a:p>
+                      <a:pPr algn="ctr"/>
+                      <a:r>
+                        <a:rPr lang="en-US" altLang="zh-CN" dirty="0">
+                          <a:latin typeface="Times New Roman" panose="02020603050405020304" pitchFamily="18" charset="0"/>
+                          <a:cs typeface="Times New Roman" panose="02020603050405020304" pitchFamily="18" charset="0"/>
+                        </a:rPr>
+                        <a:t>SOS-CBF with Z3 solver</a:t>
+                      </a:r>
+                      <a:endParaRPr lang="zh-CN" altLang="en-US" dirty="0">
+                        <a:latin typeface="Times New Roman" panose="02020603050405020304" pitchFamily="18" charset="0"/>
+                        <a:cs typeface="Times New Roman" panose="02020603050405020304" pitchFamily="18" charset="0"/>
+                      </a:endParaRPr>
+                    </a:p>
+                  </a:txBody>
+                  <a:tcPr/>
+                </a:tc>
+                <a:extLst>
+                  <a:ext uri="{0D108BD9-81ED-4DB2-BD59-A6C34878D82A}">
+                    <a16:rowId xmlns:a16="http://schemas.microsoft.com/office/drawing/2014/main" val="205821542"/>
+                  </a:ext>
+                </a:extLst>
+              </a:tr>
+              <a:tr h="370840">
+                <a:tc>
+                  <a:txBody>
+                    <a:bodyPr/>
+                    <a:lstStyle/>
+                    <a:p>
+                      <a:pPr algn="ctr"/>
+                      <a:r>
+                        <a:rPr lang="en-US" altLang="zh-CN" dirty="0">
+                          <a:latin typeface="Times New Roman" panose="02020603050405020304" pitchFamily="18" charset="0"/>
+                          <a:cs typeface="Times New Roman" panose="02020603050405020304" pitchFamily="18" charset="0"/>
+                        </a:rPr>
+                        <a:t>Multi-agent system</a:t>
+                      </a:r>
+                      <a:endParaRPr lang="zh-CN" altLang="en-US" dirty="0">
+                        <a:latin typeface="Times New Roman" panose="02020603050405020304" pitchFamily="18" charset="0"/>
+                        <a:cs typeface="Times New Roman" panose="02020603050405020304" pitchFamily="18" charset="0"/>
+                      </a:endParaRPr>
+                    </a:p>
+                  </a:txBody>
+                  <a:tcPr/>
+                </a:tc>
+                <a:tc>
+                  <a:txBody>
+                    <a:bodyPr/>
+                    <a:lstStyle/>
+                    <a:p>
+                      <a:pPr algn="ctr"/>
+                      <a:r>
+                        <a:rPr lang="en-US" altLang="zh-CN" dirty="0">
+                          <a:latin typeface="Times New Roman" panose="02020603050405020304" pitchFamily="18" charset="0"/>
+                          <a:cs typeface="Times New Roman" panose="02020603050405020304" pitchFamily="18" charset="0"/>
+                        </a:rPr>
+                        <a:t>36.972554445266724 seconds </a:t>
+                      </a:r>
+                      <a:endParaRPr lang="zh-CN" altLang="en-US" dirty="0">
+                        <a:latin typeface="Times New Roman" panose="02020603050405020304" pitchFamily="18" charset="0"/>
+                        <a:cs typeface="Times New Roman" panose="02020603050405020304" pitchFamily="18" charset="0"/>
+                      </a:endParaRPr>
+                    </a:p>
+                  </a:txBody>
+                  <a:tcPr/>
+                </a:tc>
+                <a:tc>
+                  <a:txBody>
+                    <a:bodyPr/>
+                    <a:lstStyle/>
+                    <a:p>
+                      <a:pPr algn="ctr"/>
+                      <a:r>
+                        <a:rPr lang="en-US" altLang="zh-CN" dirty="0">
+                          <a:latin typeface="Times New Roman" panose="02020603050405020304" pitchFamily="18" charset="0"/>
+                          <a:cs typeface="Times New Roman" panose="02020603050405020304" pitchFamily="18" charset="0"/>
+                        </a:rPr>
+                        <a:t>2.069892644882202</a:t>
+                      </a:r>
+                      <a:endParaRPr lang="zh-CN" altLang="en-US" dirty="0">
+                        <a:latin typeface="Times New Roman" panose="02020603050405020304" pitchFamily="18" charset="0"/>
+                        <a:cs typeface="Times New Roman" panose="02020603050405020304" pitchFamily="18" charset="0"/>
+                      </a:endParaRPr>
+                    </a:p>
+                  </a:txBody>
+                  <a:tcPr/>
+                </a:tc>
+                <a:extLst>
+                  <a:ext uri="{0D108BD9-81ED-4DB2-BD59-A6C34878D82A}">
+                    <a16:rowId xmlns:a16="http://schemas.microsoft.com/office/drawing/2014/main" val="839043475"/>
+                  </a:ext>
+                </a:extLst>
+              </a:tr>
+              <a:tr h="370840">
+                <a:tc>
+                  <a:txBody>
+                    <a:bodyPr/>
+                    <a:lstStyle/>
+                    <a:p>
+                      <a:pPr algn="ctr"/>
+                      <a:r>
+                        <a:rPr lang="en-US" altLang="zh-CN" dirty="0">
+                          <a:latin typeface="Times New Roman" panose="02020603050405020304" pitchFamily="18" charset="0"/>
+                          <a:cs typeface="Times New Roman" panose="02020603050405020304" pitchFamily="18" charset="0"/>
+                        </a:rPr>
+                        <a:t>Rimless-wheel system</a:t>
+                      </a:r>
+                      <a:endParaRPr lang="zh-CN" altLang="en-US" dirty="0">
+                        <a:latin typeface="Times New Roman" panose="02020603050405020304" pitchFamily="18" charset="0"/>
+                        <a:cs typeface="Times New Roman" panose="02020603050405020304" pitchFamily="18" charset="0"/>
+                      </a:endParaRPr>
+                    </a:p>
+                  </a:txBody>
+                  <a:tcPr/>
+                </a:tc>
+                <a:tc>
+                  <a:txBody>
+                    <a:bodyPr/>
+                    <a:lstStyle/>
+                    <a:p>
+                      <a:pPr algn="ctr"/>
+                      <a:r>
+                        <a:rPr lang="en-US" altLang="zh-CN" dirty="0">
+                          <a:latin typeface="Times New Roman" panose="02020603050405020304" pitchFamily="18" charset="0"/>
+                          <a:cs typeface="Times New Roman" panose="02020603050405020304" pitchFamily="18" charset="0"/>
+                        </a:rPr>
+                        <a:t>20.53864312171936 secs</a:t>
+                      </a:r>
+                      <a:endParaRPr lang="zh-CN" altLang="en-US" dirty="0">
+                        <a:latin typeface="Times New Roman" panose="02020603050405020304" pitchFamily="18" charset="0"/>
+                        <a:cs typeface="Times New Roman" panose="02020603050405020304" pitchFamily="18" charset="0"/>
+                      </a:endParaRPr>
+                    </a:p>
+                  </a:txBody>
+                  <a:tcPr/>
+                </a:tc>
+                <a:tc>
+                  <a:txBody>
+                    <a:bodyPr/>
+                    <a:lstStyle/>
+                    <a:p>
+                      <a:pPr algn="ctr"/>
+                      <a:r>
+                        <a:rPr lang="en-US" altLang="zh-CN" dirty="0">
+                          <a:latin typeface="Times New Roman" panose="02020603050405020304" pitchFamily="18" charset="0"/>
+                          <a:cs typeface="Times New Roman" panose="02020603050405020304" pitchFamily="18" charset="0"/>
+                        </a:rPr>
+                        <a:t>0.4408400058746338 secs</a:t>
+                      </a:r>
+                      <a:endParaRPr lang="zh-CN" altLang="en-US" dirty="0">
+                        <a:latin typeface="Times New Roman" panose="02020603050405020304" pitchFamily="18" charset="0"/>
+                        <a:cs typeface="Times New Roman" panose="02020603050405020304" pitchFamily="18" charset="0"/>
+                      </a:endParaRPr>
+                    </a:p>
+                  </a:txBody>
+                  <a:tcPr/>
+                </a:tc>
+                <a:extLst>
+                  <a:ext uri="{0D108BD9-81ED-4DB2-BD59-A6C34878D82A}">
+                    <a16:rowId xmlns:a16="http://schemas.microsoft.com/office/drawing/2014/main" val="3462660831"/>
+                  </a:ext>
+                </a:extLst>
+              </a:tr>
+            </a:tbl>
+          </a:graphicData>
+        </a:graphic>
+      </p:graphicFrame>
+      <p:pic>
+        <p:nvPicPr>
+          <p:cNvPr id="7" name="Picture 6">
+            <a:extLst>
+              <a:ext uri="{FF2B5EF4-FFF2-40B4-BE49-F238E27FC236}">
+                <a16:creationId xmlns:a16="http://schemas.microsoft.com/office/drawing/2014/main" id="{B6732BB9-C2B3-46E6-B145-FD5ED5294715}"/>
+              </a:ext>
+            </a:extLst>
+          </p:cNvPr>
+          <p:cNvPicPr>
+            <a:picLocks noChangeAspect="1"/>
+          </p:cNvPicPr>
+          <p:nvPr/>
+        </p:nvPicPr>
+        <p:blipFill>
+          <a:blip r:embed="rId2"/>
+          <a:stretch>
+            <a:fillRect/>
+          </a:stretch>
+        </p:blipFill>
+        <p:spPr>
+          <a:xfrm>
+            <a:off x="1262062" y="1321815"/>
+            <a:ext cx="9667875" cy="3267075"/>
+          </a:xfrm>
+          <a:prstGeom prst="rect">
+            <a:avLst/>
+          </a:prstGeom>
+        </p:spPr>
+      </p:pic>
+    </p:spTree>
+    <p:extLst>
+      <p:ext uri="{BB962C8B-B14F-4D97-AF65-F5344CB8AC3E}">
+        <p14:creationId xmlns:p14="http://schemas.microsoft.com/office/powerpoint/2010/main" val="2489915359"/>
       </p:ext>
     </p:extLst>
   </p:cSld>
@@ -5999,7 +12252,7 @@
                 <a:latin typeface="Times New Roman" panose="02020603050405020304" pitchFamily="18" charset="0"/>
                 <a:cs typeface="Times New Roman" panose="02020603050405020304" pitchFamily="18" charset="0"/>
               </a:rPr>
-              <a:t>Motivation</a:t>
+              <a:t>Motivation &amp; Contribution</a:t>
             </a:r>
             <a:endParaRPr lang="zh-CN" altLang="en-US" dirty="0">
               <a:latin typeface="Times New Roman" panose="02020603050405020304" pitchFamily="18" charset="0"/>
@@ -6130,7 +12383,7 @@
                 <a:latin typeface="Times New Roman" panose="02020603050405020304" pitchFamily="18" charset="0"/>
                 <a:cs typeface="Times New Roman" panose="02020603050405020304" pitchFamily="18" charset="0"/>
               </a:rPr>
-              <a:t>Contribution</a:t>
+              <a:t>Motivation &amp; Contribution</a:t>
             </a:r>
             <a:endParaRPr lang="zh-CN" altLang="en-US" dirty="0">
               <a:latin typeface="Times New Roman" panose="02020603050405020304" pitchFamily="18" charset="0"/>
@@ -6250,7 +12503,7 @@
                 <a:latin typeface="Times New Roman" panose="02020603050405020304" pitchFamily="18" charset="0"/>
                 <a:cs typeface="Times New Roman" panose="02020603050405020304" pitchFamily="18" charset="0"/>
               </a:rPr>
-              <a:t>CBF Verification</a:t>
+              <a:t>Problem Formulation</a:t>
             </a:r>
             <a:endParaRPr lang="zh-CN" altLang="en-US" dirty="0">
               <a:latin typeface="Times New Roman" panose="02020603050405020304" pitchFamily="18" charset="0"/>
@@ -6259,8 +12512,8 @@
           </a:p>
         </p:txBody>
       </p:sp>
-      <mc:AlternateContent xmlns:mc="http://schemas.openxmlformats.org/markup-compatibility/2006">
-        <mc:Choice xmlns:a14="http://schemas.microsoft.com/office/drawing/2010/main" Requires="a14">
+      <mc:AlternateContent xmlns:mc="http://schemas.openxmlformats.org/markup-compatibility/2006" xmlns:a14="http://schemas.microsoft.com/office/drawing/2010/main">
+        <mc:Choice Requires="a14">
           <p:sp>
             <p:nvSpPr>
               <p:cNvPr id="3" name="Content Placeholder 2">
@@ -6518,14 +12771,7 @@
                               <a:latin typeface="Cambria Math" panose="02040503050406030204" pitchFamily="18" charset="0"/>
                               <a:cs typeface="Times New Roman" panose="02020603050405020304" pitchFamily="18" charset="0"/>
                             </a:rPr>
-                            <m:t>#</m:t>
-                          </m:r>
-                          <m:r>
-                            <a:rPr lang="en-US" altLang="zh-CN" sz="2000" b="0" i="1" dirty="0" smtClean="0">
-                              <a:latin typeface="Cambria Math" panose="02040503050406030204" pitchFamily="18" charset="0"/>
-                              <a:cs typeface="Times New Roman" panose="02020603050405020304" pitchFamily="18" charset="0"/>
-                            </a:rPr>
-                            <m:t>#</m:t>
+                            <m:t>##</m:t>
                           </m:r>
                           <m:r>
                             <a:rPr lang="zh-CN" altLang="en-US" sz="2000" i="1" dirty="0" smtClean="0">
@@ -7480,7 +13726,7 @@
             </p:txBody>
           </p:sp>
         </mc:Choice>
-        <mc:Fallback>
+        <mc:Fallback xmlns="">
           <p:sp>
             <p:nvSpPr>
               <p:cNvPr id="3" name="Content Placeholder 2">
@@ -7580,7 +13826,7 @@
                 <a:latin typeface="Times New Roman" panose="02020603050405020304" pitchFamily="18" charset="0"/>
                 <a:cs typeface="Times New Roman" panose="02020603050405020304" pitchFamily="18" charset="0"/>
               </a:rPr>
-              <a:t>CBF Verification</a:t>
+              <a:t>Problem Formulation</a:t>
             </a:r>
             <a:endParaRPr lang="zh-CN" altLang="en-US" dirty="0">
               <a:latin typeface="Times New Roman" panose="02020603050405020304" pitchFamily="18" charset="0"/>
@@ -8206,8 +14452,8 @@
           </a:p>
         </p:txBody>
       </p:sp>
-      <mc:AlternateContent xmlns:mc="http://schemas.openxmlformats.org/markup-compatibility/2006">
-        <mc:Choice xmlns:a14="http://schemas.microsoft.com/office/drawing/2010/main" Requires="a14">
+      <mc:AlternateContent xmlns:mc="http://schemas.openxmlformats.org/markup-compatibility/2006" xmlns:a14="http://schemas.microsoft.com/office/drawing/2010/main">
+        <mc:Choice Requires="a14">
           <p:sp>
             <p:nvSpPr>
               <p:cNvPr id="3" name="Content Placeholder 2">
@@ -9738,7 +15984,7 @@
             </p:txBody>
           </p:sp>
         </mc:Choice>
-        <mc:Fallback>
+        <mc:Fallback xmlns="">
           <p:sp>
             <p:nvSpPr>
               <p:cNvPr id="3" name="Content Placeholder 2">
@@ -13068,8 +19314,8 @@
           </a:p>
         </p:txBody>
       </p:sp>
-      <mc:AlternateContent xmlns:mc="http://schemas.openxmlformats.org/markup-compatibility/2006">
-        <mc:Choice xmlns:a14="http://schemas.microsoft.com/office/drawing/2010/main" Requires="a14">
+      <mc:AlternateContent xmlns:mc="http://schemas.openxmlformats.org/markup-compatibility/2006" xmlns:a14="http://schemas.microsoft.com/office/drawing/2010/main">
+        <mc:Choice Requires="a14">
           <p:sp>
             <p:nvSpPr>
               <p:cNvPr id="3" name="Content Placeholder 2">
@@ -14329,7 +20575,7 @@
             </p:txBody>
           </p:sp>
         </mc:Choice>
-        <mc:Fallback>
+        <mc:Fallback xmlns="">
           <p:sp>
             <p:nvSpPr>
               <p:cNvPr id="3" name="Content Placeholder 2">
@@ -14804,4 +21050,299 @@
     </a:ext>
   </a:extLst>
 </a:theme>
+</file>
+
+<file path=ppt/theme/theme2.xml><?xml version="1.0" encoding="utf-8"?>
+<a:theme xmlns:a="http://schemas.openxmlformats.org/drawingml/2006/main" name="Office Theme">
+  <a:themeElements>
+    <a:clrScheme name="Office">
+      <a:dk1>
+        <a:sysClr val="windowText" lastClr="000000"/>
+      </a:dk1>
+      <a:lt1>
+        <a:sysClr val="window" lastClr="FFFFFF"/>
+      </a:lt1>
+      <a:dk2>
+        <a:srgbClr val="44546A"/>
+      </a:dk2>
+      <a:lt2>
+        <a:srgbClr val="E7E6E6"/>
+      </a:lt2>
+      <a:accent1>
+        <a:srgbClr val="4472C4"/>
+      </a:accent1>
+      <a:accent2>
+        <a:srgbClr val="ED7D31"/>
+      </a:accent2>
+      <a:accent3>
+        <a:srgbClr val="A5A5A5"/>
+      </a:accent3>
+      <a:accent4>
+        <a:srgbClr val="FFC000"/>
+      </a:accent4>
+      <a:accent5>
+        <a:srgbClr val="5B9BD5"/>
+      </a:accent5>
+      <a:accent6>
+        <a:srgbClr val="70AD47"/>
+      </a:accent6>
+      <a:hlink>
+        <a:srgbClr val="0563C1"/>
+      </a:hlink>
+      <a:folHlink>
+        <a:srgbClr val="954F72"/>
+      </a:folHlink>
+    </a:clrScheme>
+    <a:fontScheme name="Office">
+      <a:majorFont>
+        <a:latin typeface="等线 Light" panose="020F0302020204030204"/>
+        <a:ea typeface=""/>
+        <a:cs typeface=""/>
+        <a:font script="Jpan" typeface="游ゴシック Light"/>
+        <a:font script="Hang" typeface="맑은 고딕"/>
+        <a:font script="Hans" typeface="等线 Light"/>
+        <a:font script="Hant" typeface="新細明體"/>
+        <a:font script="Arab" typeface="Times New Roman"/>
+        <a:font script="Hebr" typeface="Times New Roman"/>
+        <a:font script="Thai" typeface="Angsana New"/>
+        <a:font script="Ethi" typeface="Nyala"/>
+        <a:font script="Beng" typeface="Vrinda"/>
+        <a:font script="Gujr" typeface="Shruti"/>
+        <a:font script="Khmr" typeface="MoolBoran"/>
+        <a:font script="Knda" typeface="Tunga"/>
+        <a:font script="Guru" typeface="Raavi"/>
+        <a:font script="Cans" typeface="Euphemia"/>
+        <a:font script="Cher" typeface="Plantagenet Cherokee"/>
+        <a:font script="Yiii" typeface="Microsoft Yi Baiti"/>
+        <a:font script="Tibt" typeface="Microsoft Himalaya"/>
+        <a:font script="Thaa" typeface="MV Boli"/>
+        <a:font script="Deva" typeface="Mangal"/>
+        <a:font script="Telu" typeface="Gautami"/>
+        <a:font script="Taml" typeface="Latha"/>
+        <a:font script="Syrc" typeface="Estrangelo Edessa"/>
+        <a:font script="Orya" typeface="Kalinga"/>
+        <a:font script="Mlym" typeface="Kartika"/>
+        <a:font script="Laoo" typeface="DokChampa"/>
+        <a:font script="Sinh" typeface="Iskoola Pota"/>
+        <a:font script="Mong" typeface="Mongolian Baiti"/>
+        <a:font script="Viet" typeface="Times New Roman"/>
+        <a:font script="Uigh" typeface="Microsoft Uighur"/>
+        <a:font script="Geor" typeface="Sylfaen"/>
+        <a:font script="Armn" typeface="Arial"/>
+        <a:font script="Bugi" typeface="Leelawadee UI"/>
+        <a:font script="Bopo" typeface="Microsoft JhengHei"/>
+        <a:font script="Java" typeface="Javanese Text"/>
+        <a:font script="Lisu" typeface="Segoe UI"/>
+        <a:font script="Mymr" typeface="Myanmar Text"/>
+        <a:font script="Nkoo" typeface="Ebrima"/>
+        <a:font script="Olck" typeface="Nirmala UI"/>
+        <a:font script="Osma" typeface="Ebrima"/>
+        <a:font script="Phag" typeface="Phagspa"/>
+        <a:font script="Syrn" typeface="Estrangelo Edessa"/>
+        <a:font script="Syrj" typeface="Estrangelo Edessa"/>
+        <a:font script="Syre" typeface="Estrangelo Edessa"/>
+        <a:font script="Sora" typeface="Nirmala UI"/>
+        <a:font script="Tale" typeface="Microsoft Tai Le"/>
+        <a:font script="Talu" typeface="Microsoft New Tai Lue"/>
+        <a:font script="Tfng" typeface="Ebrima"/>
+      </a:majorFont>
+      <a:minorFont>
+        <a:latin typeface="等线" panose="020F0502020204030204"/>
+        <a:ea typeface=""/>
+        <a:cs typeface=""/>
+        <a:font script="Jpan" typeface="游ゴシック"/>
+        <a:font script="Hang" typeface="맑은 고딕"/>
+        <a:font script="Hans" typeface="等线"/>
+        <a:font script="Hant" typeface="新細明體"/>
+        <a:font script="Arab" typeface="Arial"/>
+        <a:font script="Hebr" typeface="Arial"/>
+        <a:font script="Thai" typeface="Cordia New"/>
+        <a:font script="Ethi" typeface="Nyala"/>
+        <a:font script="Beng" typeface="Vrinda"/>
+        <a:font script="Gujr" typeface="Shruti"/>
+        <a:font script="Khmr" typeface="DaunPenh"/>
+        <a:font script="Knda" typeface="Tunga"/>
+        <a:font script="Guru" typeface="Raavi"/>
+        <a:font script="Cans" typeface="Euphemia"/>
+        <a:font script="Cher" typeface="Plantagenet Cherokee"/>
+        <a:font script="Yiii" typeface="Microsoft Yi Baiti"/>
+        <a:font script="Tibt" typeface="Microsoft Himalaya"/>
+        <a:font script="Thaa" typeface="MV Boli"/>
+        <a:font script="Deva" typeface="Mangal"/>
+        <a:font script="Telu" typeface="Gautami"/>
+        <a:font script="Taml" typeface="Latha"/>
+        <a:font script="Syrc" typeface="Estrangelo Edessa"/>
+        <a:font script="Orya" typeface="Kalinga"/>
+        <a:font script="Mlym" typeface="Kartika"/>
+        <a:font script="Laoo" typeface="DokChampa"/>
+        <a:font script="Sinh" typeface="Iskoola Pota"/>
+        <a:font script="Mong" typeface="Mongolian Baiti"/>
+        <a:font script="Viet" typeface="Arial"/>
+        <a:font script="Uigh" typeface="Microsoft Uighur"/>
+        <a:font script="Geor" typeface="Sylfaen"/>
+        <a:font script="Armn" typeface="Arial"/>
+        <a:font script="Bugi" typeface="Leelawadee UI"/>
+        <a:font script="Bopo" typeface="Microsoft JhengHei"/>
+        <a:font script="Java" typeface="Javanese Text"/>
+        <a:font script="Lisu" typeface="Segoe UI"/>
+        <a:font script="Mymr" typeface="Myanmar Text"/>
+        <a:font script="Nkoo" typeface="Ebrima"/>
+        <a:font script="Olck" typeface="Nirmala UI"/>
+        <a:font script="Osma" typeface="Ebrima"/>
+        <a:font script="Phag" typeface="Phagspa"/>
+        <a:font script="Syrn" typeface="Estrangelo Edessa"/>
+        <a:font script="Syrj" typeface="Estrangelo Edessa"/>
+        <a:font script="Syre" typeface="Estrangelo Edessa"/>
+        <a:font script="Sora" typeface="Nirmala UI"/>
+        <a:font script="Tale" typeface="Microsoft Tai Le"/>
+        <a:font script="Talu" typeface="Microsoft New Tai Lue"/>
+        <a:font script="Tfng" typeface="Ebrima"/>
+      </a:minorFont>
+    </a:fontScheme>
+    <a:fmtScheme name="Office">
+      <a:fillStyleLst>
+        <a:solidFill>
+          <a:schemeClr val="phClr"/>
+        </a:solidFill>
+        <a:gradFill rotWithShape="1">
+          <a:gsLst>
+            <a:gs pos="0">
+              <a:schemeClr val="phClr">
+                <a:lumMod val="110000"/>
+                <a:satMod val="105000"/>
+                <a:tint val="67000"/>
+              </a:schemeClr>
+            </a:gs>
+            <a:gs pos="50000">
+              <a:schemeClr val="phClr">
+                <a:lumMod val="105000"/>
+                <a:satMod val="103000"/>
+                <a:tint val="73000"/>
+              </a:schemeClr>
+            </a:gs>
+            <a:gs pos="100000">
+              <a:schemeClr val="phClr">
+                <a:lumMod val="105000"/>
+                <a:satMod val="109000"/>
+                <a:tint val="81000"/>
+              </a:schemeClr>
+            </a:gs>
+          </a:gsLst>
+          <a:lin ang="5400000" scaled="0"/>
+        </a:gradFill>
+        <a:gradFill rotWithShape="1">
+          <a:gsLst>
+            <a:gs pos="0">
+              <a:schemeClr val="phClr">
+                <a:satMod val="103000"/>
+                <a:lumMod val="102000"/>
+                <a:tint val="94000"/>
+              </a:schemeClr>
+            </a:gs>
+            <a:gs pos="50000">
+              <a:schemeClr val="phClr">
+                <a:satMod val="110000"/>
+                <a:lumMod val="100000"/>
+                <a:shade val="100000"/>
+              </a:schemeClr>
+            </a:gs>
+            <a:gs pos="100000">
+              <a:schemeClr val="phClr">
+                <a:lumMod val="99000"/>
+                <a:satMod val="120000"/>
+                <a:shade val="78000"/>
+              </a:schemeClr>
+            </a:gs>
+          </a:gsLst>
+          <a:lin ang="5400000" scaled="0"/>
+        </a:gradFill>
+      </a:fillStyleLst>
+      <a:lnStyleLst>
+        <a:ln w="6350" cap="flat" cmpd="sng" algn="ctr">
+          <a:solidFill>
+            <a:schemeClr val="phClr"/>
+          </a:solidFill>
+          <a:prstDash val="solid"/>
+          <a:miter lim="800000"/>
+        </a:ln>
+        <a:ln w="12700" cap="flat" cmpd="sng" algn="ctr">
+          <a:solidFill>
+            <a:schemeClr val="phClr"/>
+          </a:solidFill>
+          <a:prstDash val="solid"/>
+          <a:miter lim="800000"/>
+        </a:ln>
+        <a:ln w="19050" cap="flat" cmpd="sng" algn="ctr">
+          <a:solidFill>
+            <a:schemeClr val="phClr"/>
+          </a:solidFill>
+          <a:prstDash val="solid"/>
+          <a:miter lim="800000"/>
+        </a:ln>
+      </a:lnStyleLst>
+      <a:effectStyleLst>
+        <a:effectStyle>
+          <a:effectLst/>
+        </a:effectStyle>
+        <a:effectStyle>
+          <a:effectLst/>
+        </a:effectStyle>
+        <a:effectStyle>
+          <a:effectLst>
+            <a:outerShdw blurRad="57150" dist="19050" dir="5400000" algn="ctr" rotWithShape="0">
+              <a:srgbClr val="000000">
+                <a:alpha val="63000"/>
+              </a:srgbClr>
+            </a:outerShdw>
+          </a:effectLst>
+        </a:effectStyle>
+      </a:effectStyleLst>
+      <a:bgFillStyleLst>
+        <a:solidFill>
+          <a:schemeClr val="phClr"/>
+        </a:solidFill>
+        <a:solidFill>
+          <a:schemeClr val="phClr">
+            <a:tint val="95000"/>
+            <a:satMod val="170000"/>
+          </a:schemeClr>
+        </a:solidFill>
+        <a:gradFill rotWithShape="1">
+          <a:gsLst>
+            <a:gs pos="0">
+              <a:schemeClr val="phClr">
+                <a:tint val="93000"/>
+                <a:satMod val="150000"/>
+                <a:shade val="98000"/>
+                <a:lumMod val="102000"/>
+              </a:schemeClr>
+            </a:gs>
+            <a:gs pos="50000">
+              <a:schemeClr val="phClr">
+                <a:tint val="98000"/>
+                <a:satMod val="130000"/>
+                <a:shade val="90000"/>
+                <a:lumMod val="103000"/>
+              </a:schemeClr>
+            </a:gs>
+            <a:gs pos="100000">
+              <a:schemeClr val="phClr">
+                <a:shade val="63000"/>
+                <a:satMod val="120000"/>
+              </a:schemeClr>
+            </a:gs>
+          </a:gsLst>
+          <a:lin ang="5400000" scaled="0"/>
+        </a:gradFill>
+      </a:bgFillStyleLst>
+    </a:fmtScheme>
+  </a:themeElements>
+  <a:objectDefaults/>
+  <a:extraClrSchemeLst/>
+  <a:extLst>
+    <a:ext uri="{05A4C25C-085E-4340-85A3-A5531E510DB2}">
+      <thm15:themeFamily xmlns:thm15="http://schemas.microsoft.com/office/thememl/2012/main" name="Office Theme" id="{62F939B6-93AF-4DB8-9C6B-D6C7DFDC589F}" vid="{4A3C46E8-61CC-4603-A589-7422A47A8E4A}"/>
+    </a:ext>
+  </a:extLst>
+</a:theme>
 </file>